--- a/Mod3 Presentation.pptx
+++ b/Mod3 Presentation.pptx
@@ -9,14 +9,13 @@
     <p:sldId id="260" r:id="rId3"/>
     <p:sldId id="257" r:id="rId4"/>
     <p:sldId id="258" r:id="rId5"/>
-    <p:sldId id="265" r:id="rId6"/>
-    <p:sldId id="264" r:id="rId7"/>
-    <p:sldId id="267" r:id="rId8"/>
-    <p:sldId id="266" r:id="rId9"/>
-    <p:sldId id="268" r:id="rId10"/>
-    <p:sldId id="270" r:id="rId11"/>
-    <p:sldId id="271" r:id="rId12"/>
-    <p:sldId id="272" r:id="rId13"/>
+    <p:sldId id="264" r:id="rId6"/>
+    <p:sldId id="267" r:id="rId7"/>
+    <p:sldId id="266" r:id="rId8"/>
+    <p:sldId id="268" r:id="rId9"/>
+    <p:sldId id="270" r:id="rId10"/>
+    <p:sldId id="271" r:id="rId11"/>
+    <p:sldId id="272" r:id="rId12"/>
   </p:sldIdLst>
   <p:sldSz cx="12192000" cy="6858000"/>
   <p:notesSz cx="6858000" cy="9144000"/>
@@ -115,6 +114,11 @@
       </a:defRPr>
     </a:lvl9pPr>
   </p:defaultTextStyle>
+  <p:extLst>
+    <p:ext uri="{EFAFB233-063F-42B5-8137-9DF3F51BA10A}">
+      <p15:sldGuideLst xmlns:p15="http://schemas.microsoft.com/office/powerpoint/2012/main"/>
+    </p:ext>
+  </p:extLst>
 </p:presentation>
 </file>
 
@@ -2963,7 +2967,7 @@
           <a:p>
             <a:fld id="{6A4B53A7-3209-46A6-9454-F38EAC8F11E7}" type="datetimeFigureOut">
               <a:rPr lang="en-US" smtClean="0"/>
-              <a:t>10/1/20</a:t>
+              <a:t>10/2/20</a:t>
             </a:fld>
             <a:endParaRPr lang="en-US"/>
           </a:p>
@@ -3214,7 +3218,7 @@
           <a:p>
             <a:fld id="{6A4B53A7-3209-46A6-9454-F38EAC8F11E7}" type="datetimeFigureOut">
               <a:rPr lang="en-US" smtClean="0"/>
-              <a:t>10/1/20</a:t>
+              <a:t>10/2/20</a:t>
             </a:fld>
             <a:endParaRPr lang="en-US"/>
           </a:p>
@@ -3475,7 +3479,7 @@
           <a:p>
             <a:fld id="{6A4B53A7-3209-46A6-9454-F38EAC8F11E7}" type="datetimeFigureOut">
               <a:rPr lang="en-US" smtClean="0"/>
-              <a:t>10/1/20</a:t>
+              <a:t>10/2/20</a:t>
             </a:fld>
             <a:endParaRPr lang="en-US"/>
           </a:p>
@@ -3726,7 +3730,7 @@
           <a:p>
             <a:fld id="{6A4B53A7-3209-46A6-9454-F38EAC8F11E7}" type="datetimeFigureOut">
               <a:rPr lang="en-US" smtClean="0"/>
-              <a:t>10/1/20</a:t>
+              <a:t>10/2/20</a:t>
             </a:fld>
             <a:endParaRPr lang="en-US"/>
           </a:p>
@@ -4054,7 +4058,7 @@
           <a:p>
             <a:fld id="{6A4B53A7-3209-46A6-9454-F38EAC8F11E7}" type="datetimeFigureOut">
               <a:rPr lang="en-US" smtClean="0"/>
-              <a:t>10/1/20</a:t>
+              <a:t>10/2/20</a:t>
             </a:fld>
             <a:endParaRPr lang="en-US"/>
           </a:p>
@@ -4372,7 +4376,7 @@
           <a:p>
             <a:fld id="{6A4B53A7-3209-46A6-9454-F38EAC8F11E7}" type="datetimeFigureOut">
               <a:rPr lang="en-US" smtClean="0"/>
-              <a:t>10/1/20</a:t>
+              <a:t>10/2/20</a:t>
             </a:fld>
             <a:endParaRPr lang="en-US"/>
           </a:p>
@@ -4837,7 +4841,7 @@
           <a:p>
             <a:fld id="{6A4B53A7-3209-46A6-9454-F38EAC8F11E7}" type="datetimeFigureOut">
               <a:rPr lang="en-US" smtClean="0"/>
-              <a:t>10/1/20</a:t>
+              <a:t>10/2/20</a:t>
             </a:fld>
             <a:endParaRPr lang="en-US"/>
           </a:p>
@@ -5031,7 +5035,7 @@
           <a:p>
             <a:fld id="{6A4B53A7-3209-46A6-9454-F38EAC8F11E7}" type="datetimeFigureOut">
               <a:rPr lang="en-US" smtClean="0"/>
-              <a:t>10/1/20</a:t>
+              <a:t>10/2/20</a:t>
             </a:fld>
             <a:endParaRPr lang="en-US"/>
           </a:p>
@@ -5197,7 +5201,7 @@
           <a:p>
             <a:fld id="{6A4B53A7-3209-46A6-9454-F38EAC8F11E7}" type="datetimeFigureOut">
               <a:rPr lang="en-US" smtClean="0"/>
-              <a:t>10/1/20</a:t>
+              <a:t>10/2/20</a:t>
             </a:fld>
             <a:endParaRPr lang="en-US"/>
           </a:p>
@@ -5561,7 +5565,7 @@
           <a:p>
             <a:fld id="{6A4B53A7-3209-46A6-9454-F38EAC8F11E7}" type="datetimeFigureOut">
               <a:rPr lang="en-US" smtClean="0"/>
-              <a:t>10/1/20</a:t>
+              <a:t>10/2/20</a:t>
             </a:fld>
             <a:endParaRPr lang="en-US"/>
           </a:p>
@@ -5905,7 +5909,7 @@
           <a:p>
             <a:fld id="{6A4B53A7-3209-46A6-9454-F38EAC8F11E7}" type="datetimeFigureOut">
               <a:rPr lang="en-US" smtClean="0"/>
-              <a:t>10/1/20</a:t>
+              <a:t>10/2/20</a:t>
             </a:fld>
             <a:endParaRPr lang="en-US"/>
           </a:p>
@@ -6200,7 +6204,7 @@
             <a:fld id="{6A4B53A7-3209-46A6-9454-F38EAC8F11E7}" type="datetimeFigureOut">
               <a:rPr lang="en-US" smtClean="0"/>
               <a:pPr/>
-              <a:t>10/1/20</a:t>
+              <a:t>10/2/20</a:t>
             </a:fld>
             <a:endParaRPr lang="en-US" dirty="0"/>
           </a:p>
@@ -7704,8 +7708,8 @@
         </p:nvSpPr>
         <p:spPr>
           <a:xfrm>
-            <a:off x="263181" y="304240"/>
-            <a:ext cx="10051697" cy="1502456"/>
+            <a:off x="1431781" y="515294"/>
+            <a:ext cx="9147940" cy="1197511"/>
           </a:xfrm>
         </p:spPr>
         <p:txBody>
@@ -7714,6 +7718,7 @@
           </a:bodyPr>
           <a:lstStyle/>
           <a:p>
+            <a:pPr algn="ctr"/>
             <a:r>
               <a:rPr lang="en-US" sz="2800" b="1" i="0" kern="1200" cap="all" baseline="0" dirty="0">
                 <a:solidFill>
@@ -7723,50 +7728,7 @@
                 <a:ea typeface="+mj-ea"/>
                 <a:cs typeface="+mj-cs"/>
               </a:rPr>
-              <a:t>Best Model:</a:t>
-            </a:r>
-            <a:br>
-              <a:rPr lang="en-US" sz="2800" b="1" i="0" kern="1200" cap="all" baseline="0" dirty="0">
-                <a:solidFill>
-                  <a:schemeClr val="bg1"/>
-                </a:solidFill>
-                <a:latin typeface="+mj-lt"/>
-                <a:ea typeface="+mj-ea"/>
-                <a:cs typeface="+mj-cs"/>
-              </a:rPr>
-            </a:br>
-            <a:r>
-              <a:rPr lang="en-US" sz="2800" b="1" i="0" kern="1200" cap="all" baseline="0" dirty="0">
-                <a:solidFill>
-                  <a:schemeClr val="bg1"/>
-                </a:solidFill>
-                <a:latin typeface="+mj-lt"/>
-                <a:ea typeface="+mj-ea"/>
-                <a:cs typeface="+mj-cs"/>
-              </a:rPr>
-              <a:t>Logistic Regression, </a:t>
-            </a:r>
-            <a:r>
-              <a:rPr lang="en-US" sz="2800" b="1" i="0" kern="1200" cap="all" baseline="0" dirty="0" err="1">
-                <a:solidFill>
-                  <a:schemeClr val="bg1"/>
-                </a:solidFill>
-                <a:latin typeface="+mj-lt"/>
-                <a:ea typeface="+mj-ea"/>
-                <a:cs typeface="+mj-cs"/>
-              </a:rPr>
-              <a:t>Upsampled</a:t>
-            </a:r>
-            <a:r>
-              <a:rPr lang="en-US" sz="2800" b="1" i="0" kern="1200" cap="all" baseline="0" dirty="0">
-                <a:solidFill>
-                  <a:schemeClr val="bg1"/>
-                </a:solidFill>
-                <a:latin typeface="+mj-lt"/>
-                <a:ea typeface="+mj-ea"/>
-                <a:cs typeface="+mj-cs"/>
-              </a:rPr>
-              <a:t>, Best Features</a:t>
+              <a:t>Suggestions</a:t>
             </a:r>
           </a:p>
         </p:txBody>
@@ -8772,10 +8734,10 @@
       </p:cxnSp>
       <p:sp>
         <p:nvSpPr>
-          <p:cNvPr id="3" name="Rectangle 2">
-            <a:extLst>
-              <a:ext uri="{FF2B5EF4-FFF2-40B4-BE49-F238E27FC236}">
-                <a16:creationId xmlns:a16="http://schemas.microsoft.com/office/drawing/2014/main" id="{E9908870-EF2C-7A46-86BF-7062E7155BC7}"/>
+          <p:cNvPr id="5" name="Oval 4">
+            <a:extLst>
+              <a:ext uri="{FF2B5EF4-FFF2-40B4-BE49-F238E27FC236}">
+                <a16:creationId xmlns:a16="http://schemas.microsoft.com/office/drawing/2014/main" id="{673F0C52-EADF-5F44-9A12-524278E38FF3}"/>
               </a:ext>
             </a:extLst>
           </p:cNvPr>
@@ -8784,14 +8746,14 @@
         </p:nvSpPr>
         <p:spPr>
           <a:xfrm>
-            <a:off x="111513" y="1438507"/>
-            <a:ext cx="11954101" cy="5194823"/>
+            <a:off x="595702" y="1832769"/>
+            <a:ext cx="2928084" cy="2928084"/>
           </a:xfrm>
-          <a:prstGeom prst="rect">
+          <a:prstGeom prst="ellipse">
             <a:avLst/>
           </a:prstGeom>
           <a:solidFill>
-            <a:schemeClr val="bg1"/>
+            <a:schemeClr val="accent3"/>
           </a:solidFill>
           <a:ln>
             <a:noFill/>
@@ -8818,112 +8780,134 @@
           <a:lstStyle/>
           <a:p>
             <a:pPr algn="ctr"/>
-            <a:endParaRPr lang="en-US"/>
+            <a:r>
+              <a:rPr lang="en-US" sz="3600" dirty="0"/>
+              <a:t>Upsell Contracts</a:t>
+            </a:r>
           </a:p>
         </p:txBody>
       </p:sp>
-      <p:pic>
-        <p:nvPicPr>
-          <p:cNvPr id="11" name="Picture 10" descr="Chart, bar chart&#10;&#10;Description automatically generated">
-            <a:extLst>
-              <a:ext uri="{FF2B5EF4-FFF2-40B4-BE49-F238E27FC236}">
-                <a16:creationId xmlns:a16="http://schemas.microsoft.com/office/drawing/2014/main" id="{786350F5-1D7B-D846-9D2D-DB189222C86B}"/>
-              </a:ext>
-            </a:extLst>
-          </p:cNvPr>
-          <p:cNvPicPr>
-            <a:picLocks noChangeAspect="1"/>
-          </p:cNvPicPr>
+      <p:sp>
+        <p:nvSpPr>
+          <p:cNvPr id="15" name="Oval 14">
+            <a:extLst>
+              <a:ext uri="{FF2B5EF4-FFF2-40B4-BE49-F238E27FC236}">
+                <a16:creationId xmlns:a16="http://schemas.microsoft.com/office/drawing/2014/main" id="{7A06BBCA-3A1C-9443-9F9B-89885EA57A7B}"/>
+              </a:ext>
+            </a:extLst>
+          </p:cNvPr>
+          <p:cNvSpPr/>
           <p:nvPr/>
-        </p:nvPicPr>
-        <p:blipFill>
-          <a:blip r:embed="rId2"/>
-          <a:stretch>
-            <a:fillRect/>
-          </a:stretch>
-        </p:blipFill>
+        </p:nvSpPr>
         <p:spPr>
           <a:xfrm>
-            <a:off x="263182" y="1728937"/>
-            <a:ext cx="7360888" cy="4613962"/>
+            <a:off x="4630434" y="1832769"/>
+            <a:ext cx="2928084" cy="2928084"/>
           </a:xfrm>
-          <a:prstGeom prst="rect">
+          <a:prstGeom prst="ellipse">
             <a:avLst/>
           </a:prstGeom>
-        </p:spPr>
-      </p:pic>
-      <p:pic>
-        <p:nvPicPr>
-          <p:cNvPr id="25" name="Picture 24" descr="Chart, treemap chart&#10;&#10;Description automatically generated">
-            <a:extLst>
-              <a:ext uri="{FF2B5EF4-FFF2-40B4-BE49-F238E27FC236}">
-                <a16:creationId xmlns:a16="http://schemas.microsoft.com/office/drawing/2014/main" id="{7BEF49EE-E9FB-EE41-A17E-57BC638C95C4}"/>
-              </a:ext>
-            </a:extLst>
-          </p:cNvPr>
-          <p:cNvPicPr>
-            <a:picLocks noChangeAspect="1"/>
-          </p:cNvPicPr>
-          <p:nvPr/>
-        </p:nvPicPr>
-        <p:blipFill>
-          <a:blip r:embed="rId3"/>
-          <a:stretch>
-            <a:fillRect/>
-          </a:stretch>
-        </p:blipFill>
-        <p:spPr>
-          <a:xfrm>
-            <a:off x="8200622" y="1870347"/>
-            <a:ext cx="3506271" cy="2852928"/>
-          </a:xfrm>
-          <a:prstGeom prst="rect">
-            <a:avLst/>
-          </a:prstGeom>
-        </p:spPr>
-      </p:pic>
-      <p:cxnSp>
-        <p:nvCxnSpPr>
-          <p:cNvPr id="27" name="Straight Connector 26">
-            <a:extLst>
-              <a:ext uri="{FF2B5EF4-FFF2-40B4-BE49-F238E27FC236}">
-                <a16:creationId xmlns:a16="http://schemas.microsoft.com/office/drawing/2014/main" id="{92CAAABC-F39F-7049-973A-ACBEAC7B02A0}"/>
-              </a:ext>
-            </a:extLst>
-          </p:cNvPr>
-          <p:cNvCxnSpPr/>
-          <p:nvPr/>
-        </p:nvCxnSpPr>
-        <p:spPr>
-          <a:xfrm>
-            <a:off x="7935535" y="2037262"/>
-            <a:ext cx="0" cy="3794467"/>
-          </a:xfrm>
-          <a:prstGeom prst="line">
-            <a:avLst/>
-          </a:prstGeom>
+          <a:solidFill>
+            <a:schemeClr val="accent3"/>
+          </a:solidFill>
+          <a:ln>
+            <a:noFill/>
+          </a:ln>
         </p:spPr>
         <p:style>
-          <a:lnRef idx="1">
-            <a:schemeClr val="accent1"/>
+          <a:lnRef idx="2">
+            <a:schemeClr val="accent1">
+              <a:shade val="50000"/>
+            </a:schemeClr>
           </a:lnRef>
-          <a:fillRef idx="0">
+          <a:fillRef idx="1">
             <a:schemeClr val="accent1"/>
           </a:fillRef>
           <a:effectRef idx="0">
             <a:schemeClr val="accent1"/>
           </a:effectRef>
           <a:fontRef idx="minor">
-            <a:schemeClr val="tx1"/>
+            <a:schemeClr val="lt1"/>
           </a:fontRef>
         </p:style>
-      </p:cxnSp>
+        <p:txBody>
+          <a:bodyPr rtlCol="0" anchor="ctr"/>
+          <a:lstStyle/>
+          <a:p>
+            <a:pPr algn="ctr"/>
+            <a:r>
+              <a:rPr lang="en-US" sz="3600" dirty="0"/>
+              <a:t>Fiber Optic Service</a:t>
+            </a:r>
+          </a:p>
+        </p:txBody>
+      </p:sp>
       <p:sp>
         <p:nvSpPr>
-          <p:cNvPr id="28" name="TextBox 27">
-            <a:extLst>
-              <a:ext uri="{FF2B5EF4-FFF2-40B4-BE49-F238E27FC236}">
-                <a16:creationId xmlns:a16="http://schemas.microsoft.com/office/drawing/2014/main" id="{A1913D5B-8BFC-BF4A-A05F-248DE26C54F7}"/>
+          <p:cNvPr id="17" name="Oval 16">
+            <a:extLst>
+              <a:ext uri="{FF2B5EF4-FFF2-40B4-BE49-F238E27FC236}">
+                <a16:creationId xmlns:a16="http://schemas.microsoft.com/office/drawing/2014/main" id="{DCA1241E-FDF2-424F-AC84-6D2F250237DC}"/>
+              </a:ext>
+            </a:extLst>
+          </p:cNvPr>
+          <p:cNvSpPr/>
+          <p:nvPr/>
+        </p:nvSpPr>
+        <p:spPr>
+          <a:xfrm>
+            <a:off x="8659925" y="1832769"/>
+            <a:ext cx="2928084" cy="2928084"/>
+          </a:xfrm>
+          <a:prstGeom prst="ellipse">
+            <a:avLst/>
+          </a:prstGeom>
+          <a:solidFill>
+            <a:schemeClr val="accent3"/>
+          </a:solidFill>
+          <a:ln>
+            <a:noFill/>
+          </a:ln>
+        </p:spPr>
+        <p:style>
+          <a:lnRef idx="2">
+            <a:schemeClr val="accent1">
+              <a:shade val="50000"/>
+            </a:schemeClr>
+          </a:lnRef>
+          <a:fillRef idx="1">
+            <a:schemeClr val="accent1"/>
+          </a:fillRef>
+          <a:effectRef idx="0">
+            <a:schemeClr val="accent1"/>
+          </a:effectRef>
+          <a:fontRef idx="minor">
+            <a:schemeClr val="lt1"/>
+          </a:fontRef>
+        </p:style>
+        <p:txBody>
+          <a:bodyPr rtlCol="0" anchor="ctr"/>
+          <a:lstStyle/>
+          <a:p>
+            <a:pPr algn="ctr"/>
+            <a:r>
+              <a:rPr lang="en-US" sz="3600" dirty="0"/>
+              <a:t>Reduce Usage of </a:t>
+            </a:r>
+            <a:r>
+              <a:rPr lang="en-US" sz="3600" dirty="0" err="1"/>
+              <a:t>eCheck</a:t>
+            </a:r>
+            <a:endParaRPr lang="en-US" dirty="0"/>
+          </a:p>
+        </p:txBody>
+      </p:sp>
+      <p:sp>
+        <p:nvSpPr>
+          <p:cNvPr id="6" name="TextBox 5">
+            <a:extLst>
+              <a:ext uri="{FF2B5EF4-FFF2-40B4-BE49-F238E27FC236}">
+                <a16:creationId xmlns:a16="http://schemas.microsoft.com/office/drawing/2014/main" id="{5F962106-B770-6044-9998-141A9853F4CB}"/>
               </a:ext>
             </a:extLst>
           </p:cNvPr>
@@ -8932,8 +8916,8 @@
         </p:nvSpPr>
         <p:spPr>
           <a:xfrm>
-            <a:off x="9170813" y="4938112"/>
-            <a:ext cx="1970980" cy="1477328"/>
+            <a:off x="392637" y="5085165"/>
+            <a:ext cx="3334214" cy="646331"/>
           </a:xfrm>
           <a:prstGeom prst="rect">
             <a:avLst/>
@@ -8946,33 +8930,110 @@
           </a:bodyPr>
           <a:lstStyle/>
           <a:p>
+            <a:pPr algn="ctr"/>
             <a:r>
-              <a:rPr lang="en-US" dirty="0"/>
-              <a:t>Accuracy: 75%</a:t>
+              <a:rPr lang="en-US" dirty="0">
+                <a:solidFill>
+                  <a:schemeClr val="bg1"/>
+                </a:solidFill>
+              </a:rPr>
+              <a:t>2 Year Contracts contribute the most to prolonged subscription</a:t>
             </a:r>
           </a:p>
-          <a:p>
+        </p:txBody>
+      </p:sp>
+      <p:sp>
+        <p:nvSpPr>
+          <p:cNvPr id="19" name="TextBox 18">
+            <a:extLst>
+              <a:ext uri="{FF2B5EF4-FFF2-40B4-BE49-F238E27FC236}">
+                <a16:creationId xmlns:a16="http://schemas.microsoft.com/office/drawing/2014/main" id="{E8E3BF9F-6E08-D94B-A696-558FB832AD91}"/>
+              </a:ext>
+            </a:extLst>
+          </p:cNvPr>
+          <p:cNvSpPr txBox="1"/>
+          <p:nvPr/>
+        </p:nvSpPr>
+        <p:spPr>
+          <a:xfrm>
+            <a:off x="4427369" y="5082718"/>
+            <a:ext cx="3334214" cy="646331"/>
+          </a:xfrm>
+          <a:prstGeom prst="rect">
+            <a:avLst/>
+          </a:prstGeom>
+          <a:noFill/>
+        </p:spPr>
+        <p:txBody>
+          <a:bodyPr wrap="square" rtlCol="0">
+            <a:spAutoFit/>
+          </a:bodyPr>
+          <a:lstStyle/>
+          <a:p>
+            <a:pPr algn="ctr"/>
             <a:r>
-              <a:rPr lang="en-US" dirty="0"/>
-              <a:t>Precision: 52%</a:t>
+              <a:rPr lang="en-US" dirty="0">
+                <a:solidFill>
+                  <a:schemeClr val="bg1"/>
+                </a:solidFill>
+              </a:rPr>
+              <a:t>Improve performance of Fiber Optic service to retain customers</a:t>
             </a:r>
           </a:p>
-          <a:p>
+        </p:txBody>
+      </p:sp>
+      <p:sp>
+        <p:nvSpPr>
+          <p:cNvPr id="21" name="TextBox 20">
+            <a:extLst>
+              <a:ext uri="{FF2B5EF4-FFF2-40B4-BE49-F238E27FC236}">
+                <a16:creationId xmlns:a16="http://schemas.microsoft.com/office/drawing/2014/main" id="{E960EC70-0C73-914C-9831-1F3A4D7FC1EE}"/>
+              </a:ext>
+            </a:extLst>
+          </p:cNvPr>
+          <p:cNvSpPr txBox="1"/>
+          <p:nvPr/>
+        </p:nvSpPr>
+        <p:spPr>
+          <a:xfrm>
+            <a:off x="8456860" y="5089322"/>
+            <a:ext cx="3334214" cy="646331"/>
+          </a:xfrm>
+          <a:prstGeom prst="rect">
+            <a:avLst/>
+          </a:prstGeom>
+          <a:noFill/>
+        </p:spPr>
+        <p:txBody>
+          <a:bodyPr wrap="square" rtlCol="0">
+            <a:spAutoFit/>
+          </a:bodyPr>
+          <a:lstStyle/>
+          <a:p>
+            <a:pPr algn="ctr"/>
             <a:r>
-              <a:rPr lang="en-US" dirty="0"/>
-              <a:t>Recall:      80%</a:t>
+              <a:rPr lang="en-US" dirty="0">
+                <a:solidFill>
+                  <a:schemeClr val="bg1"/>
+                </a:solidFill>
+              </a:rPr>
+              <a:t>Usage of </a:t>
             </a:r>
-          </a:p>
-          <a:p>
             <a:r>
-              <a:rPr lang="en-US" dirty="0"/>
-              <a:t>F1:           63%</a:t>
+              <a:rPr lang="en-US" dirty="0" err="1">
+                <a:solidFill>
+                  <a:schemeClr val="bg1"/>
+                </a:solidFill>
+              </a:rPr>
+              <a:t>eChecks</a:t>
             </a:r>
-          </a:p>
-          <a:p>
             <a:r>
-              <a:rPr lang="en-US" dirty="0"/>
-              <a:t>AUC:       76%</a:t>
+              <a:rPr lang="en-US" dirty="0">
+                <a:solidFill>
+                  <a:schemeClr val="bg1"/>
+                </a:solidFill>
+              </a:rPr>
+              <a:t> increases churn rate</a:t>
             </a:r>
           </a:p>
         </p:txBody>
@@ -8980,7 +9041,7 @@
     </p:spTree>
     <p:extLst>
       <p:ext uri="{BB962C8B-B14F-4D97-AF65-F5344CB8AC3E}">
-        <p14:creationId xmlns:p14="http://schemas.microsoft.com/office/powerpoint/2010/main" val="2237631758"/>
+        <p14:creationId xmlns:p14="http://schemas.microsoft.com/office/powerpoint/2010/main" val="3024078098"/>
       </p:ext>
     </p:extLst>
   </p:cSld>
@@ -10241,7 +10302,7 @@
             <a:pPr algn="ctr"/>
             <a:r>
               <a:rPr lang="en-US" sz="3600" dirty="0"/>
-              <a:t>Upsell Contracts</a:t>
+              <a:t>Sell Cheap First</a:t>
             </a:r>
           </a:p>
         </p:txBody>
@@ -10296,7 +10357,7 @@
             <a:pPr algn="ctr"/>
             <a:r>
               <a:rPr lang="en-US" sz="3600" dirty="0"/>
-              <a:t>Fiber Optic Service</a:t>
+              <a:t>Reduce Paperless Billing</a:t>
             </a:r>
           </a:p>
         </p:txBody>
@@ -10350,12 +10411,16 @@
           <a:p>
             <a:pPr algn="ctr"/>
             <a:r>
+              <a:rPr lang="en-US" sz="3600" dirty="0" err="1"/>
+              <a:t>TechSup</a:t>
+            </a:r>
+            <a:r>
               <a:rPr lang="en-US" sz="3600" dirty="0"/>
-              <a:t>Reduce Usage of </a:t>
+              <a:t>, </a:t>
             </a:r>
             <a:r>
               <a:rPr lang="en-US" sz="3600" dirty="0" err="1"/>
-              <a:t>eCheck</a:t>
+              <a:t>WebSec</a:t>
             </a:r>
             <a:endParaRPr lang="en-US" dirty="0"/>
           </a:p>
@@ -10375,7 +10440,47 @@
         </p:nvSpPr>
         <p:spPr>
           <a:xfrm>
-            <a:off x="392637" y="5085165"/>
+            <a:off x="392637" y="4863533"/>
+            <a:ext cx="3334214" cy="830997"/>
+          </a:xfrm>
+          <a:prstGeom prst="rect">
+            <a:avLst/>
+          </a:prstGeom>
+          <a:noFill/>
+        </p:spPr>
+        <p:txBody>
+          <a:bodyPr wrap="square" rtlCol="0">
+            <a:spAutoFit/>
+          </a:bodyPr>
+          <a:lstStyle/>
+          <a:p>
+            <a:pPr algn="ctr"/>
+            <a:r>
+              <a:rPr lang="en-US" sz="1600" dirty="0">
+                <a:solidFill>
+                  <a:schemeClr val="bg1"/>
+                </a:solidFill>
+              </a:rPr>
+              <a:t>Increase stickiness, slowly. Customers with more tenure will be more willing to accept pricey services</a:t>
+            </a:r>
+          </a:p>
+        </p:txBody>
+      </p:sp>
+      <p:sp>
+        <p:nvSpPr>
+          <p:cNvPr id="19" name="TextBox 18">
+            <a:extLst>
+              <a:ext uri="{FF2B5EF4-FFF2-40B4-BE49-F238E27FC236}">
+                <a16:creationId xmlns:a16="http://schemas.microsoft.com/office/drawing/2014/main" id="{E8E3BF9F-6E08-D94B-A696-558FB832AD91}"/>
+              </a:ext>
+            </a:extLst>
+          </p:cNvPr>
+          <p:cNvSpPr txBox="1"/>
+          <p:nvPr/>
+        </p:nvSpPr>
+        <p:spPr>
+          <a:xfrm>
+            <a:off x="4424748" y="4880817"/>
             <a:ext cx="3334214" cy="646331"/>
           </a:xfrm>
           <a:prstGeom prst="rect">
@@ -10396,17 +10501,17 @@
                   <a:schemeClr val="bg1"/>
                 </a:solidFill>
               </a:rPr>
-              <a:t>2 Year Contracts contribute the most to prolonged subscription</a:t>
+              <a:t>Usage of Paperless Billing increases change of churn</a:t>
             </a:r>
           </a:p>
         </p:txBody>
       </p:sp>
       <p:sp>
         <p:nvSpPr>
-          <p:cNvPr id="19" name="TextBox 18">
-            <a:extLst>
-              <a:ext uri="{FF2B5EF4-FFF2-40B4-BE49-F238E27FC236}">
-                <a16:creationId xmlns:a16="http://schemas.microsoft.com/office/drawing/2014/main" id="{E8E3BF9F-6E08-D94B-A696-558FB832AD91}"/>
+          <p:cNvPr id="21" name="TextBox 20">
+            <a:extLst>
+              <a:ext uri="{FF2B5EF4-FFF2-40B4-BE49-F238E27FC236}">
+                <a16:creationId xmlns:a16="http://schemas.microsoft.com/office/drawing/2014/main" id="{E960EC70-0C73-914C-9831-1F3A4D7FC1EE}"/>
               </a:ext>
             </a:extLst>
           </p:cNvPr>
@@ -10415,7 +10520,7 @@
         </p:nvSpPr>
         <p:spPr>
           <a:xfrm>
-            <a:off x="4427369" y="5082718"/>
+            <a:off x="8456860" y="4946666"/>
             <a:ext cx="3334214" cy="646331"/>
           </a:xfrm>
           <a:prstGeom prst="rect">
@@ -10436,47 +10541,7 @@
                   <a:schemeClr val="bg1"/>
                 </a:solidFill>
               </a:rPr>
-              <a:t>Improve performance of Fiber Optic service to retain customers</a:t>
-            </a:r>
-          </a:p>
-        </p:txBody>
-      </p:sp>
-      <p:sp>
-        <p:nvSpPr>
-          <p:cNvPr id="21" name="TextBox 20">
-            <a:extLst>
-              <a:ext uri="{FF2B5EF4-FFF2-40B4-BE49-F238E27FC236}">
-                <a16:creationId xmlns:a16="http://schemas.microsoft.com/office/drawing/2014/main" id="{E960EC70-0C73-914C-9831-1F3A4D7FC1EE}"/>
-              </a:ext>
-            </a:extLst>
-          </p:cNvPr>
-          <p:cNvSpPr txBox="1"/>
-          <p:nvPr/>
-        </p:nvSpPr>
-        <p:spPr>
-          <a:xfrm>
-            <a:off x="8456860" y="5089322"/>
-            <a:ext cx="3334214" cy="646331"/>
-          </a:xfrm>
-          <a:prstGeom prst="rect">
-            <a:avLst/>
-          </a:prstGeom>
-          <a:noFill/>
-        </p:spPr>
-        <p:txBody>
-          <a:bodyPr wrap="square" rtlCol="0">
-            <a:spAutoFit/>
-          </a:bodyPr>
-          <a:lstStyle/>
-          <a:p>
-            <a:pPr algn="ctr"/>
-            <a:r>
-              <a:rPr lang="en-US" dirty="0">
-                <a:solidFill>
-                  <a:schemeClr val="bg1"/>
-                </a:solidFill>
-              </a:rPr>
-              <a:t>Usage of </a:t>
+              <a:t>Lack of </a:t>
             </a:r>
             <a:r>
               <a:rPr lang="en-US" dirty="0" err="1">
@@ -10484,7 +10549,7 @@
                   <a:schemeClr val="bg1"/>
                 </a:solidFill>
               </a:rPr>
-              <a:t>eChecks</a:t>
+              <a:t>TechSupport</a:t>
             </a:r>
             <a:r>
               <a:rPr lang="en-US" dirty="0">
@@ -10492,7 +10557,23 @@
                   <a:schemeClr val="bg1"/>
                 </a:solidFill>
               </a:rPr>
-              <a:t> increases churn rate</a:t>
+              <a:t> or </a:t>
+            </a:r>
+            <a:r>
+              <a:rPr lang="en-US" dirty="0" err="1">
+                <a:solidFill>
+                  <a:schemeClr val="bg1"/>
+                </a:solidFill>
+              </a:rPr>
+              <a:t>OnlineSecurity</a:t>
+            </a:r>
+            <a:r>
+              <a:rPr lang="en-US" dirty="0">
+                <a:solidFill>
+                  <a:schemeClr val="bg1"/>
+                </a:solidFill>
+              </a:rPr>
+              <a:t> increases churn</a:t>
             </a:r>
           </a:p>
         </p:txBody>
@@ -10500,7 +10581,7 @@
     </p:spTree>
     <p:extLst>
       <p:ext uri="{BB962C8B-B14F-4D97-AF65-F5344CB8AC3E}">
-        <p14:creationId xmlns:p14="http://schemas.microsoft.com/office/powerpoint/2010/main" val="3024078098"/>
+        <p14:creationId xmlns:p14="http://schemas.microsoft.com/office/powerpoint/2010/main" val="2055438774"/>
       </p:ext>
     </p:extLst>
   </p:cSld>
@@ -10510,7 +10591,7 @@
 </p:sld>
 </file>
 
-<file path=ppt/slides/slide12.xml><?xml version="1.0" encoding="utf-8"?>
+<file path=ppt/slides/slide2.xml><?xml version="1.0" encoding="utf-8"?>
 <p:sld xmlns:a="http://schemas.openxmlformats.org/drawingml/2006/main" xmlns:r="http://schemas.openxmlformats.org/officeDocument/2006/relationships" xmlns:p="http://schemas.openxmlformats.org/presentationml/2006/main">
   <p:cSld>
     <p:bg>
@@ -10707,7 +10788,7 @@
                 <a:ea typeface="+mj-ea"/>
                 <a:cs typeface="+mj-cs"/>
               </a:rPr>
-              <a:t>Suggestions</a:t>
+              <a:t>Churn Occurs When customers cancel service subscription</a:t>
             </a:r>
           </a:p>
         </p:txBody>
@@ -11761,7 +11842,7 @@
             <a:pPr algn="ctr"/>
             <a:r>
               <a:rPr lang="en-US" sz="3600" dirty="0"/>
-              <a:t>Sell Cheap First</a:t>
+              <a:t>20%</a:t>
             </a:r>
           </a:p>
         </p:txBody>
@@ -11816,7 +11897,7 @@
             <a:pPr algn="ctr"/>
             <a:r>
               <a:rPr lang="en-US" sz="3600" dirty="0"/>
-              <a:t>Reduce Paperless Billing</a:t>
+              <a:t>50X</a:t>
             </a:r>
           </a:p>
         </p:txBody>
@@ -11870,16 +11951,8 @@
           <a:p>
             <a:pPr algn="ctr"/>
             <a:r>
-              <a:rPr lang="en-US" sz="3600" dirty="0" err="1"/>
-              <a:t>TechSup</a:t>
-            </a:r>
-            <a:r>
               <a:rPr lang="en-US" sz="3600" dirty="0"/>
-              <a:t>, </a:t>
-            </a:r>
-            <a:r>
-              <a:rPr lang="en-US" sz="3600" dirty="0" err="1"/>
-              <a:t>WebSec</a:t>
+              <a:t>65M</a:t>
             </a:r>
             <a:endParaRPr lang="en-US" dirty="0"/>
           </a:p>
@@ -11899,8 +11972,8 @@
         </p:nvSpPr>
         <p:spPr>
           <a:xfrm>
-            <a:off x="392637" y="4863533"/>
-            <a:ext cx="3334214" cy="830997"/>
+            <a:off x="392637" y="5085165"/>
+            <a:ext cx="3334214" cy="369332"/>
           </a:xfrm>
           <a:prstGeom prst="rect">
             <a:avLst/>
@@ -11915,12 +11988,12 @@
           <a:p>
             <a:pPr algn="ctr"/>
             <a:r>
-              <a:rPr lang="en-US" sz="1600" dirty="0">
+              <a:rPr lang="en-US" dirty="0">
                 <a:solidFill>
                   <a:schemeClr val="bg1"/>
                 </a:solidFill>
               </a:rPr>
-              <a:t>Increase stickiness, slowly. Customers with more tenure will be more willing to accept pricey services</a:t>
+              <a:t>Revenue spend on Acquisitions</a:t>
             </a:r>
           </a:p>
         </p:txBody>
@@ -11939,8 +12012,8 @@
         </p:nvSpPr>
         <p:spPr>
           <a:xfrm>
-            <a:off x="4424748" y="4880817"/>
-            <a:ext cx="3334214" cy="646331"/>
+            <a:off x="4427369" y="5082718"/>
+            <a:ext cx="3334214" cy="369332"/>
           </a:xfrm>
           <a:prstGeom prst="rect">
             <a:avLst/>
@@ -11960,7 +12033,7 @@
                   <a:schemeClr val="bg1"/>
                 </a:solidFill>
               </a:rPr>
-              <a:t>Usage of Paperless Billing increases change of churn</a:t>
+              <a:t>Cost of Acquisitions vs Retention</a:t>
             </a:r>
           </a:p>
         </p:txBody>
@@ -11979,8 +12052,8 @@
         </p:nvSpPr>
         <p:spPr>
           <a:xfrm>
-            <a:off x="8456860" y="4946666"/>
-            <a:ext cx="3334214" cy="646331"/>
+            <a:off x="8456860" y="5089322"/>
+            <a:ext cx="3334214" cy="369332"/>
           </a:xfrm>
           <a:prstGeom prst="rect">
             <a:avLst/>
@@ -12000,39 +12073,7 @@
                   <a:schemeClr val="bg1"/>
                 </a:solidFill>
               </a:rPr>
-              <a:t>Lack of </a:t>
-            </a:r>
-            <a:r>
-              <a:rPr lang="en-US" dirty="0" err="1">
-                <a:solidFill>
-                  <a:schemeClr val="bg1"/>
-                </a:solidFill>
-              </a:rPr>
-              <a:t>TechSupport</a:t>
-            </a:r>
-            <a:r>
-              <a:rPr lang="en-US" dirty="0">
-                <a:solidFill>
-                  <a:schemeClr val="bg1"/>
-                </a:solidFill>
-              </a:rPr>
-              <a:t> or </a:t>
-            </a:r>
-            <a:r>
-              <a:rPr lang="en-US" dirty="0" err="1">
-                <a:solidFill>
-                  <a:schemeClr val="bg1"/>
-                </a:solidFill>
-              </a:rPr>
-              <a:t>OnlineSecurity</a:t>
-            </a:r>
-            <a:r>
-              <a:rPr lang="en-US" dirty="0">
-                <a:solidFill>
-                  <a:schemeClr val="bg1"/>
-                </a:solidFill>
-              </a:rPr>
-              <a:t> increases churn</a:t>
+              <a:t>Monthly Losses due to Churn</a:t>
             </a:r>
           </a:p>
         </p:txBody>
@@ -12040,7 +12081,7 @@
     </p:spTree>
     <p:extLst>
       <p:ext uri="{BB962C8B-B14F-4D97-AF65-F5344CB8AC3E}">
-        <p14:creationId xmlns:p14="http://schemas.microsoft.com/office/powerpoint/2010/main" val="2055438774"/>
+        <p14:creationId xmlns:p14="http://schemas.microsoft.com/office/powerpoint/2010/main" val="134666521"/>
       </p:ext>
     </p:extLst>
   </p:cSld>
@@ -12050,7 +12091,1241 @@
 </p:sld>
 </file>
 
-<file path=ppt/slides/slide2.xml><?xml version="1.0" encoding="utf-8"?>
+<file path=ppt/slides/slide3.xml><?xml version="1.0" encoding="utf-8"?>
+<p:sld xmlns:a="http://schemas.openxmlformats.org/drawingml/2006/main" xmlns:r="http://schemas.openxmlformats.org/officeDocument/2006/relationships" xmlns:p="http://schemas.openxmlformats.org/presentationml/2006/main">
+  <p:cSld>
+    <p:spTree>
+      <p:nvGrpSpPr>
+        <p:cNvPr id="1" name=""/>
+        <p:cNvGrpSpPr/>
+        <p:nvPr/>
+      </p:nvGrpSpPr>
+      <p:grpSpPr>
+        <a:xfrm>
+          <a:off x="0" y="0"/>
+          <a:ext cx="0" cy="0"/>
+          <a:chOff x="0" y="0"/>
+          <a:chExt cx="0" cy="0"/>
+        </a:xfrm>
+      </p:grpSpPr>
+      <p:pic>
+        <p:nvPicPr>
+          <p:cNvPr id="9" name="Picture 8" descr="Chart, pie chart&#10;&#10;Description automatically generated">
+            <a:extLst>
+              <a:ext uri="{FF2B5EF4-FFF2-40B4-BE49-F238E27FC236}">
+                <a16:creationId xmlns:a16="http://schemas.microsoft.com/office/drawing/2014/main" id="{2468B2D9-88A1-E24C-8433-682B75EB4AE7}"/>
+              </a:ext>
+            </a:extLst>
+          </p:cNvPr>
+          <p:cNvPicPr>
+            <a:picLocks noChangeAspect="1"/>
+          </p:cNvPicPr>
+          <p:nvPr/>
+        </p:nvPicPr>
+        <p:blipFill rotWithShape="1">
+          <a:blip r:embed="rId2"/>
+          <a:srcRect t="14926" b="11591"/>
+          <a:stretch/>
+        </p:blipFill>
+        <p:spPr>
+          <a:xfrm>
+            <a:off x="5523299" y="1185863"/>
+            <a:ext cx="5415776" cy="3979661"/>
+          </a:xfrm>
+          <a:prstGeom prst="rect">
+            <a:avLst/>
+          </a:prstGeom>
+        </p:spPr>
+      </p:pic>
+      <p:sp>
+        <p:nvSpPr>
+          <p:cNvPr id="2" name="Title 1">
+            <a:extLst>
+              <a:ext uri="{FF2B5EF4-FFF2-40B4-BE49-F238E27FC236}">
+                <a16:creationId xmlns:a16="http://schemas.microsoft.com/office/drawing/2014/main" id="{AC91A200-057C-E947-9789-46D5EA2406B5}"/>
+              </a:ext>
+            </a:extLst>
+          </p:cNvPr>
+          <p:cNvSpPr>
+            <a:spLocks noGrp="1"/>
+          </p:cNvSpPr>
+          <p:nvPr>
+            <p:ph type="title"/>
+          </p:nvPr>
+        </p:nvSpPr>
+        <p:spPr/>
+        <p:txBody>
+          <a:bodyPr/>
+          <a:lstStyle/>
+          <a:p>
+            <a:r>
+              <a:rPr lang="en-US" dirty="0">
+                <a:solidFill>
+                  <a:schemeClr val="accent1"/>
+                </a:solidFill>
+              </a:rPr>
+              <a:t>Project Summary</a:t>
+            </a:r>
+          </a:p>
+        </p:txBody>
+      </p:sp>
+      <p:sp>
+        <p:nvSpPr>
+          <p:cNvPr id="4" name="TextBox 3">
+            <a:extLst>
+              <a:ext uri="{FF2B5EF4-FFF2-40B4-BE49-F238E27FC236}">
+                <a16:creationId xmlns:a16="http://schemas.microsoft.com/office/drawing/2014/main" id="{2E6B80F5-9114-9049-A5BE-262DE9DC6B75}"/>
+              </a:ext>
+            </a:extLst>
+          </p:cNvPr>
+          <p:cNvSpPr txBox="1"/>
+          <p:nvPr/>
+        </p:nvSpPr>
+        <p:spPr>
+          <a:xfrm>
+            <a:off x="1252925" y="4386203"/>
+            <a:ext cx="1646392" cy="400110"/>
+          </a:xfrm>
+          <a:prstGeom prst="rect">
+            <a:avLst/>
+          </a:prstGeom>
+          <a:noFill/>
+        </p:spPr>
+        <p:txBody>
+          <a:bodyPr wrap="square" rtlCol="0">
+            <a:spAutoFit/>
+          </a:bodyPr>
+          <a:lstStyle/>
+          <a:p>
+            <a:r>
+              <a:rPr lang="en-US" sz="2000" b="1" dirty="0">
+                <a:solidFill>
+                  <a:schemeClr val="tx1">
+                    <a:lumMod val="65000"/>
+                    <a:lumOff val="35000"/>
+                  </a:schemeClr>
+                </a:solidFill>
+              </a:rPr>
+              <a:t>Objectives</a:t>
+            </a:r>
+          </a:p>
+        </p:txBody>
+      </p:sp>
+      <p:sp>
+        <p:nvSpPr>
+          <p:cNvPr id="5" name="Rectangle 4">
+            <a:extLst>
+              <a:ext uri="{FF2B5EF4-FFF2-40B4-BE49-F238E27FC236}">
+                <a16:creationId xmlns:a16="http://schemas.microsoft.com/office/drawing/2014/main" id="{28581374-53C8-F645-8352-29B1FA7C7657}"/>
+              </a:ext>
+            </a:extLst>
+          </p:cNvPr>
+          <p:cNvSpPr/>
+          <p:nvPr/>
+        </p:nvSpPr>
+        <p:spPr>
+          <a:xfrm>
+            <a:off x="1633375" y="4931960"/>
+            <a:ext cx="10018070" cy="1882567"/>
+          </a:xfrm>
+          <a:prstGeom prst="rect">
+            <a:avLst/>
+          </a:prstGeom>
+        </p:spPr>
+        <p:txBody>
+          <a:bodyPr wrap="square">
+            <a:spAutoFit/>
+          </a:bodyPr>
+          <a:lstStyle/>
+          <a:p>
+            <a:pPr fontAlgn="base">
+              <a:spcBef>
+                <a:spcPts val="2400"/>
+              </a:spcBef>
+              <a:buFont typeface="Arial" panose="020B0604020202020204" pitchFamily="34" charset="0"/>
+              <a:buChar char="•"/>
+            </a:pPr>
+            <a:r>
+              <a:rPr lang="en-US" dirty="0">
+                <a:solidFill>
+                  <a:schemeClr val="tx1">
+                    <a:lumMod val="65000"/>
+                    <a:lumOff val="35000"/>
+                  </a:schemeClr>
+                </a:solidFill>
+                <a:latin typeface="Lato"/>
+              </a:rPr>
+              <a:t> Build </a:t>
+            </a:r>
+            <a:r>
+              <a:rPr lang="en-US" dirty="0">
+                <a:solidFill>
+                  <a:schemeClr val="accent1"/>
+                </a:solidFill>
+                <a:latin typeface="Lato"/>
+              </a:rPr>
+              <a:t>interpretable classification model </a:t>
+            </a:r>
+            <a:r>
+              <a:rPr lang="en-US" dirty="0">
+                <a:solidFill>
+                  <a:schemeClr val="tx1">
+                    <a:lumMod val="65000"/>
+                    <a:lumOff val="35000"/>
+                  </a:schemeClr>
+                </a:solidFill>
+                <a:latin typeface="Lato"/>
+              </a:rPr>
+              <a:t>to optimize identification of at-risk customers</a:t>
+            </a:r>
+          </a:p>
+          <a:p>
+            <a:pPr fontAlgn="base">
+              <a:lnSpc>
+                <a:spcPct val="150000"/>
+              </a:lnSpc>
+              <a:spcBef>
+                <a:spcPts val="2400"/>
+              </a:spcBef>
+              <a:spcAft>
+                <a:spcPts val="1600"/>
+              </a:spcAft>
+              <a:buFont typeface="Arial" panose="020B0604020202020204" pitchFamily="34" charset="0"/>
+              <a:buChar char="•"/>
+            </a:pPr>
+            <a:r>
+              <a:rPr lang="en-US" dirty="0">
+                <a:solidFill>
+                  <a:schemeClr val="tx1">
+                    <a:lumMod val="65000"/>
+                    <a:lumOff val="35000"/>
+                  </a:schemeClr>
+                </a:solidFill>
+                <a:latin typeface="Lato"/>
+              </a:rPr>
+              <a:t> Identify most </a:t>
+            </a:r>
+            <a:r>
+              <a:rPr lang="en-US" dirty="0">
+                <a:solidFill>
+                  <a:schemeClr val="accent1"/>
+                </a:solidFill>
+                <a:latin typeface="Lato"/>
+              </a:rPr>
+              <a:t>prominent features </a:t>
+            </a:r>
+            <a:r>
+              <a:rPr lang="en-US" dirty="0">
+                <a:solidFill>
+                  <a:schemeClr val="tx1">
+                    <a:lumMod val="65000"/>
+                    <a:lumOff val="35000"/>
+                  </a:schemeClr>
+                </a:solidFill>
+                <a:latin typeface="Lato"/>
+              </a:rPr>
+              <a:t>which affect customer churn</a:t>
+            </a:r>
+          </a:p>
+          <a:p>
+            <a:pPr fontAlgn="base">
+              <a:spcBef>
+                <a:spcPts val="2400"/>
+              </a:spcBef>
+              <a:spcAft>
+                <a:spcPts val="1600"/>
+              </a:spcAft>
+              <a:buFont typeface="Arial" panose="020B0604020202020204" pitchFamily="34" charset="0"/>
+              <a:buChar char="•"/>
+            </a:pPr>
+            <a:r>
+              <a:rPr lang="en-US" dirty="0">
+                <a:solidFill>
+                  <a:schemeClr val="tx1">
+                    <a:lumMod val="65000"/>
+                    <a:lumOff val="35000"/>
+                  </a:schemeClr>
+                </a:solidFill>
+                <a:latin typeface="Lato"/>
+              </a:rPr>
+              <a:t> Optimize F1</a:t>
+            </a:r>
+          </a:p>
+        </p:txBody>
+      </p:sp>
+      <p:sp>
+        <p:nvSpPr>
+          <p:cNvPr id="6" name="TextBox 5">
+            <a:extLst>
+              <a:ext uri="{FF2B5EF4-FFF2-40B4-BE49-F238E27FC236}">
+                <a16:creationId xmlns:a16="http://schemas.microsoft.com/office/drawing/2014/main" id="{6FA0FC31-8F13-774E-A945-424095B4781E}"/>
+              </a:ext>
+            </a:extLst>
+          </p:cNvPr>
+          <p:cNvSpPr txBox="1"/>
+          <p:nvPr/>
+        </p:nvSpPr>
+        <p:spPr>
+          <a:xfrm>
+            <a:off x="1252925" y="2060365"/>
+            <a:ext cx="1646392" cy="400110"/>
+          </a:xfrm>
+          <a:prstGeom prst="rect">
+            <a:avLst/>
+          </a:prstGeom>
+          <a:noFill/>
+        </p:spPr>
+        <p:txBody>
+          <a:bodyPr wrap="square" rtlCol="0">
+            <a:spAutoFit/>
+          </a:bodyPr>
+          <a:lstStyle/>
+          <a:p>
+            <a:r>
+              <a:rPr lang="en-US" sz="2000" b="1" dirty="0">
+                <a:solidFill>
+                  <a:schemeClr val="tx1">
+                    <a:lumMod val="65000"/>
+                    <a:lumOff val="35000"/>
+                  </a:schemeClr>
+                </a:solidFill>
+              </a:rPr>
+              <a:t>Data</a:t>
+            </a:r>
+          </a:p>
+        </p:txBody>
+      </p:sp>
+      <p:sp>
+        <p:nvSpPr>
+          <p:cNvPr id="7" name="Rectangle 6">
+            <a:extLst>
+              <a:ext uri="{FF2B5EF4-FFF2-40B4-BE49-F238E27FC236}">
+                <a16:creationId xmlns:a16="http://schemas.microsoft.com/office/drawing/2014/main" id="{DFEDD792-8055-094B-AC28-4E150AFA9ED0}"/>
+              </a:ext>
+            </a:extLst>
+          </p:cNvPr>
+          <p:cNvSpPr/>
+          <p:nvPr/>
+        </p:nvSpPr>
+        <p:spPr>
+          <a:xfrm>
+            <a:off x="1633375" y="2609923"/>
+            <a:ext cx="6096000" cy="1538883"/>
+          </a:xfrm>
+          <a:prstGeom prst="rect">
+            <a:avLst/>
+          </a:prstGeom>
+        </p:spPr>
+        <p:txBody>
+          <a:bodyPr>
+            <a:spAutoFit/>
+          </a:bodyPr>
+          <a:lstStyle/>
+          <a:p>
+            <a:pPr fontAlgn="base">
+              <a:spcBef>
+                <a:spcPts val="2400"/>
+              </a:spcBef>
+              <a:buFont typeface="Arial" panose="020B0604020202020204" pitchFamily="34" charset="0"/>
+              <a:buChar char="•"/>
+            </a:pPr>
+            <a:r>
+              <a:rPr lang="en-US" dirty="0">
+                <a:solidFill>
+                  <a:schemeClr val="tx1">
+                    <a:lumMod val="65000"/>
+                    <a:lumOff val="35000"/>
+                  </a:schemeClr>
+                </a:solidFill>
+                <a:latin typeface="Lato"/>
+              </a:rPr>
+              <a:t>Origin: IBM Customer Retention Dataset</a:t>
+            </a:r>
+          </a:p>
+          <a:p>
+            <a:pPr fontAlgn="base">
+              <a:spcBef>
+                <a:spcPts val="2400"/>
+              </a:spcBef>
+              <a:buFont typeface="Arial" panose="020B0604020202020204" pitchFamily="34" charset="0"/>
+              <a:buChar char="•"/>
+            </a:pPr>
+            <a:r>
+              <a:rPr lang="en-US" dirty="0">
+                <a:solidFill>
+                  <a:schemeClr val="tx1">
+                    <a:lumMod val="65000"/>
+                    <a:lumOff val="35000"/>
+                  </a:schemeClr>
+                </a:solidFill>
+                <a:latin typeface="Lato"/>
+              </a:rPr>
+              <a:t>Target Variable: Customer Churn</a:t>
+            </a:r>
+          </a:p>
+          <a:p>
+            <a:pPr fontAlgn="base">
+              <a:spcBef>
+                <a:spcPts val="2400"/>
+              </a:spcBef>
+              <a:buFont typeface="Arial" panose="020B0604020202020204" pitchFamily="34" charset="0"/>
+              <a:buChar char="•"/>
+            </a:pPr>
+            <a:r>
+              <a:rPr lang="en-US" dirty="0">
+                <a:solidFill>
+                  <a:schemeClr val="tx1">
+                    <a:lumMod val="65000"/>
+                    <a:lumOff val="35000"/>
+                  </a:schemeClr>
+                </a:solidFill>
+                <a:latin typeface="Lato"/>
+              </a:rPr>
+              <a:t>Features: 3 Continuous, 17 Categorical</a:t>
+            </a:r>
+          </a:p>
+        </p:txBody>
+      </p:sp>
+    </p:spTree>
+    <p:extLst>
+      <p:ext uri="{BB962C8B-B14F-4D97-AF65-F5344CB8AC3E}">
+        <p14:creationId xmlns:p14="http://schemas.microsoft.com/office/powerpoint/2010/main" val="4273479159"/>
+      </p:ext>
+    </p:extLst>
+  </p:cSld>
+  <p:clrMapOvr>
+    <a:masterClrMapping/>
+  </p:clrMapOvr>
+</p:sld>
+</file>
+
+<file path=ppt/slides/slide4.xml><?xml version="1.0" encoding="utf-8"?>
+<p:sld xmlns:a="http://schemas.openxmlformats.org/drawingml/2006/main" xmlns:r="http://schemas.openxmlformats.org/officeDocument/2006/relationships" xmlns:p="http://schemas.openxmlformats.org/presentationml/2006/main">
+  <p:cSld>
+    <p:spTree>
+      <p:nvGrpSpPr>
+        <p:cNvPr id="1" name=""/>
+        <p:cNvGrpSpPr/>
+        <p:nvPr/>
+      </p:nvGrpSpPr>
+      <p:grpSpPr>
+        <a:xfrm>
+          <a:off x="0" y="0"/>
+          <a:ext cx="0" cy="0"/>
+          <a:chOff x="0" y="0"/>
+          <a:chExt cx="0" cy="0"/>
+        </a:xfrm>
+      </p:grpSpPr>
+      <p:sp>
+        <p:nvSpPr>
+          <p:cNvPr id="2" name="Title 1">
+            <a:extLst>
+              <a:ext uri="{FF2B5EF4-FFF2-40B4-BE49-F238E27FC236}">
+                <a16:creationId xmlns:a16="http://schemas.microsoft.com/office/drawing/2014/main" id="{AC91A200-057C-E947-9789-46D5EA2406B5}"/>
+              </a:ext>
+            </a:extLst>
+          </p:cNvPr>
+          <p:cNvSpPr>
+            <a:spLocks noGrp="1"/>
+          </p:cNvSpPr>
+          <p:nvPr>
+            <p:ph type="title"/>
+          </p:nvPr>
+        </p:nvSpPr>
+        <p:spPr/>
+        <p:txBody>
+          <a:bodyPr/>
+          <a:lstStyle/>
+          <a:p>
+            <a:r>
+              <a:rPr lang="en-US" dirty="0"/>
+              <a:t>The Process</a:t>
+            </a:r>
+          </a:p>
+        </p:txBody>
+      </p:sp>
+      <p:graphicFrame>
+        <p:nvGraphicFramePr>
+          <p:cNvPr id="3" name="Diagram 2">
+            <a:extLst>
+              <a:ext uri="{FF2B5EF4-FFF2-40B4-BE49-F238E27FC236}">
+                <a16:creationId xmlns:a16="http://schemas.microsoft.com/office/drawing/2014/main" id="{466B51FC-9115-3747-A049-90CE9E7A96BE}"/>
+              </a:ext>
+            </a:extLst>
+          </p:cNvPr>
+          <p:cNvGraphicFramePr/>
+          <p:nvPr>
+            <p:extLst>
+              <p:ext uri="{D42A27DB-BD31-4B8C-83A1-F6EECF244321}">
+                <p14:modId xmlns:p14="http://schemas.microsoft.com/office/powerpoint/2010/main" val="843313060"/>
+              </p:ext>
+            </p:extLst>
+          </p:nvPr>
+        </p:nvGraphicFramePr>
+        <p:xfrm>
+          <a:off x="838199" y="1605774"/>
+          <a:ext cx="10725615" cy="2888168"/>
+        </p:xfrm>
+        <a:graphic>
+          <a:graphicData uri="http://schemas.openxmlformats.org/drawingml/2006/diagram">
+            <dgm:relIds xmlns:dgm="http://schemas.openxmlformats.org/drawingml/2006/diagram" xmlns:r="http://schemas.openxmlformats.org/officeDocument/2006/relationships" r:dm="rId2" r:lo="rId3" r:qs="rId4" r:cs="rId5"/>
+          </a:graphicData>
+        </a:graphic>
+      </p:graphicFrame>
+      <p:sp>
+        <p:nvSpPr>
+          <p:cNvPr id="8" name="Rounded Rectangle 7">
+            <a:extLst>
+              <a:ext uri="{FF2B5EF4-FFF2-40B4-BE49-F238E27FC236}">
+                <a16:creationId xmlns:a16="http://schemas.microsoft.com/office/drawing/2014/main" id="{56FD62F3-2AAA-BE41-8D60-16F55ADABCFC}"/>
+              </a:ext>
+            </a:extLst>
+          </p:cNvPr>
+          <p:cNvSpPr/>
+          <p:nvPr/>
+        </p:nvSpPr>
+        <p:spPr>
+          <a:xfrm>
+            <a:off x="838199" y="3947532"/>
+            <a:ext cx="1927303" cy="2553629"/>
+          </a:xfrm>
+          <a:prstGeom prst="roundRect">
+            <a:avLst/>
+          </a:prstGeom>
+          <a:solidFill>
+            <a:schemeClr val="bg1">
+              <a:lumMod val="85000"/>
+            </a:schemeClr>
+          </a:solidFill>
+          <a:ln>
+            <a:noFill/>
+          </a:ln>
+        </p:spPr>
+        <p:style>
+          <a:lnRef idx="2">
+            <a:schemeClr val="accent1">
+              <a:shade val="50000"/>
+            </a:schemeClr>
+          </a:lnRef>
+          <a:fillRef idx="1">
+            <a:schemeClr val="accent1"/>
+          </a:fillRef>
+          <a:effectRef idx="0">
+            <a:schemeClr val="accent1"/>
+          </a:effectRef>
+          <a:fontRef idx="minor">
+            <a:schemeClr val="lt1"/>
+          </a:fontRef>
+        </p:style>
+        <p:txBody>
+          <a:bodyPr rtlCol="0" anchor="t"/>
+          <a:lstStyle/>
+          <a:p>
+            <a:pPr marL="285750" indent="-285750">
+              <a:buFont typeface="Arial" panose="020B0604020202020204" pitchFamily="34" charset="0"/>
+              <a:buChar char="•"/>
+            </a:pPr>
+            <a:r>
+              <a:rPr lang="en-US" sz="1200" dirty="0">
+                <a:solidFill>
+                  <a:schemeClr val="tx1">
+                    <a:lumMod val="65000"/>
+                    <a:lumOff val="35000"/>
+                  </a:schemeClr>
+                </a:solidFill>
+              </a:rPr>
+              <a:t>Dataset pulled from Kaggle</a:t>
+            </a:r>
+          </a:p>
+          <a:p>
+            <a:pPr marL="285750" indent="-285750">
+              <a:buFont typeface="Arial" panose="020B0604020202020204" pitchFamily="34" charset="0"/>
+              <a:buChar char="•"/>
+            </a:pPr>
+            <a:endParaRPr lang="en-US" sz="1200" dirty="0">
+              <a:solidFill>
+                <a:schemeClr val="tx1">
+                  <a:lumMod val="65000"/>
+                  <a:lumOff val="35000"/>
+                </a:schemeClr>
+              </a:solidFill>
+            </a:endParaRPr>
+          </a:p>
+          <a:p>
+            <a:pPr marL="285750" indent="-285750">
+              <a:buFont typeface="Arial" panose="020B0604020202020204" pitchFamily="34" charset="0"/>
+              <a:buChar char="•"/>
+            </a:pPr>
+            <a:r>
+              <a:rPr lang="en-US" sz="1200" dirty="0">
+                <a:solidFill>
+                  <a:schemeClr val="tx1">
+                    <a:lumMod val="65000"/>
+                    <a:lumOff val="35000"/>
+                  </a:schemeClr>
+                </a:solidFill>
+              </a:rPr>
+              <a:t>Data cleaning and preprocessing</a:t>
+            </a:r>
+          </a:p>
+          <a:p>
+            <a:pPr marL="285750" indent="-285750">
+              <a:buFont typeface="Arial" panose="020B0604020202020204" pitchFamily="34" charset="0"/>
+              <a:buChar char="•"/>
+            </a:pPr>
+            <a:endParaRPr lang="en-US" sz="1200" dirty="0">
+              <a:solidFill>
+                <a:schemeClr val="tx1">
+                  <a:lumMod val="65000"/>
+                  <a:lumOff val="35000"/>
+                </a:schemeClr>
+              </a:solidFill>
+            </a:endParaRPr>
+          </a:p>
+        </p:txBody>
+      </p:sp>
+      <p:sp>
+        <p:nvSpPr>
+          <p:cNvPr id="9" name="Rounded Rectangle 8">
+            <a:extLst>
+              <a:ext uri="{FF2B5EF4-FFF2-40B4-BE49-F238E27FC236}">
+                <a16:creationId xmlns:a16="http://schemas.microsoft.com/office/drawing/2014/main" id="{79325B51-546E-AD4E-A364-ABB85E974B74}"/>
+              </a:ext>
+            </a:extLst>
+          </p:cNvPr>
+          <p:cNvSpPr/>
+          <p:nvPr/>
+        </p:nvSpPr>
+        <p:spPr>
+          <a:xfrm>
+            <a:off x="3021980" y="3939246"/>
+            <a:ext cx="1927303" cy="2553629"/>
+          </a:xfrm>
+          <a:prstGeom prst="roundRect">
+            <a:avLst/>
+          </a:prstGeom>
+          <a:solidFill>
+            <a:schemeClr val="bg1">
+              <a:lumMod val="85000"/>
+            </a:schemeClr>
+          </a:solidFill>
+          <a:ln>
+            <a:noFill/>
+          </a:ln>
+        </p:spPr>
+        <p:style>
+          <a:lnRef idx="2">
+            <a:schemeClr val="accent1">
+              <a:shade val="50000"/>
+            </a:schemeClr>
+          </a:lnRef>
+          <a:fillRef idx="1">
+            <a:schemeClr val="accent1"/>
+          </a:fillRef>
+          <a:effectRef idx="0">
+            <a:schemeClr val="accent1"/>
+          </a:effectRef>
+          <a:fontRef idx="minor">
+            <a:schemeClr val="lt1"/>
+          </a:fontRef>
+        </p:style>
+        <p:txBody>
+          <a:bodyPr rtlCol="0" anchor="t"/>
+          <a:lstStyle/>
+          <a:p>
+            <a:pPr marL="285750" indent="-285750">
+              <a:buFont typeface="Arial" panose="020B0604020202020204" pitchFamily="34" charset="0"/>
+              <a:buChar char="•"/>
+            </a:pPr>
+            <a:r>
+              <a:rPr lang="en-US" sz="1200" dirty="0">
+                <a:solidFill>
+                  <a:schemeClr val="tx1">
+                    <a:lumMod val="65000"/>
+                    <a:lumOff val="35000"/>
+                  </a:schemeClr>
+                </a:solidFill>
+              </a:rPr>
+              <a:t>Explored target variable “Churn”</a:t>
+            </a:r>
+          </a:p>
+          <a:p>
+            <a:pPr marL="285750" indent="-285750">
+              <a:buFont typeface="Arial" panose="020B0604020202020204" pitchFamily="34" charset="0"/>
+              <a:buChar char="•"/>
+            </a:pPr>
+            <a:endParaRPr lang="en-US" sz="1200" dirty="0">
+              <a:solidFill>
+                <a:schemeClr val="tx1">
+                  <a:lumMod val="65000"/>
+                  <a:lumOff val="35000"/>
+                </a:schemeClr>
+              </a:solidFill>
+            </a:endParaRPr>
+          </a:p>
+          <a:p>
+            <a:pPr marL="285750" indent="-285750">
+              <a:buFont typeface="Arial" panose="020B0604020202020204" pitchFamily="34" charset="0"/>
+              <a:buChar char="•"/>
+            </a:pPr>
+            <a:r>
+              <a:rPr lang="en-US" sz="1200" dirty="0">
+                <a:solidFill>
+                  <a:schemeClr val="tx1">
+                    <a:lumMod val="65000"/>
+                    <a:lumOff val="35000"/>
+                  </a:schemeClr>
+                </a:solidFill>
+              </a:rPr>
+              <a:t>Identified predictor variables with greatest impact on churn</a:t>
+            </a:r>
+          </a:p>
+          <a:p>
+            <a:pPr marL="285750" indent="-285750">
+              <a:buFont typeface="Arial" panose="020B0604020202020204" pitchFamily="34" charset="0"/>
+              <a:buChar char="•"/>
+            </a:pPr>
+            <a:endParaRPr lang="en-US" sz="1200" dirty="0">
+              <a:solidFill>
+                <a:schemeClr val="tx1">
+                  <a:lumMod val="65000"/>
+                  <a:lumOff val="35000"/>
+                </a:schemeClr>
+              </a:solidFill>
+            </a:endParaRPr>
+          </a:p>
+          <a:p>
+            <a:pPr marL="285750" indent="-285750">
+              <a:buFont typeface="Arial" panose="020B0604020202020204" pitchFamily="34" charset="0"/>
+              <a:buChar char="•"/>
+            </a:pPr>
+            <a:r>
+              <a:rPr lang="en-US" sz="1200" dirty="0">
+                <a:solidFill>
+                  <a:schemeClr val="tx1">
+                    <a:lumMod val="65000"/>
+                    <a:lumOff val="35000"/>
+                  </a:schemeClr>
+                </a:solidFill>
+              </a:rPr>
+              <a:t>Generate ideas for feature engineering</a:t>
+            </a:r>
+          </a:p>
+        </p:txBody>
+      </p:sp>
+      <p:sp>
+        <p:nvSpPr>
+          <p:cNvPr id="10" name="Rounded Rectangle 9">
+            <a:extLst>
+              <a:ext uri="{FF2B5EF4-FFF2-40B4-BE49-F238E27FC236}">
+                <a16:creationId xmlns:a16="http://schemas.microsoft.com/office/drawing/2014/main" id="{4FBFD6DB-CB82-FF4A-916D-3DE9B5C773EE}"/>
+              </a:ext>
+            </a:extLst>
+          </p:cNvPr>
+          <p:cNvSpPr/>
+          <p:nvPr/>
+        </p:nvSpPr>
+        <p:spPr>
+          <a:xfrm>
+            <a:off x="5237354" y="3939245"/>
+            <a:ext cx="1927303" cy="2553629"/>
+          </a:xfrm>
+          <a:prstGeom prst="roundRect">
+            <a:avLst/>
+          </a:prstGeom>
+          <a:solidFill>
+            <a:schemeClr val="bg1">
+              <a:lumMod val="85000"/>
+            </a:schemeClr>
+          </a:solidFill>
+          <a:ln>
+            <a:noFill/>
+          </a:ln>
+        </p:spPr>
+        <p:style>
+          <a:lnRef idx="2">
+            <a:schemeClr val="accent1">
+              <a:shade val="50000"/>
+            </a:schemeClr>
+          </a:lnRef>
+          <a:fillRef idx="1">
+            <a:schemeClr val="accent1"/>
+          </a:fillRef>
+          <a:effectRef idx="0">
+            <a:schemeClr val="accent1"/>
+          </a:effectRef>
+          <a:fontRef idx="minor">
+            <a:schemeClr val="lt1"/>
+          </a:fontRef>
+        </p:style>
+        <p:txBody>
+          <a:bodyPr rtlCol="0" anchor="t"/>
+          <a:lstStyle/>
+          <a:p>
+            <a:pPr marL="171450" indent="-171450">
+              <a:buFont typeface="Arial" panose="020B0604020202020204" pitchFamily="34" charset="0"/>
+              <a:buChar char="•"/>
+            </a:pPr>
+            <a:r>
+              <a:rPr lang="en-US" sz="1200" dirty="0">
+                <a:solidFill>
+                  <a:schemeClr val="tx1">
+                    <a:lumMod val="65000"/>
+                    <a:lumOff val="35000"/>
+                  </a:schemeClr>
+                </a:solidFill>
+              </a:rPr>
+              <a:t>Domain knowledge combined with EDA</a:t>
+            </a:r>
+          </a:p>
+          <a:p>
+            <a:pPr marL="171450" indent="-171450">
+              <a:buFont typeface="Arial" panose="020B0604020202020204" pitchFamily="34" charset="0"/>
+              <a:buChar char="•"/>
+            </a:pPr>
+            <a:endParaRPr lang="en-US" sz="1200" dirty="0">
+              <a:solidFill>
+                <a:schemeClr val="tx1">
+                  <a:lumMod val="65000"/>
+                  <a:lumOff val="35000"/>
+                </a:schemeClr>
+              </a:solidFill>
+            </a:endParaRPr>
+          </a:p>
+          <a:p>
+            <a:pPr marL="171450" indent="-171450">
+              <a:buFont typeface="Arial" panose="020B0604020202020204" pitchFamily="34" charset="0"/>
+              <a:buChar char="•"/>
+            </a:pPr>
+            <a:r>
+              <a:rPr lang="en-US" sz="1200" dirty="0">
+                <a:solidFill>
+                  <a:schemeClr val="tx1">
+                    <a:lumMod val="65000"/>
+                    <a:lumOff val="35000"/>
+                  </a:schemeClr>
+                </a:solidFill>
+              </a:rPr>
+              <a:t>Hypothesis testing to determine value</a:t>
+            </a:r>
+          </a:p>
+        </p:txBody>
+      </p:sp>
+      <p:sp>
+        <p:nvSpPr>
+          <p:cNvPr id="11" name="Rounded Rectangle 10">
+            <a:extLst>
+              <a:ext uri="{FF2B5EF4-FFF2-40B4-BE49-F238E27FC236}">
+                <a16:creationId xmlns:a16="http://schemas.microsoft.com/office/drawing/2014/main" id="{B0726BD1-655B-4840-8E2E-E69E42B952BF}"/>
+              </a:ext>
+            </a:extLst>
+          </p:cNvPr>
+          <p:cNvSpPr/>
+          <p:nvPr/>
+        </p:nvSpPr>
+        <p:spPr>
+          <a:xfrm>
+            <a:off x="7452728" y="3939244"/>
+            <a:ext cx="1927303" cy="2553629"/>
+          </a:xfrm>
+          <a:prstGeom prst="roundRect">
+            <a:avLst/>
+          </a:prstGeom>
+          <a:solidFill>
+            <a:schemeClr val="bg1">
+              <a:lumMod val="85000"/>
+            </a:schemeClr>
+          </a:solidFill>
+          <a:ln>
+            <a:noFill/>
+          </a:ln>
+        </p:spPr>
+        <p:style>
+          <a:lnRef idx="2">
+            <a:schemeClr val="accent1">
+              <a:shade val="50000"/>
+            </a:schemeClr>
+          </a:lnRef>
+          <a:fillRef idx="1">
+            <a:schemeClr val="accent1"/>
+          </a:fillRef>
+          <a:effectRef idx="0">
+            <a:schemeClr val="accent1"/>
+          </a:effectRef>
+          <a:fontRef idx="minor">
+            <a:schemeClr val="lt1"/>
+          </a:fontRef>
+        </p:style>
+        <p:txBody>
+          <a:bodyPr rtlCol="0" anchor="t"/>
+          <a:lstStyle/>
+          <a:p>
+            <a:pPr marL="285750" indent="-285750">
+              <a:buFont typeface="Arial" panose="020B0604020202020204" pitchFamily="34" charset="0"/>
+              <a:buChar char="•"/>
+            </a:pPr>
+            <a:r>
+              <a:rPr lang="en-US" sz="1200" dirty="0">
+                <a:solidFill>
+                  <a:schemeClr val="tx1">
+                    <a:lumMod val="65000"/>
+                    <a:lumOff val="35000"/>
+                  </a:schemeClr>
+                </a:solidFill>
+              </a:rPr>
+              <a:t>RFE</a:t>
+            </a:r>
+          </a:p>
+          <a:p>
+            <a:pPr marL="285750" indent="-285750">
+              <a:buFont typeface="Arial" panose="020B0604020202020204" pitchFamily="34" charset="0"/>
+              <a:buChar char="•"/>
+            </a:pPr>
+            <a:endParaRPr lang="en-US" sz="1200" dirty="0">
+              <a:solidFill>
+                <a:schemeClr val="tx1">
+                  <a:lumMod val="65000"/>
+                  <a:lumOff val="35000"/>
+                </a:schemeClr>
+              </a:solidFill>
+            </a:endParaRPr>
+          </a:p>
+          <a:p>
+            <a:pPr marL="285750" indent="-285750">
+              <a:buFont typeface="Arial" panose="020B0604020202020204" pitchFamily="34" charset="0"/>
+              <a:buChar char="•"/>
+            </a:pPr>
+            <a:r>
+              <a:rPr lang="en-US" sz="1200" dirty="0">
+                <a:solidFill>
+                  <a:schemeClr val="tx1">
+                    <a:lumMod val="65000"/>
+                    <a:lumOff val="35000"/>
+                  </a:schemeClr>
+                </a:solidFill>
+              </a:rPr>
+              <a:t>VIF</a:t>
+            </a:r>
+          </a:p>
+          <a:p>
+            <a:pPr marL="285750" indent="-285750" algn="ctr">
+              <a:buFont typeface="Arial" panose="020B0604020202020204" pitchFamily="34" charset="0"/>
+              <a:buChar char="•"/>
+            </a:pPr>
+            <a:endParaRPr lang="en-US" sz="1200" dirty="0">
+              <a:solidFill>
+                <a:schemeClr val="tx1">
+                  <a:lumMod val="65000"/>
+                  <a:lumOff val="35000"/>
+                </a:schemeClr>
+              </a:solidFill>
+            </a:endParaRPr>
+          </a:p>
+          <a:p>
+            <a:pPr marL="285750" indent="-285750">
+              <a:buFont typeface="Arial" panose="020B0604020202020204" pitchFamily="34" charset="0"/>
+              <a:buChar char="•"/>
+            </a:pPr>
+            <a:r>
+              <a:rPr lang="en-US" sz="1200" dirty="0">
+                <a:solidFill>
+                  <a:schemeClr val="tx1">
+                    <a:lumMod val="65000"/>
+                    <a:lumOff val="35000"/>
+                  </a:schemeClr>
+                </a:solidFill>
+              </a:rPr>
+              <a:t>Polynomial Interactions</a:t>
+            </a:r>
+          </a:p>
+        </p:txBody>
+      </p:sp>
+      <p:sp>
+        <p:nvSpPr>
+          <p:cNvPr id="12" name="Rounded Rectangle 11">
+            <a:extLst>
+              <a:ext uri="{FF2B5EF4-FFF2-40B4-BE49-F238E27FC236}">
+                <a16:creationId xmlns:a16="http://schemas.microsoft.com/office/drawing/2014/main" id="{0B661D7E-1142-FF41-AD11-B230F5A8A6D9}"/>
+              </a:ext>
+            </a:extLst>
+          </p:cNvPr>
+          <p:cNvSpPr/>
+          <p:nvPr/>
+        </p:nvSpPr>
+        <p:spPr>
+          <a:xfrm>
+            <a:off x="9668102" y="3939243"/>
+            <a:ext cx="1927303" cy="2553629"/>
+          </a:xfrm>
+          <a:prstGeom prst="roundRect">
+            <a:avLst/>
+          </a:prstGeom>
+          <a:solidFill>
+            <a:schemeClr val="bg1">
+              <a:lumMod val="85000"/>
+            </a:schemeClr>
+          </a:solidFill>
+          <a:ln>
+            <a:noFill/>
+          </a:ln>
+        </p:spPr>
+        <p:style>
+          <a:lnRef idx="2">
+            <a:schemeClr val="accent1">
+              <a:shade val="50000"/>
+            </a:schemeClr>
+          </a:lnRef>
+          <a:fillRef idx="1">
+            <a:schemeClr val="accent1"/>
+          </a:fillRef>
+          <a:effectRef idx="0">
+            <a:schemeClr val="accent1"/>
+          </a:effectRef>
+          <a:fontRef idx="minor">
+            <a:schemeClr val="lt1"/>
+          </a:fontRef>
+        </p:style>
+        <p:txBody>
+          <a:bodyPr rtlCol="0" anchor="t"/>
+          <a:lstStyle/>
+          <a:p>
+            <a:pPr marL="285750" indent="-285750">
+              <a:buFont typeface="Arial" panose="020B0604020202020204" pitchFamily="34" charset="0"/>
+              <a:buChar char="•"/>
+            </a:pPr>
+            <a:r>
+              <a:rPr lang="en-US" sz="1200" dirty="0">
+                <a:solidFill>
+                  <a:schemeClr val="tx1">
+                    <a:lumMod val="65000"/>
+                    <a:lumOff val="35000"/>
+                  </a:schemeClr>
+                </a:solidFill>
+              </a:rPr>
+              <a:t>Logistic Regression</a:t>
+            </a:r>
+          </a:p>
+          <a:p>
+            <a:pPr marL="285750" indent="-285750">
+              <a:buFont typeface="Arial" panose="020B0604020202020204" pitchFamily="34" charset="0"/>
+              <a:buChar char="•"/>
+            </a:pPr>
+            <a:endParaRPr lang="en-US" sz="1200" dirty="0">
+              <a:solidFill>
+                <a:schemeClr val="tx1">
+                  <a:lumMod val="65000"/>
+                  <a:lumOff val="35000"/>
+                </a:schemeClr>
+              </a:solidFill>
+            </a:endParaRPr>
+          </a:p>
+          <a:p>
+            <a:pPr marL="285750" indent="-285750">
+              <a:buFont typeface="Arial" panose="020B0604020202020204" pitchFamily="34" charset="0"/>
+              <a:buChar char="•"/>
+            </a:pPr>
+            <a:r>
+              <a:rPr lang="en-US" sz="1200" dirty="0">
+                <a:solidFill>
+                  <a:schemeClr val="tx1">
+                    <a:lumMod val="65000"/>
+                    <a:lumOff val="35000"/>
+                  </a:schemeClr>
+                </a:solidFill>
+              </a:rPr>
+              <a:t>KNN</a:t>
+            </a:r>
+          </a:p>
+          <a:p>
+            <a:pPr marL="285750" indent="-285750">
+              <a:buFont typeface="Arial" panose="020B0604020202020204" pitchFamily="34" charset="0"/>
+              <a:buChar char="•"/>
+            </a:pPr>
+            <a:endParaRPr lang="en-US" sz="1200" dirty="0">
+              <a:solidFill>
+                <a:schemeClr val="tx1">
+                  <a:lumMod val="65000"/>
+                  <a:lumOff val="35000"/>
+                </a:schemeClr>
+              </a:solidFill>
+            </a:endParaRPr>
+          </a:p>
+          <a:p>
+            <a:pPr marL="285750" indent="-285750">
+              <a:buFont typeface="Arial" panose="020B0604020202020204" pitchFamily="34" charset="0"/>
+              <a:buChar char="•"/>
+            </a:pPr>
+            <a:r>
+              <a:rPr lang="en-US" sz="1200" dirty="0">
+                <a:solidFill>
+                  <a:schemeClr val="tx1">
+                    <a:lumMod val="65000"/>
+                    <a:lumOff val="35000"/>
+                  </a:schemeClr>
+                </a:solidFill>
+              </a:rPr>
+              <a:t>Decision Trees</a:t>
+            </a:r>
+          </a:p>
+          <a:p>
+            <a:pPr marL="285750" indent="-285750">
+              <a:buFont typeface="Arial" panose="020B0604020202020204" pitchFamily="34" charset="0"/>
+              <a:buChar char="•"/>
+            </a:pPr>
+            <a:endParaRPr lang="en-US" sz="1200" dirty="0">
+              <a:solidFill>
+                <a:schemeClr val="tx1">
+                  <a:lumMod val="65000"/>
+                  <a:lumOff val="35000"/>
+                </a:schemeClr>
+              </a:solidFill>
+            </a:endParaRPr>
+          </a:p>
+          <a:p>
+            <a:pPr marL="285750" indent="-285750">
+              <a:buFont typeface="Arial" panose="020B0604020202020204" pitchFamily="34" charset="0"/>
+              <a:buChar char="•"/>
+            </a:pPr>
+            <a:r>
+              <a:rPr lang="en-US" sz="1200" dirty="0">
+                <a:solidFill>
+                  <a:schemeClr val="tx1">
+                    <a:lumMod val="65000"/>
+                    <a:lumOff val="35000"/>
+                  </a:schemeClr>
+                </a:solidFill>
+              </a:rPr>
+              <a:t>Random Forest</a:t>
+            </a:r>
+          </a:p>
+          <a:p>
+            <a:pPr marL="285750" indent="-285750">
+              <a:buFont typeface="Arial" panose="020B0604020202020204" pitchFamily="34" charset="0"/>
+              <a:buChar char="•"/>
+            </a:pPr>
+            <a:endParaRPr lang="en-US" sz="1200" dirty="0">
+              <a:solidFill>
+                <a:schemeClr val="tx1">
+                  <a:lumMod val="65000"/>
+                  <a:lumOff val="35000"/>
+                </a:schemeClr>
+              </a:solidFill>
+            </a:endParaRPr>
+          </a:p>
+          <a:p>
+            <a:pPr marL="285750" indent="-285750">
+              <a:buFont typeface="Arial" panose="020B0604020202020204" pitchFamily="34" charset="0"/>
+              <a:buChar char="•"/>
+            </a:pPr>
+            <a:r>
+              <a:rPr lang="en-US" sz="1200" dirty="0">
+                <a:solidFill>
+                  <a:schemeClr val="tx1">
+                    <a:lumMod val="65000"/>
+                    <a:lumOff val="35000"/>
+                  </a:schemeClr>
+                </a:solidFill>
+              </a:rPr>
+              <a:t>Bagging / Boosting</a:t>
+            </a:r>
+          </a:p>
+          <a:p>
+            <a:pPr marL="285750" indent="-285750">
+              <a:buFont typeface="Arial" panose="020B0604020202020204" pitchFamily="34" charset="0"/>
+              <a:buChar char="•"/>
+            </a:pPr>
+            <a:endParaRPr lang="en-US" sz="1200" dirty="0">
+              <a:solidFill>
+                <a:schemeClr val="tx1">
+                  <a:lumMod val="65000"/>
+                  <a:lumOff val="35000"/>
+                </a:schemeClr>
+              </a:solidFill>
+            </a:endParaRPr>
+          </a:p>
+          <a:p>
+            <a:pPr marL="285750" indent="-285750">
+              <a:buFont typeface="Arial" panose="020B0604020202020204" pitchFamily="34" charset="0"/>
+              <a:buChar char="•"/>
+            </a:pPr>
+            <a:r>
+              <a:rPr lang="en-US" sz="1200" dirty="0">
+                <a:solidFill>
+                  <a:schemeClr val="tx1">
+                    <a:lumMod val="65000"/>
+                    <a:lumOff val="35000"/>
+                  </a:schemeClr>
+                </a:solidFill>
+              </a:rPr>
+              <a:t>Voting Classifier</a:t>
+            </a:r>
+          </a:p>
+        </p:txBody>
+      </p:sp>
+      <p:sp>
+        <p:nvSpPr>
+          <p:cNvPr id="17" name="Block Arc 16">
+            <a:extLst>
+              <a:ext uri="{FF2B5EF4-FFF2-40B4-BE49-F238E27FC236}">
+                <a16:creationId xmlns:a16="http://schemas.microsoft.com/office/drawing/2014/main" id="{4FE9B347-BF6F-F448-901D-F88CDCC18329}"/>
+              </a:ext>
+            </a:extLst>
+          </p:cNvPr>
+          <p:cNvSpPr/>
+          <p:nvPr/>
+        </p:nvSpPr>
+        <p:spPr>
+          <a:xfrm>
+            <a:off x="6345969" y="1249499"/>
+            <a:ext cx="4140820" cy="1842816"/>
+          </a:xfrm>
+          <a:prstGeom prst="blockArc">
+            <a:avLst/>
+          </a:prstGeom>
+        </p:spPr>
+        <p:style>
+          <a:lnRef idx="2">
+            <a:schemeClr val="accent1">
+              <a:shade val="50000"/>
+            </a:schemeClr>
+          </a:lnRef>
+          <a:fillRef idx="1">
+            <a:schemeClr val="accent1"/>
+          </a:fillRef>
+          <a:effectRef idx="0">
+            <a:schemeClr val="accent1"/>
+          </a:effectRef>
+          <a:fontRef idx="minor">
+            <a:schemeClr val="lt1"/>
+          </a:fontRef>
+        </p:style>
+        <p:txBody>
+          <a:bodyPr rtlCol="0" anchor="ctr"/>
+          <a:lstStyle/>
+          <a:p>
+            <a:pPr algn="ctr"/>
+            <a:endParaRPr lang="en-US">
+              <a:solidFill>
+                <a:schemeClr val="tx1"/>
+              </a:solidFill>
+            </a:endParaRPr>
+          </a:p>
+        </p:txBody>
+      </p:sp>
+    </p:spTree>
+    <p:extLst>
+      <p:ext uri="{BB962C8B-B14F-4D97-AF65-F5344CB8AC3E}">
+        <p14:creationId xmlns:p14="http://schemas.microsoft.com/office/powerpoint/2010/main" val="20721764"/>
+      </p:ext>
+    </p:extLst>
+  </p:cSld>
+  <p:clrMapOvr>
+    <a:masterClrMapping/>
+  </p:clrMapOvr>
+</p:sld>
+</file>
+
+<file path=ppt/slides/slide5.xml><?xml version="1.0" encoding="utf-8"?>
 <p:sld xmlns:a="http://schemas.openxmlformats.org/drawingml/2006/main" xmlns:r="http://schemas.openxmlformats.org/officeDocument/2006/relationships" xmlns:p="http://schemas.openxmlformats.org/presentationml/2006/main">
   <p:cSld>
     <p:bg>
@@ -12077,7 +13352,7 @@
       </p:grpSpPr>
       <p:cxnSp>
         <p:nvCxnSpPr>
-          <p:cNvPr id="8" name="Straight Connector 7">
+          <p:cNvPr id="49" name="Straight Connector 48">
             <a:extLst>
               <a:ext uri="{FF2B5EF4-FFF2-40B4-BE49-F238E27FC236}">
                 <a16:creationId xmlns:a16="http://schemas.microsoft.com/office/drawing/2014/main" id="{D1B787A8-0D67-4B7E-9B48-86BD906AB6B5}"/>
@@ -12139,10 +13414,10 @@
       </p:cxnSp>
       <p:sp>
         <p:nvSpPr>
-          <p:cNvPr id="10" name="Rectangle 9">
-            <a:extLst>
-              <a:ext uri="{FF2B5EF4-FFF2-40B4-BE49-F238E27FC236}">
-                <a16:creationId xmlns:a16="http://schemas.microsoft.com/office/drawing/2014/main" id="{8F9CBE3F-79A8-4F8F-88D9-DAD03D0D281F}"/>
+          <p:cNvPr id="51" name="Rectangle 50">
+            <a:extLst>
+              <a:ext uri="{FF2B5EF4-FFF2-40B4-BE49-F238E27FC236}">
+                <a16:creationId xmlns:a16="http://schemas.microsoft.com/office/drawing/2014/main" id="{158B3569-73B2-4D05-8E95-886A6EE17F1F}"/>
               </a:ext>
               <a:ext uri="{C183D7F6-B498-43B3-948B-1728B52AA6E4}">
                 <adec:decorative xmlns:adec="http://schemas.microsoft.com/office/drawing/2017/decorative" val="1"/>
@@ -12214,7 +13489,7 @@
           <p:cNvPr id="2" name="Title 1">
             <a:extLst>
               <a:ext uri="{FF2B5EF4-FFF2-40B4-BE49-F238E27FC236}">
-                <a16:creationId xmlns:a16="http://schemas.microsoft.com/office/drawing/2014/main" id="{AC898747-117D-7649-B2A6-E5DCAB3E3603}"/>
+                <a16:creationId xmlns:a16="http://schemas.microsoft.com/office/drawing/2014/main" id="{AC91A200-057C-E947-9789-46D5EA2406B5}"/>
               </a:ext>
             </a:extLst>
           </p:cNvPr>
@@ -12227,8 +13502,1364 @@
         </p:nvSpPr>
         <p:spPr>
           <a:xfrm>
-            <a:off x="1431781" y="515294"/>
-            <a:ext cx="9147940" cy="1197511"/>
+            <a:off x="401444" y="344053"/>
+            <a:ext cx="7939668" cy="1245315"/>
+          </a:xfrm>
+        </p:spPr>
+        <p:txBody>
+          <a:bodyPr vert="horz" lIns="91440" tIns="45720" rIns="91440" bIns="45720" rtlCol="0" anchor="t">
+            <a:noAutofit/>
+          </a:bodyPr>
+          <a:lstStyle/>
+          <a:p>
+            <a:r>
+              <a:rPr lang="en-US" sz="4000" b="1" cap="all" dirty="0">
+                <a:solidFill>
+                  <a:schemeClr val="bg1"/>
+                </a:solidFill>
+              </a:rPr>
+              <a:t>Checking for Correlations</a:t>
+            </a:r>
+            <a:endParaRPr lang="en-US" sz="4000" b="1" i="0" kern="1200" cap="all" baseline="0" dirty="0">
+              <a:solidFill>
+                <a:schemeClr val="bg1"/>
+              </a:solidFill>
+              <a:latin typeface="+mj-lt"/>
+              <a:ea typeface="+mj-ea"/>
+              <a:cs typeface="+mj-cs"/>
+            </a:endParaRPr>
+          </a:p>
+        </p:txBody>
+      </p:sp>
+      <p:sp>
+        <p:nvSpPr>
+          <p:cNvPr id="53" name="Graphic 17">
+            <a:extLst>
+              <a:ext uri="{FF2B5EF4-FFF2-40B4-BE49-F238E27FC236}">
+                <a16:creationId xmlns:a16="http://schemas.microsoft.com/office/drawing/2014/main" id="{B71758F4-3F46-45DA-8AC5-4E508DA080BA}"/>
+              </a:ext>
+              <a:ext uri="{C183D7F6-B498-43B3-948B-1728B52AA6E4}">
+                <adec:decorative xmlns:adec="http://schemas.microsoft.com/office/drawing/2017/decorative" val="1"/>
+              </a:ext>
+            </a:extLst>
+          </p:cNvPr>
+          <p:cNvSpPr>
+            <a:spLocks noGrp="1" noRot="1" noChangeAspect="1" noMove="1" noResize="1" noEditPoints="1" noAdjustHandles="1" noChangeArrowheads="1" noChangeShapeType="1" noTextEdit="1"/>
+          </p:cNvSpPr>
+          <p:nvPr>
+            <p:extLst>
+              <p:ext uri="{386F3935-93C4-4BCD-93E2-E3B085C9AB24}">
+                <p16:designElem xmlns:p16="http://schemas.microsoft.com/office/powerpoint/2015/main" val="1"/>
+              </p:ext>
+            </p:extLst>
+          </p:nvPr>
+        </p:nvSpPr>
+        <p:spPr>
+          <a:xfrm>
+            <a:off x="11512034" y="1267063"/>
+            <a:ext cx="139037" cy="139039"/>
+          </a:xfrm>
+          <a:custGeom>
+            <a:avLst/>
+            <a:gdLst>
+              <a:gd name="connsiteX0" fmla="*/ 129600 w 139037"/>
+              <a:gd name="connsiteY0" fmla="*/ 60082 h 139039"/>
+              <a:gd name="connsiteX1" fmla="*/ 78955 w 139037"/>
+              <a:gd name="connsiteY1" fmla="*/ 60082 h 139039"/>
+              <a:gd name="connsiteX2" fmla="*/ 78955 w 139037"/>
+              <a:gd name="connsiteY2" fmla="*/ 9437 h 139039"/>
+              <a:gd name="connsiteX3" fmla="*/ 69519 w 139037"/>
+              <a:gd name="connsiteY3" fmla="*/ 0 h 139039"/>
+              <a:gd name="connsiteX4" fmla="*/ 60082 w 139037"/>
+              <a:gd name="connsiteY4" fmla="*/ 9437 h 139039"/>
+              <a:gd name="connsiteX5" fmla="*/ 60082 w 139037"/>
+              <a:gd name="connsiteY5" fmla="*/ 60082 h 139039"/>
+              <a:gd name="connsiteX6" fmla="*/ 9437 w 139037"/>
+              <a:gd name="connsiteY6" fmla="*/ 60082 h 139039"/>
+              <a:gd name="connsiteX7" fmla="*/ 0 w 139037"/>
+              <a:gd name="connsiteY7" fmla="*/ 69520 h 139039"/>
+              <a:gd name="connsiteX8" fmla="*/ 9437 w 139037"/>
+              <a:gd name="connsiteY8" fmla="*/ 78957 h 139039"/>
+              <a:gd name="connsiteX9" fmla="*/ 60082 w 139037"/>
+              <a:gd name="connsiteY9" fmla="*/ 78957 h 139039"/>
+              <a:gd name="connsiteX10" fmla="*/ 60082 w 139037"/>
+              <a:gd name="connsiteY10" fmla="*/ 129602 h 139039"/>
+              <a:gd name="connsiteX11" fmla="*/ 69519 w 139037"/>
+              <a:gd name="connsiteY11" fmla="*/ 139039 h 139039"/>
+              <a:gd name="connsiteX12" fmla="*/ 78955 w 139037"/>
+              <a:gd name="connsiteY12" fmla="*/ 129602 h 139039"/>
+              <a:gd name="connsiteX13" fmla="*/ 78955 w 139037"/>
+              <a:gd name="connsiteY13" fmla="*/ 78957 h 139039"/>
+              <a:gd name="connsiteX14" fmla="*/ 129600 w 139037"/>
+              <a:gd name="connsiteY14" fmla="*/ 78957 h 139039"/>
+              <a:gd name="connsiteX15" fmla="*/ 139037 w 139037"/>
+              <a:gd name="connsiteY15" fmla="*/ 69520 h 139039"/>
+              <a:gd name="connsiteX16" fmla="*/ 129600 w 139037"/>
+              <a:gd name="connsiteY16" fmla="*/ 60082 h 139039"/>
+            </a:gdLst>
+            <a:ahLst/>
+            <a:cxnLst>
+              <a:cxn ang="0">
+                <a:pos x="connsiteX0" y="connsiteY0"/>
+              </a:cxn>
+              <a:cxn ang="0">
+                <a:pos x="connsiteX1" y="connsiteY1"/>
+              </a:cxn>
+              <a:cxn ang="0">
+                <a:pos x="connsiteX2" y="connsiteY2"/>
+              </a:cxn>
+              <a:cxn ang="0">
+                <a:pos x="connsiteX3" y="connsiteY3"/>
+              </a:cxn>
+              <a:cxn ang="0">
+                <a:pos x="connsiteX4" y="connsiteY4"/>
+              </a:cxn>
+              <a:cxn ang="0">
+                <a:pos x="connsiteX5" y="connsiteY5"/>
+              </a:cxn>
+              <a:cxn ang="0">
+                <a:pos x="connsiteX6" y="connsiteY6"/>
+              </a:cxn>
+              <a:cxn ang="0">
+                <a:pos x="connsiteX7" y="connsiteY7"/>
+              </a:cxn>
+              <a:cxn ang="0">
+                <a:pos x="connsiteX8" y="connsiteY8"/>
+              </a:cxn>
+              <a:cxn ang="0">
+                <a:pos x="connsiteX9" y="connsiteY9"/>
+              </a:cxn>
+              <a:cxn ang="0">
+                <a:pos x="connsiteX10" y="connsiteY10"/>
+              </a:cxn>
+              <a:cxn ang="0">
+                <a:pos x="connsiteX11" y="connsiteY11"/>
+              </a:cxn>
+              <a:cxn ang="0">
+                <a:pos x="connsiteX12" y="connsiteY12"/>
+              </a:cxn>
+              <a:cxn ang="0">
+                <a:pos x="connsiteX13" y="connsiteY13"/>
+              </a:cxn>
+              <a:cxn ang="0">
+                <a:pos x="connsiteX14" y="connsiteY14"/>
+              </a:cxn>
+              <a:cxn ang="0">
+                <a:pos x="connsiteX15" y="connsiteY15"/>
+              </a:cxn>
+              <a:cxn ang="0">
+                <a:pos x="connsiteX16" y="connsiteY16"/>
+              </a:cxn>
+            </a:cxnLst>
+            <a:rect l="l" t="t" r="r" b="b"/>
+            <a:pathLst>
+              <a:path w="139037" h="139039">
+                <a:moveTo>
+                  <a:pt x="129600" y="60082"/>
+                </a:moveTo>
+                <a:lnTo>
+                  <a:pt x="78955" y="60082"/>
+                </a:lnTo>
+                <a:lnTo>
+                  <a:pt x="78955" y="9437"/>
+                </a:lnTo>
+                <a:cubicBezTo>
+                  <a:pt x="78955" y="4225"/>
+                  <a:pt x="74730" y="0"/>
+                  <a:pt x="69519" y="0"/>
+                </a:cubicBezTo>
+                <a:cubicBezTo>
+                  <a:pt x="64307" y="0"/>
+                  <a:pt x="60082" y="4225"/>
+                  <a:pt x="60082" y="9437"/>
+                </a:cubicBezTo>
+                <a:lnTo>
+                  <a:pt x="60082" y="60082"/>
+                </a:lnTo>
+                <a:lnTo>
+                  <a:pt x="9437" y="60082"/>
+                </a:lnTo>
+                <a:cubicBezTo>
+                  <a:pt x="4225" y="60082"/>
+                  <a:pt x="0" y="64308"/>
+                  <a:pt x="0" y="69520"/>
+                </a:cubicBezTo>
+                <a:cubicBezTo>
+                  <a:pt x="0" y="74731"/>
+                  <a:pt x="4225" y="78957"/>
+                  <a:pt x="9437" y="78957"/>
+                </a:cubicBezTo>
+                <a:lnTo>
+                  <a:pt x="60082" y="78957"/>
+                </a:lnTo>
+                <a:lnTo>
+                  <a:pt x="60082" y="129602"/>
+                </a:lnTo>
+                <a:cubicBezTo>
+                  <a:pt x="60082" y="134814"/>
+                  <a:pt x="64307" y="139039"/>
+                  <a:pt x="69519" y="139039"/>
+                </a:cubicBezTo>
+                <a:cubicBezTo>
+                  <a:pt x="74730" y="139039"/>
+                  <a:pt x="78955" y="134814"/>
+                  <a:pt x="78955" y="129602"/>
+                </a:cubicBezTo>
+                <a:lnTo>
+                  <a:pt x="78955" y="78957"/>
+                </a:lnTo>
+                <a:lnTo>
+                  <a:pt x="129600" y="78957"/>
+                </a:lnTo>
+                <a:cubicBezTo>
+                  <a:pt x="134812" y="78957"/>
+                  <a:pt x="139037" y="74731"/>
+                  <a:pt x="139037" y="69520"/>
+                </a:cubicBezTo>
+                <a:cubicBezTo>
+                  <a:pt x="139037" y="64308"/>
+                  <a:pt x="134812" y="60082"/>
+                  <a:pt x="129600" y="60082"/>
+                </a:cubicBezTo>
+                <a:close/>
+              </a:path>
+            </a:pathLst>
+          </a:custGeom>
+          <a:solidFill>
+            <a:schemeClr val="bg1"/>
+          </a:solidFill>
+          <a:ln w="603" cap="flat">
+            <a:noFill/>
+            <a:prstDash val="solid"/>
+            <a:miter/>
+          </a:ln>
+        </p:spPr>
+        <p:txBody>
+          <a:bodyPr rtlCol="0" anchor="ctr"/>
+          <a:lstStyle/>
+          <a:p>
+            <a:endParaRPr lang="en-US"/>
+          </a:p>
+        </p:txBody>
+      </p:sp>
+      <p:cxnSp>
+        <p:nvCxnSpPr>
+          <p:cNvPr id="55" name="Straight Connector 54">
+            <a:extLst>
+              <a:ext uri="{FF2B5EF4-FFF2-40B4-BE49-F238E27FC236}">
+                <a16:creationId xmlns:a16="http://schemas.microsoft.com/office/drawing/2014/main" id="{56020367-4FD5-4596-8E10-C5F095CD8DBF}"/>
+              </a:ext>
+              <a:ext uri="{C183D7F6-B498-43B3-948B-1728B52AA6E4}">
+                <adec:decorative xmlns:adec="http://schemas.microsoft.com/office/drawing/2017/decorative" val="1"/>
+              </a:ext>
+            </a:extLst>
+          </p:cNvPr>
+          <p:cNvCxnSpPr>
+            <a:cxnSpLocks noGrp="1" noRot="1" noChangeAspect="1" noMove="1" noResize="1" noEditPoints="1" noAdjustHandles="1" noChangeArrowheads="1" noChangeShapeType="1"/>
+          </p:cNvCxnSpPr>
+          <p:nvPr>
+            <p:extLst>
+              <p:ext uri="{386F3935-93C4-4BCD-93E2-E3B085C9AB24}">
+                <p16:designElem xmlns:p16="http://schemas.microsoft.com/office/powerpoint/2015/main" val="1"/>
+              </p:ext>
+            </p:extLst>
+          </p:nvPr>
+        </p:nvCxnSpPr>
+        <p:spPr>
+          <a:xfrm>
+            <a:off x="5447322" y="1589368"/>
+            <a:ext cx="0" cy="5259754"/>
+          </a:xfrm>
+          <a:prstGeom prst="line">
+            <a:avLst/>
+          </a:prstGeom>
+          <a:ln w="25400" cap="sq">
+            <a:solidFill>
+              <a:schemeClr val="bg1"/>
+            </a:solidFill>
+            <a:bevel/>
+          </a:ln>
+        </p:spPr>
+        <p:style>
+          <a:lnRef idx="1">
+            <a:schemeClr val="accent1"/>
+          </a:lnRef>
+          <a:fillRef idx="0">
+            <a:schemeClr val="accent1"/>
+          </a:fillRef>
+          <a:effectRef idx="0">
+            <a:schemeClr val="accent1"/>
+          </a:effectRef>
+          <a:fontRef idx="minor">
+            <a:schemeClr val="tx1"/>
+          </a:fontRef>
+        </p:style>
+      </p:cxnSp>
+      <p:pic>
+        <p:nvPicPr>
+          <p:cNvPr id="15" name="Picture 14" descr="Chart, histogram&#10;&#10;Description automatically generated">
+            <a:extLst>
+              <a:ext uri="{FF2B5EF4-FFF2-40B4-BE49-F238E27FC236}">
+                <a16:creationId xmlns:a16="http://schemas.microsoft.com/office/drawing/2014/main" id="{09769776-E09F-5A40-932F-2436038EB92D}"/>
+              </a:ext>
+            </a:extLst>
+          </p:cNvPr>
+          <p:cNvPicPr>
+            <a:picLocks noChangeAspect="1"/>
+          </p:cNvPicPr>
+          <p:nvPr/>
+        </p:nvPicPr>
+        <p:blipFill>
+          <a:blip r:embed="rId2"/>
+          <a:stretch>
+            <a:fillRect/>
+          </a:stretch>
+        </p:blipFill>
+        <p:spPr>
+          <a:xfrm>
+            <a:off x="5986926" y="1601919"/>
+            <a:ext cx="5569864" cy="4776157"/>
+          </a:xfrm>
+          <a:prstGeom prst="rect">
+            <a:avLst/>
+          </a:prstGeom>
+        </p:spPr>
+      </p:pic>
+      <p:sp>
+        <p:nvSpPr>
+          <p:cNvPr id="57" name="Graphic 21">
+            <a:extLst>
+              <a:ext uri="{FF2B5EF4-FFF2-40B4-BE49-F238E27FC236}">
+                <a16:creationId xmlns:a16="http://schemas.microsoft.com/office/drawing/2014/main" id="{8D61482F-F3C5-4D66-8C5D-C6BBE3E1275C}"/>
+              </a:ext>
+              <a:ext uri="{C183D7F6-B498-43B3-948B-1728B52AA6E4}">
+                <adec:decorative xmlns:adec="http://schemas.microsoft.com/office/drawing/2017/decorative" val="1"/>
+              </a:ext>
+            </a:extLst>
+          </p:cNvPr>
+          <p:cNvSpPr>
+            <a:spLocks noGrp="1" noRot="1" noChangeAspect="1" noMove="1" noResize="1" noEditPoints="1" noAdjustHandles="1" noChangeArrowheads="1" noChangeShapeType="1" noTextEdit="1"/>
+          </p:cNvSpPr>
+          <p:nvPr>
+            <p:extLst>
+              <p:ext uri="{386F3935-93C4-4BCD-93E2-E3B085C9AB24}">
+                <p16:designElem xmlns:p16="http://schemas.microsoft.com/office/powerpoint/2015/main" val="1"/>
+              </p:ext>
+            </p:extLst>
+          </p:nvPr>
+        </p:nvSpPr>
+        <p:spPr>
+          <a:xfrm>
+            <a:off x="11752801" y="1659316"/>
+            <a:ext cx="127713" cy="127714"/>
+          </a:xfrm>
+          <a:custGeom>
+            <a:avLst/>
+            <a:gdLst>
+              <a:gd name="connsiteX0" fmla="*/ 63857 w 127713"/>
+              <a:gd name="connsiteY0" fmla="*/ 18874 h 127714"/>
+              <a:gd name="connsiteX1" fmla="*/ 108839 w 127713"/>
+              <a:gd name="connsiteY1" fmla="*/ 63857 h 127714"/>
+              <a:gd name="connsiteX2" fmla="*/ 63857 w 127713"/>
+              <a:gd name="connsiteY2" fmla="*/ 108840 h 127714"/>
+              <a:gd name="connsiteX3" fmla="*/ 18874 w 127713"/>
+              <a:gd name="connsiteY3" fmla="*/ 63857 h 127714"/>
+              <a:gd name="connsiteX4" fmla="*/ 63857 w 127713"/>
+              <a:gd name="connsiteY4" fmla="*/ 18874 h 127714"/>
+              <a:gd name="connsiteX5" fmla="*/ 63857 w 127713"/>
+              <a:gd name="connsiteY5" fmla="*/ 0 h 127714"/>
+              <a:gd name="connsiteX6" fmla="*/ 0 w 127713"/>
+              <a:gd name="connsiteY6" fmla="*/ 63857 h 127714"/>
+              <a:gd name="connsiteX7" fmla="*/ 63857 w 127713"/>
+              <a:gd name="connsiteY7" fmla="*/ 127714 h 127714"/>
+              <a:gd name="connsiteX8" fmla="*/ 127713 w 127713"/>
+              <a:gd name="connsiteY8" fmla="*/ 63857 h 127714"/>
+              <a:gd name="connsiteX9" fmla="*/ 63857 w 127713"/>
+              <a:gd name="connsiteY9" fmla="*/ 0 h 127714"/>
+            </a:gdLst>
+            <a:ahLst/>
+            <a:cxnLst>
+              <a:cxn ang="0">
+                <a:pos x="connsiteX0" y="connsiteY0"/>
+              </a:cxn>
+              <a:cxn ang="0">
+                <a:pos x="connsiteX1" y="connsiteY1"/>
+              </a:cxn>
+              <a:cxn ang="0">
+                <a:pos x="connsiteX2" y="connsiteY2"/>
+              </a:cxn>
+              <a:cxn ang="0">
+                <a:pos x="connsiteX3" y="connsiteY3"/>
+              </a:cxn>
+              <a:cxn ang="0">
+                <a:pos x="connsiteX4" y="connsiteY4"/>
+              </a:cxn>
+              <a:cxn ang="0">
+                <a:pos x="connsiteX5" y="connsiteY5"/>
+              </a:cxn>
+              <a:cxn ang="0">
+                <a:pos x="connsiteX6" y="connsiteY6"/>
+              </a:cxn>
+              <a:cxn ang="0">
+                <a:pos x="connsiteX7" y="connsiteY7"/>
+              </a:cxn>
+              <a:cxn ang="0">
+                <a:pos x="connsiteX8" y="connsiteY8"/>
+              </a:cxn>
+              <a:cxn ang="0">
+                <a:pos x="connsiteX9" y="connsiteY9"/>
+              </a:cxn>
+            </a:cxnLst>
+            <a:rect l="l" t="t" r="r" b="b"/>
+            <a:pathLst>
+              <a:path w="127713" h="127714">
+                <a:moveTo>
+                  <a:pt x="63857" y="18874"/>
+                </a:moveTo>
+                <a:cubicBezTo>
+                  <a:pt x="88700" y="18874"/>
+                  <a:pt x="108839" y="39014"/>
+                  <a:pt x="108839" y="63857"/>
+                </a:cubicBezTo>
+                <a:cubicBezTo>
+                  <a:pt x="108839" y="88700"/>
+                  <a:pt x="88700" y="108840"/>
+                  <a:pt x="63857" y="108840"/>
+                </a:cubicBezTo>
+                <a:cubicBezTo>
+                  <a:pt x="39013" y="108840"/>
+                  <a:pt x="18874" y="88700"/>
+                  <a:pt x="18874" y="63857"/>
+                </a:cubicBezTo>
+                <a:cubicBezTo>
+                  <a:pt x="18898" y="39024"/>
+                  <a:pt x="39023" y="18898"/>
+                  <a:pt x="63857" y="18874"/>
+                </a:cubicBezTo>
+                <a:moveTo>
+                  <a:pt x="63857" y="0"/>
+                </a:moveTo>
+                <a:cubicBezTo>
+                  <a:pt x="28590" y="0"/>
+                  <a:pt x="0" y="28590"/>
+                  <a:pt x="0" y="63857"/>
+                </a:cubicBezTo>
+                <a:cubicBezTo>
+                  <a:pt x="0" y="99124"/>
+                  <a:pt x="28590" y="127714"/>
+                  <a:pt x="63857" y="127714"/>
+                </a:cubicBezTo>
+                <a:cubicBezTo>
+                  <a:pt x="99124" y="127714"/>
+                  <a:pt x="127713" y="99124"/>
+                  <a:pt x="127713" y="63857"/>
+                </a:cubicBezTo>
+                <a:cubicBezTo>
+                  <a:pt x="127713" y="28590"/>
+                  <a:pt x="99124" y="0"/>
+                  <a:pt x="63857" y="0"/>
+                </a:cubicBezTo>
+                <a:close/>
+              </a:path>
+            </a:pathLst>
+          </a:custGeom>
+          <a:solidFill>
+            <a:schemeClr val="bg1"/>
+          </a:solidFill>
+          <a:ln w="610" cap="flat">
+            <a:noFill/>
+            <a:prstDash val="solid"/>
+            <a:miter/>
+          </a:ln>
+        </p:spPr>
+        <p:txBody>
+          <a:bodyPr rtlCol="0" anchor="ctr"/>
+          <a:lstStyle/>
+          <a:p>
+            <a:endParaRPr lang="en-US"/>
+          </a:p>
+        </p:txBody>
+      </p:sp>
+      <p:sp>
+        <p:nvSpPr>
+          <p:cNvPr id="16" name="TextBox 15">
+            <a:extLst>
+              <a:ext uri="{FF2B5EF4-FFF2-40B4-BE49-F238E27FC236}">
+                <a16:creationId xmlns:a16="http://schemas.microsoft.com/office/drawing/2014/main" id="{60A84F9F-322A-2641-B0F5-B1FB06810982}"/>
+              </a:ext>
+            </a:extLst>
+          </p:cNvPr>
+          <p:cNvSpPr txBox="1"/>
+          <p:nvPr/>
+        </p:nvSpPr>
+        <p:spPr>
+          <a:xfrm>
+            <a:off x="624468" y="2096429"/>
+            <a:ext cx="3479181" cy="3416320"/>
+          </a:xfrm>
+          <a:prstGeom prst="rect">
+            <a:avLst/>
+          </a:prstGeom>
+          <a:noFill/>
+        </p:spPr>
+        <p:txBody>
+          <a:bodyPr wrap="square" rtlCol="0">
+            <a:spAutoFit/>
+          </a:bodyPr>
+          <a:lstStyle/>
+          <a:p>
+            <a:pPr marL="285750" indent="-285750">
+              <a:buFont typeface="Arial" panose="020B0604020202020204" pitchFamily="34" charset="0"/>
+              <a:buChar char="•"/>
+            </a:pPr>
+            <a:r>
+              <a:rPr lang="en-US" dirty="0">
+                <a:solidFill>
+                  <a:schemeClr val="bg1"/>
+                </a:solidFill>
+              </a:rPr>
+              <a:t>Minimal collinearity in dataset</a:t>
+            </a:r>
+          </a:p>
+          <a:p>
+            <a:pPr marL="285750" indent="-285750">
+              <a:buFont typeface="Arial" panose="020B0604020202020204" pitchFamily="34" charset="0"/>
+              <a:buChar char="•"/>
+            </a:pPr>
+            <a:endParaRPr lang="en-US" dirty="0">
+              <a:solidFill>
+                <a:schemeClr val="bg1"/>
+              </a:solidFill>
+            </a:endParaRPr>
+          </a:p>
+          <a:p>
+            <a:pPr marL="285750" indent="-285750">
+              <a:buFont typeface="Arial" panose="020B0604020202020204" pitchFamily="34" charset="0"/>
+              <a:buChar char="•"/>
+            </a:pPr>
+            <a:r>
+              <a:rPr lang="en-US" dirty="0">
+                <a:solidFill>
+                  <a:schemeClr val="bg1"/>
+                </a:solidFill>
+              </a:rPr>
+              <a:t>Primary concerns include services</a:t>
+            </a:r>
+          </a:p>
+          <a:p>
+            <a:pPr marL="742950" lvl="1" indent="-285750">
+              <a:buFont typeface="Arial" panose="020B0604020202020204" pitchFamily="34" charset="0"/>
+              <a:buChar char="•"/>
+            </a:pPr>
+            <a:endParaRPr lang="en-US" dirty="0">
+              <a:solidFill>
+                <a:schemeClr val="bg1"/>
+              </a:solidFill>
+            </a:endParaRPr>
+          </a:p>
+          <a:p>
+            <a:pPr marL="742950" lvl="1" indent="-285750">
+              <a:buFont typeface="Arial" panose="020B0604020202020204" pitchFamily="34" charset="0"/>
+              <a:buChar char="•"/>
+            </a:pPr>
+            <a:r>
+              <a:rPr lang="en-US" dirty="0" err="1">
+                <a:solidFill>
+                  <a:schemeClr val="bg1"/>
+                </a:solidFill>
+              </a:rPr>
+              <a:t>InternetService</a:t>
+            </a:r>
+            <a:endParaRPr lang="en-US" dirty="0">
+              <a:solidFill>
+                <a:schemeClr val="bg1"/>
+              </a:solidFill>
+            </a:endParaRPr>
+          </a:p>
+          <a:p>
+            <a:pPr marL="742950" lvl="1" indent="-285750">
+              <a:buFont typeface="Arial" panose="020B0604020202020204" pitchFamily="34" charset="0"/>
+              <a:buChar char="•"/>
+            </a:pPr>
+            <a:r>
+              <a:rPr lang="en-US" dirty="0" err="1">
+                <a:solidFill>
+                  <a:schemeClr val="bg1"/>
+                </a:solidFill>
+              </a:rPr>
+              <a:t>OnlineSecurity</a:t>
+            </a:r>
+            <a:endParaRPr lang="en-US" dirty="0">
+              <a:solidFill>
+                <a:schemeClr val="bg1"/>
+              </a:solidFill>
+            </a:endParaRPr>
+          </a:p>
+          <a:p>
+            <a:pPr marL="742950" lvl="1" indent="-285750">
+              <a:buFont typeface="Arial" panose="020B0604020202020204" pitchFamily="34" charset="0"/>
+              <a:buChar char="•"/>
+            </a:pPr>
+            <a:r>
+              <a:rPr lang="en-US" dirty="0" err="1">
+                <a:solidFill>
+                  <a:schemeClr val="bg1"/>
+                </a:solidFill>
+              </a:rPr>
+              <a:t>OnlineBackup</a:t>
+            </a:r>
+            <a:endParaRPr lang="en-US" dirty="0">
+              <a:solidFill>
+                <a:schemeClr val="bg1"/>
+              </a:solidFill>
+            </a:endParaRPr>
+          </a:p>
+          <a:p>
+            <a:pPr marL="742950" lvl="1" indent="-285750">
+              <a:buFont typeface="Arial" panose="020B0604020202020204" pitchFamily="34" charset="0"/>
+              <a:buChar char="•"/>
+            </a:pPr>
+            <a:r>
+              <a:rPr lang="en-US" dirty="0" err="1">
+                <a:solidFill>
+                  <a:schemeClr val="bg1"/>
+                </a:solidFill>
+              </a:rPr>
+              <a:t>DeviceProtection</a:t>
+            </a:r>
+            <a:endParaRPr lang="en-US" dirty="0">
+              <a:solidFill>
+                <a:schemeClr val="bg1"/>
+              </a:solidFill>
+            </a:endParaRPr>
+          </a:p>
+          <a:p>
+            <a:pPr marL="742950" lvl="1" indent="-285750">
+              <a:buFont typeface="Arial" panose="020B0604020202020204" pitchFamily="34" charset="0"/>
+              <a:buChar char="•"/>
+            </a:pPr>
+            <a:r>
+              <a:rPr lang="en-US" dirty="0" err="1">
+                <a:solidFill>
+                  <a:schemeClr val="bg1"/>
+                </a:solidFill>
+              </a:rPr>
+              <a:t>StreamingTV</a:t>
+            </a:r>
+            <a:endParaRPr lang="en-US" dirty="0">
+              <a:solidFill>
+                <a:schemeClr val="bg1"/>
+              </a:solidFill>
+            </a:endParaRPr>
+          </a:p>
+          <a:p>
+            <a:pPr marL="742950" lvl="1" indent="-285750">
+              <a:buFont typeface="Arial" panose="020B0604020202020204" pitchFamily="34" charset="0"/>
+              <a:buChar char="•"/>
+            </a:pPr>
+            <a:r>
+              <a:rPr lang="en-US" dirty="0" err="1">
+                <a:solidFill>
+                  <a:schemeClr val="bg1"/>
+                </a:solidFill>
+              </a:rPr>
+              <a:t>StreamingMovies</a:t>
+            </a:r>
+            <a:endParaRPr lang="en-US" dirty="0">
+              <a:solidFill>
+                <a:schemeClr val="bg1"/>
+              </a:solidFill>
+            </a:endParaRPr>
+          </a:p>
+          <a:p>
+            <a:pPr marL="742950" lvl="1" indent="-285750">
+              <a:buFont typeface="Arial" panose="020B0604020202020204" pitchFamily="34" charset="0"/>
+              <a:buChar char="•"/>
+            </a:pPr>
+            <a:r>
+              <a:rPr lang="en-US" dirty="0">
+                <a:solidFill>
+                  <a:schemeClr val="bg1"/>
+                </a:solidFill>
+              </a:rPr>
+              <a:t>Etc..</a:t>
+            </a:r>
+            <a:endParaRPr lang="en-US" dirty="0"/>
+          </a:p>
+        </p:txBody>
+      </p:sp>
+    </p:spTree>
+    <p:extLst>
+      <p:ext uri="{BB962C8B-B14F-4D97-AF65-F5344CB8AC3E}">
+        <p14:creationId xmlns:p14="http://schemas.microsoft.com/office/powerpoint/2010/main" val="1066703169"/>
+      </p:ext>
+    </p:extLst>
+  </p:cSld>
+  <p:clrMapOvr>
+    <a:masterClrMapping/>
+  </p:clrMapOvr>
+</p:sld>
+</file>
+
+<file path=ppt/slides/slide6.xml><?xml version="1.0" encoding="utf-8"?>
+<p:sld xmlns:a="http://schemas.openxmlformats.org/drawingml/2006/main" xmlns:r="http://schemas.openxmlformats.org/officeDocument/2006/relationships" xmlns:p="http://schemas.openxmlformats.org/presentationml/2006/main">
+  <p:cSld>
+    <p:bg>
+      <p:bgPr>
+        <a:solidFill>
+          <a:schemeClr val="bg1"/>
+        </a:solidFill>
+        <a:effectLst/>
+      </p:bgPr>
+    </p:bg>
+    <p:spTree>
+      <p:nvGrpSpPr>
+        <p:cNvPr id="1" name=""/>
+        <p:cNvGrpSpPr/>
+        <p:nvPr/>
+      </p:nvGrpSpPr>
+      <p:grpSpPr>
+        <a:xfrm>
+          <a:off x="0" y="0"/>
+          <a:ext cx="0" cy="0"/>
+          <a:chOff x="0" y="0"/>
+          <a:chExt cx="0" cy="0"/>
+        </a:xfrm>
+      </p:grpSpPr>
+      <p:sp useBgFill="1">
+        <p:nvSpPr>
+          <p:cNvPr id="21" name="Rectangle 20">
+            <a:extLst>
+              <a:ext uri="{FF2B5EF4-FFF2-40B4-BE49-F238E27FC236}">
+                <a16:creationId xmlns:a16="http://schemas.microsoft.com/office/drawing/2014/main" id="{A2679492-7988-4050-9056-542444452411}"/>
+              </a:ext>
+              <a:ext uri="{C183D7F6-B498-43B3-948B-1728B52AA6E4}">
+                <adec:decorative xmlns:adec="http://schemas.microsoft.com/office/drawing/2017/decorative" val="1"/>
+              </a:ext>
+            </a:extLst>
+          </p:cNvPr>
+          <p:cNvSpPr>
+            <a:spLocks noGrp="1" noRot="1" noChangeAspect="1" noMove="1" noResize="1" noEditPoints="1" noAdjustHandles="1" noChangeArrowheads="1" noChangeShapeType="1" noTextEdit="1"/>
+          </p:cNvSpPr>
+          <p:nvPr>
+            <p:extLst>
+              <p:ext uri="{386F3935-93C4-4BCD-93E2-E3B085C9AB24}">
+                <p16:designElem xmlns:p16="http://schemas.microsoft.com/office/powerpoint/2015/main" val="1"/>
+              </p:ext>
+            </p:extLst>
+          </p:nvPr>
+        </p:nvSpPr>
+        <p:spPr>
+          <a:xfrm>
+            <a:off x="0" y="0"/>
+            <a:ext cx="12192000" cy="6858000"/>
+          </a:xfrm>
+          <a:prstGeom prst="rect">
+            <a:avLst/>
+          </a:prstGeom>
+          <a:ln>
+            <a:noFill/>
+          </a:ln>
+        </p:spPr>
+        <p:style>
+          <a:lnRef idx="2">
+            <a:schemeClr val="accent1">
+              <a:shade val="50000"/>
+            </a:schemeClr>
+          </a:lnRef>
+          <a:fillRef idx="1">
+            <a:schemeClr val="accent1"/>
+          </a:fillRef>
+          <a:effectRef idx="0">
+            <a:schemeClr val="accent1"/>
+          </a:effectRef>
+          <a:fontRef idx="minor">
+            <a:schemeClr val="lt1"/>
+          </a:fontRef>
+        </p:style>
+        <p:txBody>
+          <a:bodyPr rtlCol="0" anchor="ctr"/>
+          <a:lstStyle/>
+          <a:p>
+            <a:pPr algn="ctr"/>
+            <a:endParaRPr lang="en-US"/>
+          </a:p>
+        </p:txBody>
+      </p:sp>
+      <p:sp>
+        <p:nvSpPr>
+          <p:cNvPr id="2" name="Title 1">
+            <a:extLst>
+              <a:ext uri="{FF2B5EF4-FFF2-40B4-BE49-F238E27FC236}">
+                <a16:creationId xmlns:a16="http://schemas.microsoft.com/office/drawing/2014/main" id="{AC91A200-057C-E947-9789-46D5EA2406B5}"/>
+              </a:ext>
+            </a:extLst>
+          </p:cNvPr>
+          <p:cNvSpPr>
+            <a:spLocks noGrp="1"/>
+          </p:cNvSpPr>
+          <p:nvPr>
+            <p:ph type="title"/>
+          </p:nvPr>
+        </p:nvSpPr>
+        <p:spPr>
+          <a:xfrm>
+            <a:off x="6392583" y="501651"/>
+            <a:ext cx="4434720" cy="1716255"/>
+          </a:xfrm>
+        </p:spPr>
+        <p:txBody>
+          <a:bodyPr vert="horz" lIns="91440" tIns="45720" rIns="91440" bIns="45720" rtlCol="0" anchor="b">
+            <a:normAutofit/>
+          </a:bodyPr>
+          <a:lstStyle/>
+          <a:p>
+            <a:r>
+              <a:rPr lang="en-US" sz="3800" b="1" kern="1200" cap="all" dirty="0">
+                <a:solidFill>
+                  <a:schemeClr val="tx1"/>
+                </a:solidFill>
+                <a:latin typeface="+mj-lt"/>
+                <a:ea typeface="+mj-ea"/>
+                <a:cs typeface="+mj-cs"/>
+              </a:rPr>
+              <a:t>EDA – High Collinearity</a:t>
+            </a:r>
+            <a:endParaRPr lang="en-US" sz="3800" b="1" i="0" kern="1200" cap="all" baseline="0" dirty="0">
+              <a:solidFill>
+                <a:schemeClr val="tx1"/>
+              </a:solidFill>
+              <a:latin typeface="+mj-lt"/>
+              <a:ea typeface="+mj-ea"/>
+              <a:cs typeface="+mj-cs"/>
+            </a:endParaRPr>
+          </a:p>
+        </p:txBody>
+      </p:sp>
+      <p:sp>
+        <p:nvSpPr>
+          <p:cNvPr id="23" name="Rectangle 22">
+            <a:extLst>
+              <a:ext uri="{FF2B5EF4-FFF2-40B4-BE49-F238E27FC236}">
+                <a16:creationId xmlns:a16="http://schemas.microsoft.com/office/drawing/2014/main" id="{B091B163-7D61-4891-ABCF-5C13D9C418D0}"/>
+              </a:ext>
+              <a:ext uri="{C183D7F6-B498-43B3-948B-1728B52AA6E4}">
+                <adec:decorative xmlns:adec="http://schemas.microsoft.com/office/drawing/2017/decorative" val="1"/>
+              </a:ext>
+            </a:extLst>
+          </p:cNvPr>
+          <p:cNvSpPr>
+            <a:spLocks noGrp="1" noRot="1" noChangeAspect="1" noMove="1" noResize="1" noEditPoints="1" noAdjustHandles="1" noChangeArrowheads="1" noChangeShapeType="1" noTextEdit="1"/>
+          </p:cNvSpPr>
+          <p:nvPr>
+            <p:extLst>
+              <p:ext uri="{386F3935-93C4-4BCD-93E2-E3B085C9AB24}">
+                <p16:designElem xmlns:p16="http://schemas.microsoft.com/office/powerpoint/2015/main" val="1"/>
+              </p:ext>
+            </p:extLst>
+          </p:nvPr>
+        </p:nvSpPr>
+        <p:spPr>
+          <a:xfrm>
+            <a:off x="0" y="0"/>
+            <a:ext cx="5779911" cy="6858000"/>
+          </a:xfrm>
+          <a:prstGeom prst="rect">
+            <a:avLst/>
+          </a:prstGeom>
+          <a:gradFill flip="none" rotWithShape="1">
+            <a:gsLst>
+              <a:gs pos="100000">
+                <a:schemeClr val="accent4"/>
+              </a:gs>
+              <a:gs pos="0">
+                <a:schemeClr val="accent2"/>
+              </a:gs>
+            </a:gsLst>
+            <a:lin ang="2700000" scaled="1"/>
+            <a:tileRect/>
+          </a:gradFill>
+          <a:ln>
+            <a:noFill/>
+          </a:ln>
+        </p:spPr>
+        <p:style>
+          <a:lnRef idx="2">
+            <a:schemeClr val="accent1">
+              <a:shade val="50000"/>
+            </a:schemeClr>
+          </a:lnRef>
+          <a:fillRef idx="1">
+            <a:schemeClr val="accent1"/>
+          </a:fillRef>
+          <a:effectRef idx="0">
+            <a:schemeClr val="accent1"/>
+          </a:effectRef>
+          <a:fontRef idx="minor">
+            <a:schemeClr val="lt1"/>
+          </a:fontRef>
+        </p:style>
+        <p:txBody>
+          <a:bodyPr rtlCol="0" anchor="ctr"/>
+          <a:lstStyle/>
+          <a:p>
+            <a:pPr algn="ctr"/>
+            <a:endParaRPr lang="en-US"/>
+          </a:p>
+        </p:txBody>
+      </p:sp>
+      <p:sp>
+        <p:nvSpPr>
+          <p:cNvPr id="16" name="TextBox 15">
+            <a:extLst>
+              <a:ext uri="{FF2B5EF4-FFF2-40B4-BE49-F238E27FC236}">
+                <a16:creationId xmlns:a16="http://schemas.microsoft.com/office/drawing/2014/main" id="{60A84F9F-322A-2641-B0F5-B1FB06810982}"/>
+              </a:ext>
+            </a:extLst>
+          </p:cNvPr>
+          <p:cNvSpPr txBox="1"/>
+          <p:nvPr/>
+        </p:nvSpPr>
+        <p:spPr>
+          <a:xfrm>
+            <a:off x="6392583" y="2645922"/>
+            <a:ext cx="4434721" cy="3710427"/>
+          </a:xfrm>
+          <a:prstGeom prst="rect">
+            <a:avLst/>
+          </a:prstGeom>
+        </p:spPr>
+        <p:txBody>
+          <a:bodyPr vert="horz" lIns="91440" tIns="45720" rIns="91440" bIns="45720" rtlCol="0" anchor="t">
+            <a:normAutofit lnSpcReduction="10000"/>
+          </a:bodyPr>
+          <a:lstStyle/>
+          <a:p>
+            <a:pPr marL="285750" indent="-228600">
+              <a:lnSpc>
+                <a:spcPct val="90000"/>
+              </a:lnSpc>
+              <a:spcAft>
+                <a:spcPts val="600"/>
+              </a:spcAft>
+              <a:buFont typeface="Arial" panose="020B0604020202020204" pitchFamily="34" charset="0"/>
+              <a:buChar char="•"/>
+            </a:pPr>
+            <a:r>
+              <a:rPr lang="en-US" dirty="0"/>
+              <a:t>Nearly identical churn rates across ‘services’ predictors </a:t>
+            </a:r>
+          </a:p>
+          <a:p>
+            <a:pPr marL="285750" indent="-228600">
+              <a:lnSpc>
+                <a:spcPct val="90000"/>
+              </a:lnSpc>
+              <a:spcAft>
+                <a:spcPts val="600"/>
+              </a:spcAft>
+              <a:buFont typeface="Arial" panose="020B0604020202020204" pitchFamily="34" charset="0"/>
+              <a:buChar char="•"/>
+            </a:pPr>
+            <a:endParaRPr lang="en-US" dirty="0"/>
+          </a:p>
+          <a:p>
+            <a:pPr marL="285750" indent="-228600">
+              <a:lnSpc>
+                <a:spcPct val="90000"/>
+              </a:lnSpc>
+              <a:spcAft>
+                <a:spcPts val="600"/>
+              </a:spcAft>
+              <a:buFont typeface="Arial" panose="020B0604020202020204" pitchFamily="34" charset="0"/>
+              <a:buChar char="•"/>
+            </a:pPr>
+            <a:r>
+              <a:rPr lang="en-US" dirty="0"/>
+              <a:t>Customers significantly more likely to churn if they:</a:t>
+            </a:r>
+          </a:p>
+          <a:p>
+            <a:pPr marL="742950" lvl="1" indent="-228600">
+              <a:lnSpc>
+                <a:spcPct val="90000"/>
+              </a:lnSpc>
+              <a:spcAft>
+                <a:spcPts val="600"/>
+              </a:spcAft>
+              <a:buFont typeface="Arial" panose="020B0604020202020204" pitchFamily="34" charset="0"/>
+              <a:buChar char="•"/>
+            </a:pPr>
+            <a:r>
+              <a:rPr lang="en-US" dirty="0"/>
+              <a:t>Pay for Internet</a:t>
+            </a:r>
+          </a:p>
+          <a:p>
+            <a:pPr marL="742950" lvl="1" indent="-228600">
+              <a:lnSpc>
+                <a:spcPct val="90000"/>
+              </a:lnSpc>
+              <a:spcAft>
+                <a:spcPts val="600"/>
+              </a:spcAft>
+              <a:buFont typeface="Arial" panose="020B0604020202020204" pitchFamily="34" charset="0"/>
+              <a:buChar char="•"/>
+            </a:pPr>
+            <a:r>
+              <a:rPr lang="en-US" dirty="0"/>
+              <a:t>Do not Pay for Services</a:t>
+            </a:r>
+          </a:p>
+          <a:p>
+            <a:pPr marL="285750" indent="-228600">
+              <a:lnSpc>
+                <a:spcPct val="90000"/>
+              </a:lnSpc>
+              <a:spcAft>
+                <a:spcPts val="600"/>
+              </a:spcAft>
+              <a:buFont typeface="Arial" panose="020B0604020202020204" pitchFamily="34" charset="0"/>
+              <a:buChar char="•"/>
+            </a:pPr>
+            <a:endParaRPr lang="en-US" dirty="0"/>
+          </a:p>
+          <a:p>
+            <a:pPr marL="285750" indent="-228600">
+              <a:lnSpc>
+                <a:spcPct val="90000"/>
+              </a:lnSpc>
+              <a:spcAft>
+                <a:spcPts val="600"/>
+              </a:spcAft>
+              <a:buFont typeface="Arial" panose="020B0604020202020204" pitchFamily="34" charset="0"/>
+              <a:buChar char="•"/>
+            </a:pPr>
+            <a:r>
+              <a:rPr lang="en-US" dirty="0"/>
+              <a:t>Feature Engineering:</a:t>
+            </a:r>
+          </a:p>
+          <a:p>
+            <a:pPr marL="742950" lvl="1" indent="-228600">
+              <a:lnSpc>
+                <a:spcPct val="90000"/>
+              </a:lnSpc>
+              <a:spcAft>
+                <a:spcPts val="600"/>
+              </a:spcAft>
+              <a:buFont typeface="Arial" panose="020B0604020202020204" pitchFamily="34" charset="0"/>
+              <a:buChar char="•"/>
+            </a:pPr>
+            <a:r>
+              <a:rPr lang="en-US" dirty="0"/>
+              <a:t>Paid Services Count</a:t>
+            </a:r>
+          </a:p>
+          <a:p>
+            <a:pPr marL="742950" lvl="1" indent="-228600">
+              <a:lnSpc>
+                <a:spcPct val="90000"/>
+              </a:lnSpc>
+              <a:spcAft>
+                <a:spcPts val="600"/>
+              </a:spcAft>
+              <a:buFont typeface="Arial" panose="020B0604020202020204" pitchFamily="34" charset="0"/>
+              <a:buChar char="•"/>
+            </a:pPr>
+            <a:r>
+              <a:rPr lang="en-US" dirty="0"/>
+              <a:t>Avg Price per Service</a:t>
+            </a:r>
+          </a:p>
+          <a:p>
+            <a:pPr marL="742950" lvl="1" indent="-228600">
+              <a:lnSpc>
+                <a:spcPct val="90000"/>
+              </a:lnSpc>
+              <a:spcAft>
+                <a:spcPts val="600"/>
+              </a:spcAft>
+              <a:buFont typeface="Arial" panose="020B0604020202020204" pitchFamily="34" charset="0"/>
+              <a:buChar char="•"/>
+            </a:pPr>
+            <a:r>
+              <a:rPr lang="en-US" dirty="0"/>
+              <a:t>Has Internet</a:t>
+            </a:r>
+          </a:p>
+        </p:txBody>
+      </p:sp>
+      <p:cxnSp>
+        <p:nvCxnSpPr>
+          <p:cNvPr id="25" name="Straight Connector 24">
+            <a:extLst>
+              <a:ext uri="{FF2B5EF4-FFF2-40B4-BE49-F238E27FC236}">
+                <a16:creationId xmlns:a16="http://schemas.microsoft.com/office/drawing/2014/main" id="{C49DA8F6-BCC1-4447-B54C-57856834B94B}"/>
+              </a:ext>
+              <a:ext uri="{C183D7F6-B498-43B3-948B-1728B52AA6E4}">
+                <adec:decorative xmlns:adec="http://schemas.microsoft.com/office/drawing/2017/decorative" val="1"/>
+              </a:ext>
+            </a:extLst>
+          </p:cNvPr>
+          <p:cNvCxnSpPr>
+            <a:cxnSpLocks noGrp="1" noRot="1" noChangeAspect="1" noMove="1" noResize="1" noEditPoints="1" noAdjustHandles="1" noChangeArrowheads="1" noChangeShapeType="1"/>
+          </p:cNvCxnSpPr>
+          <p:nvPr>
+            <p:extLst>
+              <p:ext uri="{386F3935-93C4-4BCD-93E2-E3B085C9AB24}">
+                <p16:designElem xmlns:p16="http://schemas.microsoft.com/office/powerpoint/2015/main" val="1"/>
+              </p:ext>
+            </p:extLst>
+          </p:nvPr>
+        </p:nvCxnSpPr>
+        <p:spPr>
+          <a:xfrm>
+            <a:off x="11586162" y="3610394"/>
+            <a:ext cx="0" cy="3238728"/>
+          </a:xfrm>
+          <a:prstGeom prst="line">
+            <a:avLst/>
+          </a:prstGeom>
+          <a:ln w="25400" cap="sq">
+            <a:gradFill flip="none" rotWithShape="1">
+              <a:gsLst>
+                <a:gs pos="0">
+                  <a:schemeClr val="accent2"/>
+                </a:gs>
+                <a:gs pos="100000">
+                  <a:schemeClr val="accent4"/>
+                </a:gs>
+              </a:gsLst>
+              <a:lin ang="16200000" scaled="1"/>
+              <a:tileRect/>
+            </a:gradFill>
+            <a:bevel/>
+          </a:ln>
+        </p:spPr>
+        <p:style>
+          <a:lnRef idx="1">
+            <a:schemeClr val="accent1"/>
+          </a:lnRef>
+          <a:fillRef idx="0">
+            <a:schemeClr val="accent1"/>
+          </a:fillRef>
+          <a:effectRef idx="0">
+            <a:schemeClr val="accent1"/>
+          </a:effectRef>
+          <a:fontRef idx="minor">
+            <a:schemeClr val="tx1"/>
+          </a:fontRef>
+        </p:style>
+      </p:cxnSp>
+      <p:pic>
+        <p:nvPicPr>
+          <p:cNvPr id="18" name="Picture 17" descr="Chart, bar chart&#10;&#10;Description automatically generated">
+            <a:extLst>
+              <a:ext uri="{FF2B5EF4-FFF2-40B4-BE49-F238E27FC236}">
+                <a16:creationId xmlns:a16="http://schemas.microsoft.com/office/drawing/2014/main" id="{37CE2846-55F3-6B44-8EBE-263804DE9D6A}"/>
+              </a:ext>
+            </a:extLst>
+          </p:cNvPr>
+          <p:cNvPicPr>
+            <a:picLocks noChangeAspect="1"/>
+          </p:cNvPicPr>
+          <p:nvPr/>
+        </p:nvPicPr>
+        <p:blipFill>
+          <a:blip r:embed="rId2"/>
+          <a:stretch>
+            <a:fillRect/>
+          </a:stretch>
+        </p:blipFill>
+        <p:spPr>
+          <a:xfrm>
+            <a:off x="823580" y="4574650"/>
+            <a:ext cx="4434722" cy="2094698"/>
+          </a:xfrm>
+          <a:prstGeom prst="rect">
+            <a:avLst/>
+          </a:prstGeom>
+        </p:spPr>
+      </p:pic>
+      <p:pic>
+        <p:nvPicPr>
+          <p:cNvPr id="20" name="Picture 19" descr="Chart, bar chart&#10;&#10;Description automatically generated">
+            <a:extLst>
+              <a:ext uri="{FF2B5EF4-FFF2-40B4-BE49-F238E27FC236}">
+                <a16:creationId xmlns:a16="http://schemas.microsoft.com/office/drawing/2014/main" id="{6EFF1574-2260-354E-B967-7CF13613E96A}"/>
+              </a:ext>
+            </a:extLst>
+          </p:cNvPr>
+          <p:cNvPicPr>
+            <a:picLocks noChangeAspect="1"/>
+          </p:cNvPicPr>
+          <p:nvPr/>
+        </p:nvPicPr>
+        <p:blipFill>
+          <a:blip r:embed="rId3"/>
+          <a:stretch>
+            <a:fillRect/>
+          </a:stretch>
+        </p:blipFill>
+        <p:spPr>
+          <a:xfrm>
+            <a:off x="813710" y="2355963"/>
+            <a:ext cx="4434722" cy="2094698"/>
+          </a:xfrm>
+          <a:prstGeom prst="rect">
+            <a:avLst/>
+          </a:prstGeom>
+        </p:spPr>
+      </p:pic>
+      <p:pic>
+        <p:nvPicPr>
+          <p:cNvPr id="24" name="Picture 23" descr="Chart, bar chart&#10;&#10;Description automatically generated">
+            <a:extLst>
+              <a:ext uri="{FF2B5EF4-FFF2-40B4-BE49-F238E27FC236}">
+                <a16:creationId xmlns:a16="http://schemas.microsoft.com/office/drawing/2014/main" id="{92CEA24C-1F2F-6645-8956-3D57D1A02BFC}"/>
+              </a:ext>
+            </a:extLst>
+          </p:cNvPr>
+          <p:cNvPicPr>
+            <a:picLocks noChangeAspect="1"/>
+          </p:cNvPicPr>
+          <p:nvPr/>
+        </p:nvPicPr>
+        <p:blipFill>
+          <a:blip r:embed="rId4"/>
+          <a:stretch>
+            <a:fillRect/>
+          </a:stretch>
+        </p:blipFill>
+        <p:spPr>
+          <a:xfrm>
+            <a:off x="813710" y="188653"/>
+            <a:ext cx="4434722" cy="2094698"/>
+          </a:xfrm>
+          <a:prstGeom prst="rect">
+            <a:avLst/>
+          </a:prstGeom>
+        </p:spPr>
+      </p:pic>
+    </p:spTree>
+    <p:extLst>
+      <p:ext uri="{BB962C8B-B14F-4D97-AF65-F5344CB8AC3E}">
+        <p14:creationId xmlns:p14="http://schemas.microsoft.com/office/powerpoint/2010/main" val="4281894143"/>
+      </p:ext>
+    </p:extLst>
+  </p:cSld>
+  <p:clrMapOvr>
+    <a:masterClrMapping/>
+  </p:clrMapOvr>
+</p:sld>
+</file>
+
+<file path=ppt/slides/slide7.xml><?xml version="1.0" encoding="utf-8"?>
+<p:sld xmlns:a="http://schemas.openxmlformats.org/drawingml/2006/main" xmlns:r="http://schemas.openxmlformats.org/officeDocument/2006/relationships" xmlns:p="http://schemas.openxmlformats.org/presentationml/2006/main">
+  <p:cSld>
+    <p:bg>
+      <p:bgPr>
+        <a:solidFill>
+          <a:schemeClr val="bg1"/>
+        </a:solidFill>
+        <a:effectLst/>
+      </p:bgPr>
+    </p:bg>
+    <p:spTree>
+      <p:nvGrpSpPr>
+        <p:cNvPr id="1" name=""/>
+        <p:cNvGrpSpPr/>
+        <p:nvPr/>
+      </p:nvGrpSpPr>
+      <p:grpSpPr>
+        <a:xfrm>
+          <a:off x="0" y="0"/>
+          <a:ext cx="0" cy="0"/>
+          <a:chOff x="0" y="0"/>
+          <a:chExt cx="0" cy="0"/>
+        </a:xfrm>
+      </p:grpSpPr>
+      <p:sp useBgFill="1">
+        <p:nvSpPr>
+          <p:cNvPr id="21" name="Rectangle 20">
+            <a:extLst>
+              <a:ext uri="{FF2B5EF4-FFF2-40B4-BE49-F238E27FC236}">
+                <a16:creationId xmlns:a16="http://schemas.microsoft.com/office/drawing/2014/main" id="{A2679492-7988-4050-9056-542444452411}"/>
+              </a:ext>
+              <a:ext uri="{C183D7F6-B498-43B3-948B-1728B52AA6E4}">
+                <adec:decorative xmlns:adec="http://schemas.microsoft.com/office/drawing/2017/decorative" val="1"/>
+              </a:ext>
+            </a:extLst>
+          </p:cNvPr>
+          <p:cNvSpPr>
+            <a:spLocks noGrp="1" noRot="1" noChangeAspect="1" noMove="1" noResize="1" noEditPoints="1" noAdjustHandles="1" noChangeArrowheads="1" noChangeShapeType="1" noTextEdit="1"/>
+          </p:cNvSpPr>
+          <p:nvPr>
+            <p:extLst>
+              <p:ext uri="{386F3935-93C4-4BCD-93E2-E3B085C9AB24}">
+                <p16:designElem xmlns:p16="http://schemas.microsoft.com/office/powerpoint/2015/main" val="1"/>
+              </p:ext>
+            </p:extLst>
+          </p:nvPr>
+        </p:nvSpPr>
+        <p:spPr>
+          <a:xfrm>
+            <a:off x="0" y="0"/>
+            <a:ext cx="12192000" cy="6858000"/>
+          </a:xfrm>
+          <a:prstGeom prst="rect">
+            <a:avLst/>
+          </a:prstGeom>
+          <a:ln>
+            <a:noFill/>
+          </a:ln>
+        </p:spPr>
+        <p:style>
+          <a:lnRef idx="2">
+            <a:schemeClr val="accent1">
+              <a:shade val="50000"/>
+            </a:schemeClr>
+          </a:lnRef>
+          <a:fillRef idx="1">
+            <a:schemeClr val="accent1"/>
+          </a:fillRef>
+          <a:effectRef idx="0">
+            <a:schemeClr val="accent1"/>
+          </a:effectRef>
+          <a:fontRef idx="minor">
+            <a:schemeClr val="lt1"/>
+          </a:fontRef>
+        </p:style>
+        <p:txBody>
+          <a:bodyPr rtlCol="0" anchor="ctr"/>
+          <a:lstStyle/>
+          <a:p>
+            <a:pPr algn="ctr"/>
+            <a:endParaRPr lang="en-US"/>
+          </a:p>
+        </p:txBody>
+      </p:sp>
+      <p:sp>
+        <p:nvSpPr>
+          <p:cNvPr id="2" name="Title 1">
+            <a:extLst>
+              <a:ext uri="{FF2B5EF4-FFF2-40B4-BE49-F238E27FC236}">
+                <a16:creationId xmlns:a16="http://schemas.microsoft.com/office/drawing/2014/main" id="{AC91A200-057C-E947-9789-46D5EA2406B5}"/>
+              </a:ext>
+            </a:extLst>
+          </p:cNvPr>
+          <p:cNvSpPr>
+            <a:spLocks noGrp="1"/>
+          </p:cNvSpPr>
+          <p:nvPr>
+            <p:ph type="title"/>
+          </p:nvPr>
+        </p:nvSpPr>
+        <p:spPr>
+          <a:xfrm>
+            <a:off x="6412091" y="501651"/>
+            <a:ext cx="4395340" cy="1716255"/>
           </a:xfrm>
         </p:spPr>
         <p:txBody>
@@ -12237,7 +14868,1036 @@
           </a:bodyPr>
           <a:lstStyle/>
           <a:p>
+            <a:r>
+              <a:rPr lang="en-US" sz="3800" b="1" kern="1200" cap="all" dirty="0">
+                <a:solidFill>
+                  <a:schemeClr val="tx1"/>
+                </a:solidFill>
+                <a:latin typeface="+mj-lt"/>
+                <a:ea typeface="+mj-ea"/>
+                <a:cs typeface="+mj-cs"/>
+              </a:rPr>
+              <a:t>EDA – Categorical Features</a:t>
+            </a:r>
+            <a:endParaRPr lang="en-US" sz="3800" b="1" i="0" kern="1200" cap="all" baseline="0" dirty="0">
+              <a:solidFill>
+                <a:schemeClr val="tx1"/>
+              </a:solidFill>
+              <a:latin typeface="+mj-lt"/>
+              <a:ea typeface="+mj-ea"/>
+              <a:cs typeface="+mj-cs"/>
+            </a:endParaRPr>
+          </a:p>
+        </p:txBody>
+      </p:sp>
+      <p:sp>
+        <p:nvSpPr>
+          <p:cNvPr id="23" name="Rectangle 22">
+            <a:extLst>
+              <a:ext uri="{FF2B5EF4-FFF2-40B4-BE49-F238E27FC236}">
+                <a16:creationId xmlns:a16="http://schemas.microsoft.com/office/drawing/2014/main" id="{B091B163-7D61-4891-ABCF-5C13D9C418D0}"/>
+              </a:ext>
+              <a:ext uri="{C183D7F6-B498-43B3-948B-1728B52AA6E4}">
+                <adec:decorative xmlns:adec="http://schemas.microsoft.com/office/drawing/2017/decorative" val="1"/>
+              </a:ext>
+            </a:extLst>
+          </p:cNvPr>
+          <p:cNvSpPr>
+            <a:spLocks noGrp="1" noRot="1" noChangeAspect="1" noMove="1" noResize="1" noEditPoints="1" noAdjustHandles="1" noChangeArrowheads="1" noChangeShapeType="1" noTextEdit="1"/>
+          </p:cNvSpPr>
+          <p:nvPr>
+            <p:extLst>
+              <p:ext uri="{386F3935-93C4-4BCD-93E2-E3B085C9AB24}">
+                <p16:designElem xmlns:p16="http://schemas.microsoft.com/office/powerpoint/2015/main" val="1"/>
+              </p:ext>
+            </p:extLst>
+          </p:nvPr>
+        </p:nvSpPr>
+        <p:spPr>
+          <a:xfrm>
+            <a:off x="0" y="0"/>
+            <a:ext cx="5779911" cy="6858000"/>
+          </a:xfrm>
+          <a:prstGeom prst="rect">
+            <a:avLst/>
+          </a:prstGeom>
+          <a:gradFill flip="none" rotWithShape="1">
+            <a:gsLst>
+              <a:gs pos="100000">
+                <a:schemeClr val="accent4"/>
+              </a:gs>
+              <a:gs pos="0">
+                <a:schemeClr val="accent2"/>
+              </a:gs>
+            </a:gsLst>
+            <a:lin ang="2700000" scaled="1"/>
+            <a:tileRect/>
+          </a:gradFill>
+          <a:ln>
+            <a:noFill/>
+          </a:ln>
+        </p:spPr>
+        <p:style>
+          <a:lnRef idx="2">
+            <a:schemeClr val="accent1">
+              <a:shade val="50000"/>
+            </a:schemeClr>
+          </a:lnRef>
+          <a:fillRef idx="1">
+            <a:schemeClr val="accent1"/>
+          </a:fillRef>
+          <a:effectRef idx="0">
+            <a:schemeClr val="accent1"/>
+          </a:effectRef>
+          <a:fontRef idx="minor">
+            <a:schemeClr val="lt1"/>
+          </a:fontRef>
+        </p:style>
+        <p:txBody>
+          <a:bodyPr rtlCol="0" anchor="ctr"/>
+          <a:lstStyle/>
+          <a:p>
             <a:pPr algn="ctr"/>
+            <a:endParaRPr lang="en-US"/>
+          </a:p>
+        </p:txBody>
+      </p:sp>
+      <p:sp>
+        <p:nvSpPr>
+          <p:cNvPr id="16" name="TextBox 15">
+            <a:extLst>
+              <a:ext uri="{FF2B5EF4-FFF2-40B4-BE49-F238E27FC236}">
+                <a16:creationId xmlns:a16="http://schemas.microsoft.com/office/drawing/2014/main" id="{60A84F9F-322A-2641-B0F5-B1FB06810982}"/>
+              </a:ext>
+            </a:extLst>
+          </p:cNvPr>
+          <p:cNvSpPr txBox="1"/>
+          <p:nvPr/>
+        </p:nvSpPr>
+        <p:spPr>
+          <a:xfrm>
+            <a:off x="6392583" y="2645922"/>
+            <a:ext cx="4434721" cy="3710427"/>
+          </a:xfrm>
+          <a:prstGeom prst="rect">
+            <a:avLst/>
+          </a:prstGeom>
+        </p:spPr>
+        <p:txBody>
+          <a:bodyPr vert="horz" lIns="91440" tIns="45720" rIns="91440" bIns="45720" rtlCol="0" anchor="t">
+            <a:normAutofit/>
+          </a:bodyPr>
+          <a:lstStyle/>
+          <a:p>
+            <a:pPr marL="285750" indent="-228600">
+              <a:lnSpc>
+                <a:spcPct val="90000"/>
+              </a:lnSpc>
+              <a:spcAft>
+                <a:spcPts val="600"/>
+              </a:spcAft>
+              <a:buFont typeface="Arial" panose="020B0604020202020204" pitchFamily="34" charset="0"/>
+              <a:buChar char="•"/>
+            </a:pPr>
+            <a:r>
+              <a:rPr lang="en-US" dirty="0"/>
+              <a:t>Significant difference in Churn Rates between various categorical features</a:t>
+            </a:r>
+          </a:p>
+          <a:p>
+            <a:pPr marL="285750" indent="-228600">
+              <a:lnSpc>
+                <a:spcPct val="90000"/>
+              </a:lnSpc>
+              <a:spcAft>
+                <a:spcPts val="600"/>
+              </a:spcAft>
+              <a:buFont typeface="Arial" panose="020B0604020202020204" pitchFamily="34" charset="0"/>
+              <a:buChar char="•"/>
+            </a:pPr>
+            <a:endParaRPr lang="en-US" dirty="0"/>
+          </a:p>
+          <a:p>
+            <a:pPr marL="285750" indent="-228600">
+              <a:lnSpc>
+                <a:spcPct val="90000"/>
+              </a:lnSpc>
+              <a:spcAft>
+                <a:spcPts val="600"/>
+              </a:spcAft>
+              <a:buFont typeface="Arial" panose="020B0604020202020204" pitchFamily="34" charset="0"/>
+              <a:buChar char="•"/>
+            </a:pPr>
+            <a:r>
+              <a:rPr lang="en-US" dirty="0"/>
+              <a:t>As expected, longer contracts correlate with significantly lower churn</a:t>
+            </a:r>
+          </a:p>
+          <a:p>
+            <a:pPr marL="285750" indent="-228600">
+              <a:lnSpc>
+                <a:spcPct val="90000"/>
+              </a:lnSpc>
+              <a:spcAft>
+                <a:spcPts val="600"/>
+              </a:spcAft>
+              <a:buFont typeface="Arial" panose="020B0604020202020204" pitchFamily="34" charset="0"/>
+              <a:buChar char="•"/>
+            </a:pPr>
+            <a:endParaRPr lang="en-US" dirty="0"/>
+          </a:p>
+          <a:p>
+            <a:pPr marL="285750" indent="-228600">
+              <a:lnSpc>
+                <a:spcPct val="90000"/>
+              </a:lnSpc>
+              <a:spcAft>
+                <a:spcPts val="600"/>
+              </a:spcAft>
+              <a:buFont typeface="Arial" panose="020B0604020202020204" pitchFamily="34" charset="0"/>
+              <a:buChar char="•"/>
+            </a:pPr>
+            <a:r>
+              <a:rPr lang="en-US" dirty="0"/>
+              <a:t>Surprisingly, major correlation between churn and use of Fiber Optic</a:t>
+            </a:r>
+          </a:p>
+        </p:txBody>
+      </p:sp>
+      <p:cxnSp>
+        <p:nvCxnSpPr>
+          <p:cNvPr id="25" name="Straight Connector 24">
+            <a:extLst>
+              <a:ext uri="{FF2B5EF4-FFF2-40B4-BE49-F238E27FC236}">
+                <a16:creationId xmlns:a16="http://schemas.microsoft.com/office/drawing/2014/main" id="{C49DA8F6-BCC1-4447-B54C-57856834B94B}"/>
+              </a:ext>
+              <a:ext uri="{C183D7F6-B498-43B3-948B-1728B52AA6E4}">
+                <adec:decorative xmlns:adec="http://schemas.microsoft.com/office/drawing/2017/decorative" val="1"/>
+              </a:ext>
+            </a:extLst>
+          </p:cNvPr>
+          <p:cNvCxnSpPr>
+            <a:cxnSpLocks noGrp="1" noRot="1" noChangeAspect="1" noMove="1" noResize="1" noEditPoints="1" noAdjustHandles="1" noChangeArrowheads="1" noChangeShapeType="1"/>
+          </p:cNvCxnSpPr>
+          <p:nvPr>
+            <p:extLst>
+              <p:ext uri="{386F3935-93C4-4BCD-93E2-E3B085C9AB24}">
+                <p16:designElem xmlns:p16="http://schemas.microsoft.com/office/powerpoint/2015/main" val="1"/>
+              </p:ext>
+            </p:extLst>
+          </p:nvPr>
+        </p:nvCxnSpPr>
+        <p:spPr>
+          <a:xfrm>
+            <a:off x="11586162" y="3610394"/>
+            <a:ext cx="0" cy="3238728"/>
+          </a:xfrm>
+          <a:prstGeom prst="line">
+            <a:avLst/>
+          </a:prstGeom>
+          <a:ln w="25400" cap="sq">
+            <a:gradFill flip="none" rotWithShape="1">
+              <a:gsLst>
+                <a:gs pos="0">
+                  <a:schemeClr val="accent2"/>
+                </a:gs>
+                <a:gs pos="100000">
+                  <a:schemeClr val="accent4"/>
+                </a:gs>
+              </a:gsLst>
+              <a:lin ang="16200000" scaled="1"/>
+              <a:tileRect/>
+            </a:gradFill>
+            <a:bevel/>
+          </a:ln>
+        </p:spPr>
+        <p:style>
+          <a:lnRef idx="1">
+            <a:schemeClr val="accent1"/>
+          </a:lnRef>
+          <a:fillRef idx="0">
+            <a:schemeClr val="accent1"/>
+          </a:fillRef>
+          <a:effectRef idx="0">
+            <a:schemeClr val="accent1"/>
+          </a:effectRef>
+          <a:fontRef idx="minor">
+            <a:schemeClr val="tx1"/>
+          </a:fontRef>
+        </p:style>
+      </p:cxnSp>
+      <p:pic>
+        <p:nvPicPr>
+          <p:cNvPr id="4" name="Picture 3" descr="Chart, bar chart&#10;&#10;Description automatically generated">
+            <a:extLst>
+              <a:ext uri="{FF2B5EF4-FFF2-40B4-BE49-F238E27FC236}">
+                <a16:creationId xmlns:a16="http://schemas.microsoft.com/office/drawing/2014/main" id="{2954026C-AFE5-F94D-A364-2F93A2486CFE}"/>
+              </a:ext>
+            </a:extLst>
+          </p:cNvPr>
+          <p:cNvPicPr>
+            <a:picLocks noChangeAspect="1"/>
+          </p:cNvPicPr>
+          <p:nvPr/>
+        </p:nvPicPr>
+        <p:blipFill>
+          <a:blip r:embed="rId2"/>
+          <a:stretch>
+            <a:fillRect/>
+          </a:stretch>
+        </p:blipFill>
+        <p:spPr>
+          <a:xfrm>
+            <a:off x="578066" y="130513"/>
+            <a:ext cx="4501843" cy="2087393"/>
+          </a:xfrm>
+          <a:prstGeom prst="rect">
+            <a:avLst/>
+          </a:prstGeom>
+        </p:spPr>
+      </p:pic>
+      <p:pic>
+        <p:nvPicPr>
+          <p:cNvPr id="6" name="Picture 5" descr="Chart, bar chart&#10;&#10;Description automatically generated">
+            <a:extLst>
+              <a:ext uri="{FF2B5EF4-FFF2-40B4-BE49-F238E27FC236}">
+                <a16:creationId xmlns:a16="http://schemas.microsoft.com/office/drawing/2014/main" id="{1108F35C-1DAA-D149-B42C-5747C21A4999}"/>
+              </a:ext>
+            </a:extLst>
+          </p:cNvPr>
+          <p:cNvPicPr>
+            <a:picLocks noChangeAspect="1"/>
+          </p:cNvPicPr>
+          <p:nvPr/>
+        </p:nvPicPr>
+        <p:blipFill>
+          <a:blip r:embed="rId3"/>
+          <a:stretch>
+            <a:fillRect/>
+          </a:stretch>
+        </p:blipFill>
+        <p:spPr>
+          <a:xfrm>
+            <a:off x="578065" y="2356865"/>
+            <a:ext cx="4501843" cy="2087393"/>
+          </a:xfrm>
+          <a:prstGeom prst="rect">
+            <a:avLst/>
+          </a:prstGeom>
+        </p:spPr>
+      </p:pic>
+      <p:pic>
+        <p:nvPicPr>
+          <p:cNvPr id="8" name="Picture 7" descr="Chart, bar chart&#10;&#10;Description automatically generated">
+            <a:extLst>
+              <a:ext uri="{FF2B5EF4-FFF2-40B4-BE49-F238E27FC236}">
+                <a16:creationId xmlns:a16="http://schemas.microsoft.com/office/drawing/2014/main" id="{B1C3E3F3-A579-7F4A-98DD-8CD92A53214C}"/>
+              </a:ext>
+            </a:extLst>
+          </p:cNvPr>
+          <p:cNvPicPr>
+            <a:picLocks noChangeAspect="1"/>
+          </p:cNvPicPr>
+          <p:nvPr/>
+        </p:nvPicPr>
+        <p:blipFill>
+          <a:blip r:embed="rId4"/>
+          <a:stretch>
+            <a:fillRect/>
+          </a:stretch>
+        </p:blipFill>
+        <p:spPr>
+          <a:xfrm>
+            <a:off x="578064" y="4583217"/>
+            <a:ext cx="4501843" cy="2087393"/>
+          </a:xfrm>
+          <a:prstGeom prst="rect">
+            <a:avLst/>
+          </a:prstGeom>
+        </p:spPr>
+      </p:pic>
+    </p:spTree>
+    <p:extLst>
+      <p:ext uri="{BB962C8B-B14F-4D97-AF65-F5344CB8AC3E}">
+        <p14:creationId xmlns:p14="http://schemas.microsoft.com/office/powerpoint/2010/main" val="3105321842"/>
+      </p:ext>
+    </p:extLst>
+  </p:cSld>
+  <p:clrMapOvr>
+    <a:masterClrMapping/>
+  </p:clrMapOvr>
+</p:sld>
+</file>
+
+<file path=ppt/slides/slide8.xml><?xml version="1.0" encoding="utf-8"?>
+<p:sld xmlns:a="http://schemas.openxmlformats.org/drawingml/2006/main" xmlns:r="http://schemas.openxmlformats.org/officeDocument/2006/relationships" xmlns:p="http://schemas.openxmlformats.org/presentationml/2006/main">
+  <p:cSld>
+    <p:bg>
+      <p:bgPr>
+        <a:solidFill>
+          <a:schemeClr val="bg1"/>
+        </a:solidFill>
+        <a:effectLst/>
+      </p:bgPr>
+    </p:bg>
+    <p:spTree>
+      <p:nvGrpSpPr>
+        <p:cNvPr id="1" name=""/>
+        <p:cNvGrpSpPr/>
+        <p:nvPr/>
+      </p:nvGrpSpPr>
+      <p:grpSpPr>
+        <a:xfrm>
+          <a:off x="0" y="0"/>
+          <a:ext cx="0" cy="0"/>
+          <a:chOff x="0" y="0"/>
+          <a:chExt cx="0" cy="0"/>
+        </a:xfrm>
+      </p:grpSpPr>
+      <p:sp useBgFill="1">
+        <p:nvSpPr>
+          <p:cNvPr id="21" name="Rectangle 20">
+            <a:extLst>
+              <a:ext uri="{FF2B5EF4-FFF2-40B4-BE49-F238E27FC236}">
+                <a16:creationId xmlns:a16="http://schemas.microsoft.com/office/drawing/2014/main" id="{A2679492-7988-4050-9056-542444452411}"/>
+              </a:ext>
+              <a:ext uri="{C183D7F6-B498-43B3-948B-1728B52AA6E4}">
+                <adec:decorative xmlns:adec="http://schemas.microsoft.com/office/drawing/2017/decorative" val="1"/>
+              </a:ext>
+            </a:extLst>
+          </p:cNvPr>
+          <p:cNvSpPr>
+            <a:spLocks noGrp="1" noRot="1" noChangeAspect="1" noMove="1" noResize="1" noEditPoints="1" noAdjustHandles="1" noChangeArrowheads="1" noChangeShapeType="1" noTextEdit="1"/>
+          </p:cNvSpPr>
+          <p:nvPr>
+            <p:extLst>
+              <p:ext uri="{386F3935-93C4-4BCD-93E2-E3B085C9AB24}">
+                <p16:designElem xmlns:p16="http://schemas.microsoft.com/office/powerpoint/2015/main" val="1"/>
+              </p:ext>
+            </p:extLst>
+          </p:nvPr>
+        </p:nvSpPr>
+        <p:spPr>
+          <a:xfrm>
+            <a:off x="0" y="0"/>
+            <a:ext cx="12192000" cy="6858000"/>
+          </a:xfrm>
+          <a:prstGeom prst="rect">
+            <a:avLst/>
+          </a:prstGeom>
+          <a:ln>
+            <a:noFill/>
+          </a:ln>
+        </p:spPr>
+        <p:style>
+          <a:lnRef idx="2">
+            <a:schemeClr val="accent1">
+              <a:shade val="50000"/>
+            </a:schemeClr>
+          </a:lnRef>
+          <a:fillRef idx="1">
+            <a:schemeClr val="accent1"/>
+          </a:fillRef>
+          <a:effectRef idx="0">
+            <a:schemeClr val="accent1"/>
+          </a:effectRef>
+          <a:fontRef idx="minor">
+            <a:schemeClr val="lt1"/>
+          </a:fontRef>
+        </p:style>
+        <p:txBody>
+          <a:bodyPr rtlCol="0" anchor="ctr"/>
+          <a:lstStyle/>
+          <a:p>
+            <a:pPr algn="ctr"/>
+            <a:endParaRPr lang="en-US"/>
+          </a:p>
+        </p:txBody>
+      </p:sp>
+      <p:sp>
+        <p:nvSpPr>
+          <p:cNvPr id="2" name="Title 1">
+            <a:extLst>
+              <a:ext uri="{FF2B5EF4-FFF2-40B4-BE49-F238E27FC236}">
+                <a16:creationId xmlns:a16="http://schemas.microsoft.com/office/drawing/2014/main" id="{AC91A200-057C-E947-9789-46D5EA2406B5}"/>
+              </a:ext>
+            </a:extLst>
+          </p:cNvPr>
+          <p:cNvSpPr>
+            <a:spLocks noGrp="1"/>
+          </p:cNvSpPr>
+          <p:nvPr>
+            <p:ph type="title"/>
+          </p:nvPr>
+        </p:nvSpPr>
+        <p:spPr>
+          <a:xfrm>
+            <a:off x="6392583" y="501651"/>
+            <a:ext cx="4434720" cy="1716255"/>
+          </a:xfrm>
+        </p:spPr>
+        <p:txBody>
+          <a:bodyPr vert="horz" lIns="91440" tIns="45720" rIns="91440" bIns="45720" rtlCol="0" anchor="b">
+            <a:normAutofit/>
+          </a:bodyPr>
+          <a:lstStyle/>
+          <a:p>
+            <a:r>
+              <a:rPr lang="en-US" sz="3800" b="1" kern="1200" cap="all" dirty="0">
+                <a:solidFill>
+                  <a:schemeClr val="tx1"/>
+                </a:solidFill>
+                <a:latin typeface="+mj-lt"/>
+                <a:ea typeface="+mj-ea"/>
+                <a:cs typeface="+mj-cs"/>
+              </a:rPr>
+              <a:t>EDA – Continuous Features</a:t>
+            </a:r>
+            <a:endParaRPr lang="en-US" sz="3800" b="1" i="0" kern="1200" cap="all" baseline="0" dirty="0">
+              <a:solidFill>
+                <a:schemeClr val="tx1"/>
+              </a:solidFill>
+              <a:latin typeface="+mj-lt"/>
+              <a:ea typeface="+mj-ea"/>
+              <a:cs typeface="+mj-cs"/>
+            </a:endParaRPr>
+          </a:p>
+        </p:txBody>
+      </p:sp>
+      <p:sp>
+        <p:nvSpPr>
+          <p:cNvPr id="23" name="Rectangle 22">
+            <a:extLst>
+              <a:ext uri="{FF2B5EF4-FFF2-40B4-BE49-F238E27FC236}">
+                <a16:creationId xmlns:a16="http://schemas.microsoft.com/office/drawing/2014/main" id="{B091B163-7D61-4891-ABCF-5C13D9C418D0}"/>
+              </a:ext>
+              <a:ext uri="{C183D7F6-B498-43B3-948B-1728B52AA6E4}">
+                <adec:decorative xmlns:adec="http://schemas.microsoft.com/office/drawing/2017/decorative" val="1"/>
+              </a:ext>
+            </a:extLst>
+          </p:cNvPr>
+          <p:cNvSpPr>
+            <a:spLocks noGrp="1" noRot="1" noChangeAspect="1" noMove="1" noResize="1" noEditPoints="1" noAdjustHandles="1" noChangeArrowheads="1" noChangeShapeType="1" noTextEdit="1"/>
+          </p:cNvSpPr>
+          <p:nvPr>
+            <p:extLst>
+              <p:ext uri="{386F3935-93C4-4BCD-93E2-E3B085C9AB24}">
+                <p16:designElem xmlns:p16="http://schemas.microsoft.com/office/powerpoint/2015/main" val="1"/>
+              </p:ext>
+            </p:extLst>
+          </p:nvPr>
+        </p:nvSpPr>
+        <p:spPr>
+          <a:xfrm>
+            <a:off x="0" y="0"/>
+            <a:ext cx="5779911" cy="6858000"/>
+          </a:xfrm>
+          <a:prstGeom prst="rect">
+            <a:avLst/>
+          </a:prstGeom>
+          <a:gradFill flip="none" rotWithShape="1">
+            <a:gsLst>
+              <a:gs pos="100000">
+                <a:schemeClr val="accent4"/>
+              </a:gs>
+              <a:gs pos="0">
+                <a:schemeClr val="accent2"/>
+              </a:gs>
+            </a:gsLst>
+            <a:lin ang="2700000" scaled="1"/>
+            <a:tileRect/>
+          </a:gradFill>
+          <a:ln>
+            <a:noFill/>
+          </a:ln>
+        </p:spPr>
+        <p:style>
+          <a:lnRef idx="2">
+            <a:schemeClr val="accent1">
+              <a:shade val="50000"/>
+            </a:schemeClr>
+          </a:lnRef>
+          <a:fillRef idx="1">
+            <a:schemeClr val="accent1"/>
+          </a:fillRef>
+          <a:effectRef idx="0">
+            <a:schemeClr val="accent1"/>
+          </a:effectRef>
+          <a:fontRef idx="minor">
+            <a:schemeClr val="lt1"/>
+          </a:fontRef>
+        </p:style>
+        <p:txBody>
+          <a:bodyPr rtlCol="0" anchor="ctr"/>
+          <a:lstStyle/>
+          <a:p>
+            <a:pPr algn="ctr"/>
+            <a:endParaRPr lang="en-US"/>
+          </a:p>
+        </p:txBody>
+      </p:sp>
+      <p:sp>
+        <p:nvSpPr>
+          <p:cNvPr id="16" name="TextBox 15">
+            <a:extLst>
+              <a:ext uri="{FF2B5EF4-FFF2-40B4-BE49-F238E27FC236}">
+                <a16:creationId xmlns:a16="http://schemas.microsoft.com/office/drawing/2014/main" id="{60A84F9F-322A-2641-B0F5-B1FB06810982}"/>
+              </a:ext>
+            </a:extLst>
+          </p:cNvPr>
+          <p:cNvSpPr txBox="1"/>
+          <p:nvPr/>
+        </p:nvSpPr>
+        <p:spPr>
+          <a:xfrm>
+            <a:off x="6392583" y="2645922"/>
+            <a:ext cx="4434721" cy="3710427"/>
+          </a:xfrm>
+          <a:prstGeom prst="rect">
+            <a:avLst/>
+          </a:prstGeom>
+        </p:spPr>
+        <p:txBody>
+          <a:bodyPr vert="horz" lIns="91440" tIns="45720" rIns="91440" bIns="45720" rtlCol="0" anchor="t">
+            <a:normAutofit/>
+          </a:bodyPr>
+          <a:lstStyle/>
+          <a:p>
+            <a:pPr marL="285750" indent="-228600">
+              <a:lnSpc>
+                <a:spcPct val="90000"/>
+              </a:lnSpc>
+              <a:spcAft>
+                <a:spcPts val="600"/>
+              </a:spcAft>
+              <a:buFont typeface="Arial" panose="020B0604020202020204" pitchFamily="34" charset="0"/>
+              <a:buChar char="•"/>
+            </a:pPr>
+            <a:r>
+              <a:rPr lang="en-US" dirty="0"/>
+              <a:t>Churn occurs more frequently as Monthly Charges increase</a:t>
+            </a:r>
+          </a:p>
+          <a:p>
+            <a:pPr marL="285750" indent="-228600">
+              <a:lnSpc>
+                <a:spcPct val="90000"/>
+              </a:lnSpc>
+              <a:spcAft>
+                <a:spcPts val="600"/>
+              </a:spcAft>
+              <a:buFont typeface="Arial" panose="020B0604020202020204" pitchFamily="34" charset="0"/>
+              <a:buChar char="•"/>
+            </a:pPr>
+            <a:endParaRPr lang="en-US" dirty="0"/>
+          </a:p>
+          <a:p>
+            <a:pPr marL="285750" indent="-228600">
+              <a:lnSpc>
+                <a:spcPct val="90000"/>
+              </a:lnSpc>
+              <a:spcAft>
+                <a:spcPts val="600"/>
+              </a:spcAft>
+              <a:buFont typeface="Arial" panose="020B0604020202020204" pitchFamily="34" charset="0"/>
+              <a:buChar char="•"/>
+            </a:pPr>
+            <a:r>
+              <a:rPr lang="en-US" dirty="0"/>
+              <a:t>As expected, churn vs </a:t>
+            </a:r>
+            <a:r>
+              <a:rPr lang="en-US" dirty="0" err="1"/>
+              <a:t>no_churn</a:t>
+            </a:r>
+            <a:r>
+              <a:rPr lang="en-US" dirty="0"/>
+              <a:t> distributions vary greatly with respect to tenure</a:t>
+            </a:r>
+          </a:p>
+          <a:p>
+            <a:pPr marL="285750" indent="-228600">
+              <a:lnSpc>
+                <a:spcPct val="90000"/>
+              </a:lnSpc>
+              <a:spcAft>
+                <a:spcPts val="600"/>
+              </a:spcAft>
+              <a:buFont typeface="Arial" panose="020B0604020202020204" pitchFamily="34" charset="0"/>
+              <a:buChar char="•"/>
+            </a:pPr>
+            <a:endParaRPr lang="en-US" dirty="0"/>
+          </a:p>
+          <a:p>
+            <a:pPr marL="285750" indent="-228600">
+              <a:lnSpc>
+                <a:spcPct val="90000"/>
+              </a:lnSpc>
+              <a:spcAft>
+                <a:spcPts val="600"/>
+              </a:spcAft>
+              <a:buFont typeface="Arial" panose="020B0604020202020204" pitchFamily="34" charset="0"/>
+              <a:buChar char="•"/>
+            </a:pPr>
+            <a:r>
+              <a:rPr lang="en-US" dirty="0"/>
+              <a:t>Similar to Monthly Charges, people that pay more per service churn more</a:t>
+            </a:r>
+          </a:p>
+        </p:txBody>
+      </p:sp>
+      <p:cxnSp>
+        <p:nvCxnSpPr>
+          <p:cNvPr id="25" name="Straight Connector 24">
+            <a:extLst>
+              <a:ext uri="{FF2B5EF4-FFF2-40B4-BE49-F238E27FC236}">
+                <a16:creationId xmlns:a16="http://schemas.microsoft.com/office/drawing/2014/main" id="{C49DA8F6-BCC1-4447-B54C-57856834B94B}"/>
+              </a:ext>
+              <a:ext uri="{C183D7F6-B498-43B3-948B-1728B52AA6E4}">
+                <adec:decorative xmlns:adec="http://schemas.microsoft.com/office/drawing/2017/decorative" val="1"/>
+              </a:ext>
+            </a:extLst>
+          </p:cNvPr>
+          <p:cNvCxnSpPr>
+            <a:cxnSpLocks noGrp="1" noRot="1" noChangeAspect="1" noMove="1" noResize="1" noEditPoints="1" noAdjustHandles="1" noChangeArrowheads="1" noChangeShapeType="1"/>
+          </p:cNvCxnSpPr>
+          <p:nvPr>
+            <p:extLst>
+              <p:ext uri="{386F3935-93C4-4BCD-93E2-E3B085C9AB24}">
+                <p16:designElem xmlns:p16="http://schemas.microsoft.com/office/powerpoint/2015/main" val="1"/>
+              </p:ext>
+            </p:extLst>
+          </p:nvPr>
+        </p:nvCxnSpPr>
+        <p:spPr>
+          <a:xfrm>
+            <a:off x="11586162" y="3610394"/>
+            <a:ext cx="0" cy="3238728"/>
+          </a:xfrm>
+          <a:prstGeom prst="line">
+            <a:avLst/>
+          </a:prstGeom>
+          <a:ln w="25400" cap="sq">
+            <a:gradFill flip="none" rotWithShape="1">
+              <a:gsLst>
+                <a:gs pos="0">
+                  <a:schemeClr val="accent2"/>
+                </a:gs>
+                <a:gs pos="100000">
+                  <a:schemeClr val="accent4"/>
+                </a:gs>
+              </a:gsLst>
+              <a:lin ang="16200000" scaled="1"/>
+              <a:tileRect/>
+            </a:gradFill>
+            <a:bevel/>
+          </a:ln>
+        </p:spPr>
+        <p:style>
+          <a:lnRef idx="1">
+            <a:schemeClr val="accent1"/>
+          </a:lnRef>
+          <a:fillRef idx="0">
+            <a:schemeClr val="accent1"/>
+          </a:fillRef>
+          <a:effectRef idx="0">
+            <a:schemeClr val="accent1"/>
+          </a:effectRef>
+          <a:fontRef idx="minor">
+            <a:schemeClr val="tx1"/>
+          </a:fontRef>
+        </p:style>
+      </p:cxnSp>
+      <p:pic>
+        <p:nvPicPr>
+          <p:cNvPr id="5" name="Picture 4" descr="Chart, histogram&#10;&#10;Description automatically generated">
+            <a:extLst>
+              <a:ext uri="{FF2B5EF4-FFF2-40B4-BE49-F238E27FC236}">
+                <a16:creationId xmlns:a16="http://schemas.microsoft.com/office/drawing/2014/main" id="{CCE7ABD5-FCCD-5246-8E8F-74178F43F0E4}"/>
+              </a:ext>
+            </a:extLst>
+          </p:cNvPr>
+          <p:cNvPicPr>
+            <a:picLocks noChangeAspect="1"/>
+          </p:cNvPicPr>
+          <p:nvPr/>
+        </p:nvPicPr>
+        <p:blipFill>
+          <a:blip r:embed="rId2"/>
+          <a:stretch>
+            <a:fillRect/>
+          </a:stretch>
+        </p:blipFill>
+        <p:spPr>
+          <a:xfrm>
+            <a:off x="1211323" y="271463"/>
+            <a:ext cx="3357263" cy="1872807"/>
+          </a:xfrm>
+          <a:prstGeom prst="rect">
+            <a:avLst/>
+          </a:prstGeom>
+        </p:spPr>
+      </p:pic>
+      <p:pic>
+        <p:nvPicPr>
+          <p:cNvPr id="9" name="Picture 8" descr="Chart, histogram&#10;&#10;Description automatically generated">
+            <a:extLst>
+              <a:ext uri="{FF2B5EF4-FFF2-40B4-BE49-F238E27FC236}">
+                <a16:creationId xmlns:a16="http://schemas.microsoft.com/office/drawing/2014/main" id="{84DB6AF1-CAAE-5147-BB26-3643CBC7803C}"/>
+              </a:ext>
+            </a:extLst>
+          </p:cNvPr>
+          <p:cNvPicPr>
+            <a:picLocks noChangeAspect="1"/>
+          </p:cNvPicPr>
+          <p:nvPr/>
+        </p:nvPicPr>
+        <p:blipFill>
+          <a:blip r:embed="rId3"/>
+          <a:stretch>
+            <a:fillRect/>
+          </a:stretch>
+        </p:blipFill>
+        <p:spPr>
+          <a:xfrm>
+            <a:off x="1211322" y="2415733"/>
+            <a:ext cx="3357263" cy="1872807"/>
+          </a:xfrm>
+          <a:prstGeom prst="rect">
+            <a:avLst/>
+          </a:prstGeom>
+        </p:spPr>
+      </p:pic>
+      <p:pic>
+        <p:nvPicPr>
+          <p:cNvPr id="12" name="Picture 11" descr="Chart, histogram&#10;&#10;Description automatically generated">
+            <a:extLst>
+              <a:ext uri="{FF2B5EF4-FFF2-40B4-BE49-F238E27FC236}">
+                <a16:creationId xmlns:a16="http://schemas.microsoft.com/office/drawing/2014/main" id="{7680A6FE-0D38-F14C-BDDC-C871725B7D22}"/>
+              </a:ext>
+            </a:extLst>
+          </p:cNvPr>
+          <p:cNvPicPr>
+            <a:picLocks noChangeAspect="1"/>
+          </p:cNvPicPr>
+          <p:nvPr/>
+        </p:nvPicPr>
+        <p:blipFill>
+          <a:blip r:embed="rId4"/>
+          <a:stretch>
+            <a:fillRect/>
+          </a:stretch>
+        </p:blipFill>
+        <p:spPr>
+          <a:xfrm>
+            <a:off x="1211321" y="4560003"/>
+            <a:ext cx="3357263" cy="1872807"/>
+          </a:xfrm>
+          <a:prstGeom prst="rect">
+            <a:avLst/>
+          </a:prstGeom>
+        </p:spPr>
+      </p:pic>
+    </p:spTree>
+    <p:extLst>
+      <p:ext uri="{BB962C8B-B14F-4D97-AF65-F5344CB8AC3E}">
+        <p14:creationId xmlns:p14="http://schemas.microsoft.com/office/powerpoint/2010/main" val="3625795537"/>
+      </p:ext>
+    </p:extLst>
+  </p:cSld>
+  <p:clrMapOvr>
+    <a:masterClrMapping/>
+  </p:clrMapOvr>
+</p:sld>
+</file>
+
+<file path=ppt/slides/slide9.xml><?xml version="1.0" encoding="utf-8"?>
+<p:sld xmlns:a="http://schemas.openxmlformats.org/drawingml/2006/main" xmlns:r="http://schemas.openxmlformats.org/officeDocument/2006/relationships" xmlns:p="http://schemas.openxmlformats.org/presentationml/2006/main">
+  <p:cSld>
+    <p:bg>
+      <p:bgPr>
+        <a:solidFill>
+          <a:schemeClr val="bg1"/>
+        </a:solidFill>
+        <a:effectLst/>
+      </p:bgPr>
+    </p:bg>
+    <p:spTree>
+      <p:nvGrpSpPr>
+        <p:cNvPr id="1" name=""/>
+        <p:cNvGrpSpPr/>
+        <p:nvPr/>
+      </p:nvGrpSpPr>
+      <p:grpSpPr>
+        <a:xfrm>
+          <a:off x="0" y="0"/>
+          <a:ext cx="0" cy="0"/>
+          <a:chOff x="0" y="0"/>
+          <a:chExt cx="0" cy="0"/>
+        </a:xfrm>
+      </p:grpSpPr>
+      <p:cxnSp>
+        <p:nvCxnSpPr>
+          <p:cNvPr id="8" name="Straight Connector 7">
+            <a:extLst>
+              <a:ext uri="{FF2B5EF4-FFF2-40B4-BE49-F238E27FC236}">
+                <a16:creationId xmlns:a16="http://schemas.microsoft.com/office/drawing/2014/main" id="{D1B787A8-0D67-4B7E-9B48-86BD906AB6B5}"/>
+              </a:ext>
+              <a:ext uri="{C183D7F6-B498-43B3-948B-1728B52AA6E4}">
+                <adec:decorative xmlns:adec="http://schemas.microsoft.com/office/drawing/2017/decorative" val="1"/>
+              </a:ext>
+            </a:extLst>
+          </p:cNvPr>
+          <p:cNvCxnSpPr>
+            <a:cxnSpLocks noGrp="1" noRot="1" noChangeAspect="1" noMove="1" noResize="1" noEditPoints="1" noAdjustHandles="1" noChangeArrowheads="1" noChangeShapeType="1"/>
+          </p:cNvCxnSpPr>
+          <p:nvPr>
+            <p:extLst>
+              <p:ext uri="{386F3935-93C4-4BCD-93E2-E3B085C9AB24}">
+                <p16:designElem xmlns:p16="http://schemas.microsoft.com/office/powerpoint/2015/main" val="1"/>
+              </p:ext>
+            </p:extLst>
+          </p:nvPr>
+        </p:nvCxnSpPr>
+        <p:spPr>
+          <a:xfrm>
+            <a:off x="715890" y="1114050"/>
+            <a:ext cx="0" cy="5735637"/>
+          </a:xfrm>
+          <a:prstGeom prst="line">
+            <a:avLst/>
+          </a:prstGeom>
+          <a:ln w="25400" cap="sq">
+            <a:gradFill flip="none" rotWithShape="1">
+              <a:gsLst>
+                <a:gs pos="0">
+                  <a:schemeClr val="accent2"/>
+                </a:gs>
+                <a:gs pos="100000">
+                  <a:schemeClr val="accent4"/>
+                </a:gs>
+              </a:gsLst>
+              <a:lin ang="16200000" scaled="1"/>
+              <a:tileRect/>
+            </a:gradFill>
+            <a:bevel/>
+          </a:ln>
+        </p:spPr>
+        <p:style>
+          <a:lnRef idx="1">
+            <a:schemeClr val="accent1"/>
+          </a:lnRef>
+          <a:fillRef idx="0">
+            <a:schemeClr val="accent1"/>
+          </a:fillRef>
+          <a:effectRef idx="0">
+            <a:schemeClr val="accent1"/>
+          </a:effectRef>
+          <a:fontRef idx="minor">
+            <a:schemeClr val="tx1"/>
+          </a:fontRef>
+        </p:style>
+      </p:cxnSp>
+      <p:sp>
+        <p:nvSpPr>
+          <p:cNvPr id="10" name="Rectangle 9">
+            <a:extLst>
+              <a:ext uri="{FF2B5EF4-FFF2-40B4-BE49-F238E27FC236}">
+                <a16:creationId xmlns:a16="http://schemas.microsoft.com/office/drawing/2014/main" id="{8F9CBE3F-79A8-4F8F-88D9-DAD03D0D281F}"/>
+              </a:ext>
+              <a:ext uri="{C183D7F6-B498-43B3-948B-1728B52AA6E4}">
+                <adec:decorative xmlns:adec="http://schemas.microsoft.com/office/drawing/2017/decorative" val="1"/>
+              </a:ext>
+            </a:extLst>
+          </p:cNvPr>
+          <p:cNvSpPr>
+            <a:spLocks noGrp="1" noRot="1" noChangeAspect="1" noMove="1" noResize="1" noEditPoints="1" noAdjustHandles="1" noChangeArrowheads="1" noChangeShapeType="1" noTextEdit="1"/>
+          </p:cNvSpPr>
+          <p:nvPr>
+            <p:extLst>
+              <p:ext uri="{386F3935-93C4-4BCD-93E2-E3B085C9AB24}">
+                <p16:designElem xmlns:p16="http://schemas.microsoft.com/office/powerpoint/2015/main" val="1"/>
+              </p:ext>
+            </p:extLst>
+          </p:nvPr>
+        </p:nvSpPr>
+        <p:spPr>
+          <a:xfrm>
+            <a:off x="0" y="0"/>
+            <a:ext cx="12192000" cy="6858000"/>
+          </a:xfrm>
+          <a:prstGeom prst="rect">
+            <a:avLst/>
+          </a:prstGeom>
+          <a:gradFill flip="none" rotWithShape="1">
+            <a:gsLst>
+              <a:gs pos="100000">
+                <a:schemeClr val="accent4"/>
+              </a:gs>
+              <a:gs pos="0">
+                <a:schemeClr val="accent2"/>
+              </a:gs>
+            </a:gsLst>
+            <a:lin ang="2700000" scaled="1"/>
+            <a:tileRect/>
+          </a:gradFill>
+          <a:ln>
+            <a:noFill/>
+          </a:ln>
+        </p:spPr>
+        <p:style>
+          <a:lnRef idx="2">
+            <a:schemeClr val="accent1">
+              <a:shade val="50000"/>
+            </a:schemeClr>
+          </a:lnRef>
+          <a:fillRef idx="1">
+            <a:schemeClr val="accent1"/>
+          </a:fillRef>
+          <a:effectRef idx="0">
+            <a:schemeClr val="accent1"/>
+          </a:effectRef>
+          <a:fontRef idx="minor">
+            <a:schemeClr val="lt1"/>
+          </a:fontRef>
+        </p:style>
+        <p:txBody>
+          <a:bodyPr rtlCol="0" anchor="ctr"/>
+          <a:lstStyle/>
+          <a:p>
+            <a:pPr algn="ctr"/>
+            <a:endParaRPr lang="en-US"/>
+          </a:p>
+        </p:txBody>
+      </p:sp>
+      <p:sp>
+        <p:nvSpPr>
+          <p:cNvPr id="2" name="Title 1">
+            <a:extLst>
+              <a:ext uri="{FF2B5EF4-FFF2-40B4-BE49-F238E27FC236}">
+                <a16:creationId xmlns:a16="http://schemas.microsoft.com/office/drawing/2014/main" id="{AC898747-117D-7649-B2A6-E5DCAB3E3603}"/>
+              </a:ext>
+            </a:extLst>
+          </p:cNvPr>
+          <p:cNvSpPr>
+            <a:spLocks noGrp="1"/>
+          </p:cNvSpPr>
+          <p:nvPr>
+            <p:ph type="title"/>
+          </p:nvPr>
+        </p:nvSpPr>
+        <p:spPr>
+          <a:xfrm>
+            <a:off x="263181" y="304240"/>
+            <a:ext cx="10051697" cy="1502456"/>
+          </a:xfrm>
+        </p:spPr>
+        <p:txBody>
+          <a:bodyPr vert="horz" lIns="91440" tIns="45720" rIns="91440" bIns="45720" rtlCol="0" anchor="t">
+            <a:normAutofit/>
+          </a:bodyPr>
+          <a:lstStyle/>
+          <a:p>
             <a:r>
               <a:rPr lang="en-US" sz="2800" b="1" i="0" kern="1200" cap="all" baseline="0" dirty="0">
                 <a:solidFill>
@@ -12247,7 +15907,50 @@
                 <a:ea typeface="+mj-ea"/>
                 <a:cs typeface="+mj-cs"/>
               </a:rPr>
-              <a:t>Churn Occurs When customers cancel service subscription</a:t>
+              <a:t>Best Model:</a:t>
+            </a:r>
+            <a:br>
+              <a:rPr lang="en-US" sz="2800" b="1" i="0" kern="1200" cap="all" baseline="0" dirty="0">
+                <a:solidFill>
+                  <a:schemeClr val="bg1"/>
+                </a:solidFill>
+                <a:latin typeface="+mj-lt"/>
+                <a:ea typeface="+mj-ea"/>
+                <a:cs typeface="+mj-cs"/>
+              </a:rPr>
+            </a:br>
+            <a:r>
+              <a:rPr lang="en-US" sz="2800" b="1" i="0" kern="1200" cap="all" baseline="0" dirty="0">
+                <a:solidFill>
+                  <a:schemeClr val="bg1"/>
+                </a:solidFill>
+                <a:latin typeface="+mj-lt"/>
+                <a:ea typeface="+mj-ea"/>
+                <a:cs typeface="+mj-cs"/>
+              </a:rPr>
+              <a:t>Logistic Regression, </a:t>
+            </a:r>
+            <a:r>
+              <a:rPr lang="en-US" sz="2800" b="1" i="0" kern="1200" cap="all" baseline="0" dirty="0" err="1">
+                <a:solidFill>
+                  <a:schemeClr val="bg1"/>
+                </a:solidFill>
+                <a:latin typeface="+mj-lt"/>
+                <a:ea typeface="+mj-ea"/>
+                <a:cs typeface="+mj-cs"/>
+              </a:rPr>
+              <a:t>Upsampled</a:t>
+            </a:r>
+            <a:r>
+              <a:rPr lang="en-US" sz="2800" b="1" i="0" kern="1200" cap="all" baseline="0" dirty="0">
+                <a:solidFill>
+                  <a:schemeClr val="bg1"/>
+                </a:solidFill>
+                <a:latin typeface="+mj-lt"/>
+                <a:ea typeface="+mj-ea"/>
+                <a:cs typeface="+mj-cs"/>
+              </a:rPr>
+              <a:t>, Best Features</a:t>
             </a:r>
           </a:p>
         </p:txBody>
@@ -13253,10 +16956,10 @@
       </p:cxnSp>
       <p:sp>
         <p:nvSpPr>
-          <p:cNvPr id="5" name="Oval 4">
-            <a:extLst>
-              <a:ext uri="{FF2B5EF4-FFF2-40B4-BE49-F238E27FC236}">
-                <a16:creationId xmlns:a16="http://schemas.microsoft.com/office/drawing/2014/main" id="{673F0C52-EADF-5F44-9A12-524278E38FF3}"/>
+          <p:cNvPr id="3" name="Rectangle 2">
+            <a:extLst>
+              <a:ext uri="{FF2B5EF4-FFF2-40B4-BE49-F238E27FC236}">
+                <a16:creationId xmlns:a16="http://schemas.microsoft.com/office/drawing/2014/main" id="{E9908870-EF2C-7A46-86BF-7062E7155BC7}"/>
               </a:ext>
             </a:extLst>
           </p:cNvPr>
@@ -13265,14 +16968,14 @@
         </p:nvSpPr>
         <p:spPr>
           <a:xfrm>
-            <a:off x="595702" y="1832769"/>
-            <a:ext cx="2928084" cy="2928084"/>
+            <a:off x="111513" y="1438507"/>
+            <a:ext cx="11954101" cy="5194823"/>
           </a:xfrm>
-          <a:prstGeom prst="ellipse">
+          <a:prstGeom prst="rect">
             <a:avLst/>
           </a:prstGeom>
           <a:solidFill>
-            <a:schemeClr val="accent3"/>
+            <a:schemeClr val="bg1"/>
           </a:solidFill>
           <a:ln>
             <a:noFill/>
@@ -13299,280 +17002,16 @@
           <a:lstStyle/>
           <a:p>
             <a:pPr algn="ctr"/>
-            <a:r>
-              <a:rPr lang="en-US" sz="3600" dirty="0"/>
-              <a:t>20%</a:t>
-            </a:r>
+            <a:endParaRPr lang="en-US"/>
           </a:p>
         </p:txBody>
       </p:sp>
-      <p:sp>
-        <p:nvSpPr>
-          <p:cNvPr id="15" name="Oval 14">
-            <a:extLst>
-              <a:ext uri="{FF2B5EF4-FFF2-40B4-BE49-F238E27FC236}">
-                <a16:creationId xmlns:a16="http://schemas.microsoft.com/office/drawing/2014/main" id="{7A06BBCA-3A1C-9443-9F9B-89885EA57A7B}"/>
-              </a:ext>
-            </a:extLst>
-          </p:cNvPr>
-          <p:cNvSpPr/>
-          <p:nvPr/>
-        </p:nvSpPr>
-        <p:spPr>
-          <a:xfrm>
-            <a:off x="4630434" y="1832769"/>
-            <a:ext cx="2928084" cy="2928084"/>
-          </a:xfrm>
-          <a:prstGeom prst="ellipse">
-            <a:avLst/>
-          </a:prstGeom>
-          <a:solidFill>
-            <a:schemeClr val="accent3"/>
-          </a:solidFill>
-          <a:ln>
-            <a:noFill/>
-          </a:ln>
-        </p:spPr>
-        <p:style>
-          <a:lnRef idx="2">
-            <a:schemeClr val="accent1">
-              <a:shade val="50000"/>
-            </a:schemeClr>
-          </a:lnRef>
-          <a:fillRef idx="1">
-            <a:schemeClr val="accent1"/>
-          </a:fillRef>
-          <a:effectRef idx="0">
-            <a:schemeClr val="accent1"/>
-          </a:effectRef>
-          <a:fontRef idx="minor">
-            <a:schemeClr val="lt1"/>
-          </a:fontRef>
-        </p:style>
-        <p:txBody>
-          <a:bodyPr rtlCol="0" anchor="ctr"/>
-          <a:lstStyle/>
-          <a:p>
-            <a:pPr algn="ctr"/>
-            <a:r>
-              <a:rPr lang="en-US" sz="3600" dirty="0"/>
-              <a:t>50X</a:t>
-            </a:r>
-          </a:p>
-        </p:txBody>
-      </p:sp>
-      <p:sp>
-        <p:nvSpPr>
-          <p:cNvPr id="17" name="Oval 16">
-            <a:extLst>
-              <a:ext uri="{FF2B5EF4-FFF2-40B4-BE49-F238E27FC236}">
-                <a16:creationId xmlns:a16="http://schemas.microsoft.com/office/drawing/2014/main" id="{DCA1241E-FDF2-424F-AC84-6D2F250237DC}"/>
-              </a:ext>
-            </a:extLst>
-          </p:cNvPr>
-          <p:cNvSpPr/>
-          <p:nvPr/>
-        </p:nvSpPr>
-        <p:spPr>
-          <a:xfrm>
-            <a:off x="8659925" y="1832769"/>
-            <a:ext cx="2928084" cy="2928084"/>
-          </a:xfrm>
-          <a:prstGeom prst="ellipse">
-            <a:avLst/>
-          </a:prstGeom>
-          <a:solidFill>
-            <a:schemeClr val="accent3"/>
-          </a:solidFill>
-          <a:ln>
-            <a:noFill/>
-          </a:ln>
-        </p:spPr>
-        <p:style>
-          <a:lnRef idx="2">
-            <a:schemeClr val="accent1">
-              <a:shade val="50000"/>
-            </a:schemeClr>
-          </a:lnRef>
-          <a:fillRef idx="1">
-            <a:schemeClr val="accent1"/>
-          </a:fillRef>
-          <a:effectRef idx="0">
-            <a:schemeClr val="accent1"/>
-          </a:effectRef>
-          <a:fontRef idx="minor">
-            <a:schemeClr val="lt1"/>
-          </a:fontRef>
-        </p:style>
-        <p:txBody>
-          <a:bodyPr rtlCol="0" anchor="ctr"/>
-          <a:lstStyle/>
-          <a:p>
-            <a:pPr algn="ctr"/>
-            <a:r>
-              <a:rPr lang="en-US" sz="3600" dirty="0"/>
-              <a:t>65M</a:t>
-            </a:r>
-            <a:endParaRPr lang="en-US" dirty="0"/>
-          </a:p>
-        </p:txBody>
-      </p:sp>
-      <p:sp>
-        <p:nvSpPr>
-          <p:cNvPr id="6" name="TextBox 5">
-            <a:extLst>
-              <a:ext uri="{FF2B5EF4-FFF2-40B4-BE49-F238E27FC236}">
-                <a16:creationId xmlns:a16="http://schemas.microsoft.com/office/drawing/2014/main" id="{5F962106-B770-6044-9998-141A9853F4CB}"/>
-              </a:ext>
-            </a:extLst>
-          </p:cNvPr>
-          <p:cNvSpPr txBox="1"/>
-          <p:nvPr/>
-        </p:nvSpPr>
-        <p:spPr>
-          <a:xfrm>
-            <a:off x="392637" y="5085165"/>
-            <a:ext cx="3334214" cy="369332"/>
-          </a:xfrm>
-          <a:prstGeom prst="rect">
-            <a:avLst/>
-          </a:prstGeom>
-          <a:noFill/>
-        </p:spPr>
-        <p:txBody>
-          <a:bodyPr wrap="square" rtlCol="0">
-            <a:spAutoFit/>
-          </a:bodyPr>
-          <a:lstStyle/>
-          <a:p>
-            <a:pPr algn="ctr"/>
-            <a:r>
-              <a:rPr lang="en-US" dirty="0">
-                <a:solidFill>
-                  <a:schemeClr val="bg1"/>
-                </a:solidFill>
-              </a:rPr>
-              <a:t>Revenue spend on Acquisitions</a:t>
-            </a:r>
-          </a:p>
-        </p:txBody>
-      </p:sp>
-      <p:sp>
-        <p:nvSpPr>
-          <p:cNvPr id="19" name="TextBox 18">
-            <a:extLst>
-              <a:ext uri="{FF2B5EF4-FFF2-40B4-BE49-F238E27FC236}">
-                <a16:creationId xmlns:a16="http://schemas.microsoft.com/office/drawing/2014/main" id="{E8E3BF9F-6E08-D94B-A696-558FB832AD91}"/>
-              </a:ext>
-            </a:extLst>
-          </p:cNvPr>
-          <p:cNvSpPr txBox="1"/>
-          <p:nvPr/>
-        </p:nvSpPr>
-        <p:spPr>
-          <a:xfrm>
-            <a:off x="4427369" y="5082718"/>
-            <a:ext cx="3334214" cy="369332"/>
-          </a:xfrm>
-          <a:prstGeom prst="rect">
-            <a:avLst/>
-          </a:prstGeom>
-          <a:noFill/>
-        </p:spPr>
-        <p:txBody>
-          <a:bodyPr wrap="square" rtlCol="0">
-            <a:spAutoFit/>
-          </a:bodyPr>
-          <a:lstStyle/>
-          <a:p>
-            <a:pPr algn="ctr"/>
-            <a:r>
-              <a:rPr lang="en-US" dirty="0">
-                <a:solidFill>
-                  <a:schemeClr val="bg1"/>
-                </a:solidFill>
-              </a:rPr>
-              <a:t>Cost of Acquisitions vs Retention</a:t>
-            </a:r>
-          </a:p>
-        </p:txBody>
-      </p:sp>
-      <p:sp>
-        <p:nvSpPr>
-          <p:cNvPr id="21" name="TextBox 20">
-            <a:extLst>
-              <a:ext uri="{FF2B5EF4-FFF2-40B4-BE49-F238E27FC236}">
-                <a16:creationId xmlns:a16="http://schemas.microsoft.com/office/drawing/2014/main" id="{E960EC70-0C73-914C-9831-1F3A4D7FC1EE}"/>
-              </a:ext>
-            </a:extLst>
-          </p:cNvPr>
-          <p:cNvSpPr txBox="1"/>
-          <p:nvPr/>
-        </p:nvSpPr>
-        <p:spPr>
-          <a:xfrm>
-            <a:off x="8456860" y="5089322"/>
-            <a:ext cx="3334214" cy="369332"/>
-          </a:xfrm>
-          <a:prstGeom prst="rect">
-            <a:avLst/>
-          </a:prstGeom>
-          <a:noFill/>
-        </p:spPr>
-        <p:txBody>
-          <a:bodyPr wrap="square" rtlCol="0">
-            <a:spAutoFit/>
-          </a:bodyPr>
-          <a:lstStyle/>
-          <a:p>
-            <a:pPr algn="ctr"/>
-            <a:r>
-              <a:rPr lang="en-US" dirty="0">
-                <a:solidFill>
-                  <a:schemeClr val="bg1"/>
-                </a:solidFill>
-              </a:rPr>
-              <a:t>Monthly Losses due to Churn</a:t>
-            </a:r>
-          </a:p>
-        </p:txBody>
-      </p:sp>
-    </p:spTree>
-    <p:extLst>
-      <p:ext uri="{BB962C8B-B14F-4D97-AF65-F5344CB8AC3E}">
-        <p14:creationId xmlns:p14="http://schemas.microsoft.com/office/powerpoint/2010/main" val="134666521"/>
-      </p:ext>
-    </p:extLst>
-  </p:cSld>
-  <p:clrMapOvr>
-    <a:masterClrMapping/>
-  </p:clrMapOvr>
-</p:sld>
-</file>
-
-<file path=ppt/slides/slide3.xml><?xml version="1.0" encoding="utf-8"?>
-<p:sld xmlns:a="http://schemas.openxmlformats.org/drawingml/2006/main" xmlns:r="http://schemas.openxmlformats.org/officeDocument/2006/relationships" xmlns:p="http://schemas.openxmlformats.org/presentationml/2006/main">
-  <p:cSld>
-    <p:spTree>
-      <p:nvGrpSpPr>
-        <p:cNvPr id="1" name=""/>
-        <p:cNvGrpSpPr/>
-        <p:nvPr/>
-      </p:nvGrpSpPr>
-      <p:grpSpPr>
-        <a:xfrm>
-          <a:off x="0" y="0"/>
-          <a:ext cx="0" cy="0"/>
-          <a:chOff x="0" y="0"/>
-          <a:chExt cx="0" cy="0"/>
-        </a:xfrm>
-      </p:grpSpPr>
       <p:pic>
         <p:nvPicPr>
-          <p:cNvPr id="9" name="Picture 8" descr="Chart, pie chart&#10;&#10;Description automatically generated">
-            <a:extLst>
-              <a:ext uri="{FF2B5EF4-FFF2-40B4-BE49-F238E27FC236}">
-                <a16:creationId xmlns:a16="http://schemas.microsoft.com/office/drawing/2014/main" id="{2468B2D9-88A1-E24C-8433-682B75EB4AE7}"/>
+          <p:cNvPr id="11" name="Picture 10" descr="Chart, bar chart&#10;&#10;Description automatically generated">
+            <a:extLst>
+              <a:ext uri="{FF2B5EF4-FFF2-40B4-BE49-F238E27FC236}">
+                <a16:creationId xmlns:a16="http://schemas.microsoft.com/office/drawing/2014/main" id="{786350F5-1D7B-D846-9D2D-DB189222C86B}"/>
               </a:ext>
             </a:extLst>
           </p:cNvPr>
@@ -13581,1384 +17020,72 @@
           </p:cNvPicPr>
           <p:nvPr/>
         </p:nvPicPr>
-        <p:blipFill rotWithShape="1">
+        <p:blipFill>
           <a:blip r:embed="rId2"/>
-          <a:srcRect t="14926" b="11591"/>
-          <a:stretch/>
+          <a:stretch>
+            <a:fillRect/>
+          </a:stretch>
         </p:blipFill>
         <p:spPr>
           <a:xfrm>
-            <a:off x="5523299" y="1185863"/>
-            <a:ext cx="5415776" cy="3979661"/>
+            <a:off x="263182" y="1728937"/>
+            <a:ext cx="7360888" cy="4613962"/>
           </a:xfrm>
           <a:prstGeom prst="rect">
             <a:avLst/>
           </a:prstGeom>
         </p:spPr>
       </p:pic>
-      <p:sp>
-        <p:nvSpPr>
-          <p:cNvPr id="2" name="Title 1">
-            <a:extLst>
-              <a:ext uri="{FF2B5EF4-FFF2-40B4-BE49-F238E27FC236}">
-                <a16:creationId xmlns:a16="http://schemas.microsoft.com/office/drawing/2014/main" id="{AC91A200-057C-E947-9789-46D5EA2406B5}"/>
-              </a:ext>
-            </a:extLst>
-          </p:cNvPr>
-          <p:cNvSpPr>
-            <a:spLocks noGrp="1"/>
-          </p:cNvSpPr>
-          <p:nvPr>
-            <p:ph type="title"/>
-          </p:nvPr>
-        </p:nvSpPr>
-        <p:spPr/>
-        <p:txBody>
-          <a:bodyPr/>
-          <a:lstStyle/>
-          <a:p>
-            <a:r>
-              <a:rPr lang="en-US" dirty="0">
-                <a:solidFill>
-                  <a:schemeClr val="accent1"/>
-                </a:solidFill>
-              </a:rPr>
-              <a:t>Project Summary</a:t>
-            </a:r>
-          </a:p>
-        </p:txBody>
-      </p:sp>
-      <p:sp>
-        <p:nvSpPr>
-          <p:cNvPr id="4" name="TextBox 3">
-            <a:extLst>
-              <a:ext uri="{FF2B5EF4-FFF2-40B4-BE49-F238E27FC236}">
-                <a16:creationId xmlns:a16="http://schemas.microsoft.com/office/drawing/2014/main" id="{2E6B80F5-9114-9049-A5BE-262DE9DC6B75}"/>
-              </a:ext>
-            </a:extLst>
-          </p:cNvPr>
-          <p:cNvSpPr txBox="1"/>
+      <p:pic>
+        <p:nvPicPr>
+          <p:cNvPr id="25" name="Picture 24" descr="Chart, treemap chart&#10;&#10;Description automatically generated">
+            <a:extLst>
+              <a:ext uri="{FF2B5EF4-FFF2-40B4-BE49-F238E27FC236}">
+                <a16:creationId xmlns:a16="http://schemas.microsoft.com/office/drawing/2014/main" id="{7BEF49EE-E9FB-EE41-A17E-57BC638C95C4}"/>
+              </a:ext>
+            </a:extLst>
+          </p:cNvPr>
+          <p:cNvPicPr>
+            <a:picLocks noChangeAspect="1"/>
+          </p:cNvPicPr>
           <p:nvPr/>
-        </p:nvSpPr>
+        </p:nvPicPr>
+        <p:blipFill>
+          <a:blip r:embed="rId3"/>
+          <a:stretch>
+            <a:fillRect/>
+          </a:stretch>
+        </p:blipFill>
         <p:spPr>
           <a:xfrm>
-            <a:off x="1252925" y="4386203"/>
-            <a:ext cx="1646392" cy="400110"/>
-          </a:xfrm>
-          <a:prstGeom prst="rect">
-            <a:avLst/>
-          </a:prstGeom>
-          <a:noFill/>
-        </p:spPr>
-        <p:txBody>
-          <a:bodyPr wrap="square" rtlCol="0">
-            <a:spAutoFit/>
-          </a:bodyPr>
-          <a:lstStyle/>
-          <a:p>
-            <a:r>
-              <a:rPr lang="en-US" sz="2000" b="1" dirty="0">
-                <a:solidFill>
-                  <a:schemeClr val="tx1">
-                    <a:lumMod val="65000"/>
-                    <a:lumOff val="35000"/>
-                  </a:schemeClr>
-                </a:solidFill>
-              </a:rPr>
-              <a:t>Objectives</a:t>
-            </a:r>
-          </a:p>
-        </p:txBody>
-      </p:sp>
-      <p:sp>
-        <p:nvSpPr>
-          <p:cNvPr id="5" name="Rectangle 4">
-            <a:extLst>
-              <a:ext uri="{FF2B5EF4-FFF2-40B4-BE49-F238E27FC236}">
-                <a16:creationId xmlns:a16="http://schemas.microsoft.com/office/drawing/2014/main" id="{28581374-53C8-F645-8352-29B1FA7C7657}"/>
-              </a:ext>
-            </a:extLst>
-          </p:cNvPr>
-          <p:cNvSpPr/>
-          <p:nvPr/>
-        </p:nvSpPr>
-        <p:spPr>
-          <a:xfrm>
-            <a:off x="1633375" y="4931960"/>
-            <a:ext cx="10018070" cy="1882567"/>
+            <a:off x="8200622" y="1870347"/>
+            <a:ext cx="3506271" cy="2852928"/>
           </a:xfrm>
           <a:prstGeom prst="rect">
             <a:avLst/>
           </a:prstGeom>
         </p:spPr>
-        <p:txBody>
-          <a:bodyPr wrap="square">
-            <a:spAutoFit/>
-          </a:bodyPr>
-          <a:lstStyle/>
-          <a:p>
-            <a:pPr fontAlgn="base">
-              <a:spcBef>
-                <a:spcPts val="2400"/>
-              </a:spcBef>
-              <a:buFont typeface="Arial" panose="020B0604020202020204" pitchFamily="34" charset="0"/>
-              <a:buChar char="•"/>
-            </a:pPr>
-            <a:r>
-              <a:rPr lang="en-US" dirty="0">
-                <a:solidFill>
-                  <a:schemeClr val="tx1">
-                    <a:lumMod val="65000"/>
-                    <a:lumOff val="35000"/>
-                  </a:schemeClr>
-                </a:solidFill>
-                <a:latin typeface="Lato"/>
-              </a:rPr>
-              <a:t> Build </a:t>
-            </a:r>
-            <a:r>
-              <a:rPr lang="en-US" dirty="0">
-                <a:solidFill>
-                  <a:schemeClr val="accent1"/>
-                </a:solidFill>
-                <a:latin typeface="Lato"/>
-              </a:rPr>
-              <a:t>interpretable classification model </a:t>
-            </a:r>
-            <a:r>
-              <a:rPr lang="en-US" dirty="0">
-                <a:solidFill>
-                  <a:schemeClr val="tx1">
-                    <a:lumMod val="65000"/>
-                    <a:lumOff val="35000"/>
-                  </a:schemeClr>
-                </a:solidFill>
-                <a:latin typeface="Lato"/>
-              </a:rPr>
-              <a:t>to optimize identification of at-risk customers</a:t>
-            </a:r>
-          </a:p>
-          <a:p>
-            <a:pPr fontAlgn="base">
-              <a:lnSpc>
-                <a:spcPct val="150000"/>
-              </a:lnSpc>
-              <a:spcBef>
-                <a:spcPts val="2400"/>
-              </a:spcBef>
-              <a:spcAft>
-                <a:spcPts val="1600"/>
-              </a:spcAft>
-              <a:buFont typeface="Arial" panose="020B0604020202020204" pitchFamily="34" charset="0"/>
-              <a:buChar char="•"/>
-            </a:pPr>
-            <a:r>
-              <a:rPr lang="en-US" dirty="0">
-                <a:solidFill>
-                  <a:schemeClr val="tx1">
-                    <a:lumMod val="65000"/>
-                    <a:lumOff val="35000"/>
-                  </a:schemeClr>
-                </a:solidFill>
-                <a:latin typeface="Lato"/>
-              </a:rPr>
-              <a:t> Identify most </a:t>
-            </a:r>
-            <a:r>
-              <a:rPr lang="en-US" dirty="0">
-                <a:solidFill>
-                  <a:schemeClr val="accent1"/>
-                </a:solidFill>
-                <a:latin typeface="Lato"/>
-              </a:rPr>
-              <a:t>prominent features </a:t>
-            </a:r>
-            <a:r>
-              <a:rPr lang="en-US" dirty="0">
-                <a:solidFill>
-                  <a:schemeClr val="tx1">
-                    <a:lumMod val="65000"/>
-                    <a:lumOff val="35000"/>
-                  </a:schemeClr>
-                </a:solidFill>
-                <a:latin typeface="Lato"/>
-              </a:rPr>
-              <a:t>which affect customer churn</a:t>
-            </a:r>
-          </a:p>
-          <a:p>
-            <a:pPr fontAlgn="base">
-              <a:spcBef>
-                <a:spcPts val="2400"/>
-              </a:spcBef>
-              <a:spcAft>
-                <a:spcPts val="1600"/>
-              </a:spcAft>
-              <a:buFont typeface="Arial" panose="020B0604020202020204" pitchFamily="34" charset="0"/>
-              <a:buChar char="•"/>
-            </a:pPr>
-            <a:r>
-              <a:rPr lang="en-US" dirty="0">
-                <a:solidFill>
-                  <a:schemeClr val="tx1">
-                    <a:lumMod val="65000"/>
-                    <a:lumOff val="35000"/>
-                  </a:schemeClr>
-                </a:solidFill>
-                <a:latin typeface="Lato"/>
-              </a:rPr>
-              <a:t> Optimize F1</a:t>
-            </a:r>
-          </a:p>
-        </p:txBody>
-      </p:sp>
-      <p:sp>
-        <p:nvSpPr>
-          <p:cNvPr id="6" name="TextBox 5">
-            <a:extLst>
-              <a:ext uri="{FF2B5EF4-FFF2-40B4-BE49-F238E27FC236}">
-                <a16:creationId xmlns:a16="http://schemas.microsoft.com/office/drawing/2014/main" id="{6FA0FC31-8F13-774E-A945-424095B4781E}"/>
-              </a:ext>
-            </a:extLst>
-          </p:cNvPr>
-          <p:cNvSpPr txBox="1"/>
-          <p:nvPr/>
-        </p:nvSpPr>
-        <p:spPr>
-          <a:xfrm>
-            <a:off x="1252925" y="2060365"/>
-            <a:ext cx="1646392" cy="400110"/>
-          </a:xfrm>
-          <a:prstGeom prst="rect">
-            <a:avLst/>
-          </a:prstGeom>
-          <a:noFill/>
-        </p:spPr>
-        <p:txBody>
-          <a:bodyPr wrap="square" rtlCol="0">
-            <a:spAutoFit/>
-          </a:bodyPr>
-          <a:lstStyle/>
-          <a:p>
-            <a:r>
-              <a:rPr lang="en-US" sz="2000" b="1" dirty="0">
-                <a:solidFill>
-                  <a:schemeClr val="tx1">
-                    <a:lumMod val="65000"/>
-                    <a:lumOff val="35000"/>
-                  </a:schemeClr>
-                </a:solidFill>
-              </a:rPr>
-              <a:t>Data</a:t>
-            </a:r>
-          </a:p>
-        </p:txBody>
-      </p:sp>
-      <p:sp>
-        <p:nvSpPr>
-          <p:cNvPr id="7" name="Rectangle 6">
-            <a:extLst>
-              <a:ext uri="{FF2B5EF4-FFF2-40B4-BE49-F238E27FC236}">
-                <a16:creationId xmlns:a16="http://schemas.microsoft.com/office/drawing/2014/main" id="{DFEDD792-8055-094B-AC28-4E150AFA9ED0}"/>
-              </a:ext>
-            </a:extLst>
-          </p:cNvPr>
-          <p:cNvSpPr/>
-          <p:nvPr/>
-        </p:nvSpPr>
-        <p:spPr>
-          <a:xfrm>
-            <a:off x="1633375" y="2609923"/>
-            <a:ext cx="6096000" cy="1538883"/>
-          </a:xfrm>
-          <a:prstGeom prst="rect">
-            <a:avLst/>
-          </a:prstGeom>
-        </p:spPr>
-        <p:txBody>
-          <a:bodyPr>
-            <a:spAutoFit/>
-          </a:bodyPr>
-          <a:lstStyle/>
-          <a:p>
-            <a:pPr fontAlgn="base">
-              <a:spcBef>
-                <a:spcPts val="2400"/>
-              </a:spcBef>
-              <a:buFont typeface="Arial" panose="020B0604020202020204" pitchFamily="34" charset="0"/>
-              <a:buChar char="•"/>
-            </a:pPr>
-            <a:r>
-              <a:rPr lang="en-US" dirty="0">
-                <a:solidFill>
-                  <a:schemeClr val="tx1">
-                    <a:lumMod val="65000"/>
-                    <a:lumOff val="35000"/>
-                  </a:schemeClr>
-                </a:solidFill>
-                <a:latin typeface="Lato"/>
-              </a:rPr>
-              <a:t>Origin: IBM Customer Retention Dataset</a:t>
-            </a:r>
-          </a:p>
-          <a:p>
-            <a:pPr fontAlgn="base">
-              <a:spcBef>
-                <a:spcPts val="2400"/>
-              </a:spcBef>
-              <a:buFont typeface="Arial" panose="020B0604020202020204" pitchFamily="34" charset="0"/>
-              <a:buChar char="•"/>
-            </a:pPr>
-            <a:r>
-              <a:rPr lang="en-US" dirty="0">
-                <a:solidFill>
-                  <a:schemeClr val="tx1">
-                    <a:lumMod val="65000"/>
-                    <a:lumOff val="35000"/>
-                  </a:schemeClr>
-                </a:solidFill>
-                <a:latin typeface="Lato"/>
-              </a:rPr>
-              <a:t>Target Variable: Customer Churn</a:t>
-            </a:r>
-          </a:p>
-          <a:p>
-            <a:pPr fontAlgn="base">
-              <a:spcBef>
-                <a:spcPts val="2400"/>
-              </a:spcBef>
-              <a:buFont typeface="Arial" panose="020B0604020202020204" pitchFamily="34" charset="0"/>
-              <a:buChar char="•"/>
-            </a:pPr>
-            <a:r>
-              <a:rPr lang="en-US" dirty="0">
-                <a:solidFill>
-                  <a:schemeClr val="tx1">
-                    <a:lumMod val="65000"/>
-                    <a:lumOff val="35000"/>
-                  </a:schemeClr>
-                </a:solidFill>
-                <a:latin typeface="Lato"/>
-              </a:rPr>
-              <a:t>Features: 3 Continuous, 17 Categorical</a:t>
-            </a:r>
-          </a:p>
-        </p:txBody>
-      </p:sp>
-    </p:spTree>
-    <p:extLst>
-      <p:ext uri="{BB962C8B-B14F-4D97-AF65-F5344CB8AC3E}">
-        <p14:creationId xmlns:p14="http://schemas.microsoft.com/office/powerpoint/2010/main" val="4273479159"/>
-      </p:ext>
-    </p:extLst>
-  </p:cSld>
-  <p:clrMapOvr>
-    <a:masterClrMapping/>
-  </p:clrMapOvr>
-</p:sld>
-</file>
-
-<file path=ppt/slides/slide4.xml><?xml version="1.0" encoding="utf-8"?>
-<p:sld xmlns:a="http://schemas.openxmlformats.org/drawingml/2006/main" xmlns:r="http://schemas.openxmlformats.org/officeDocument/2006/relationships" xmlns:p="http://schemas.openxmlformats.org/presentationml/2006/main">
-  <p:cSld>
-    <p:spTree>
-      <p:nvGrpSpPr>
-        <p:cNvPr id="1" name=""/>
-        <p:cNvGrpSpPr/>
-        <p:nvPr/>
-      </p:nvGrpSpPr>
-      <p:grpSpPr>
-        <a:xfrm>
-          <a:off x="0" y="0"/>
-          <a:ext cx="0" cy="0"/>
-          <a:chOff x="0" y="0"/>
-          <a:chExt cx="0" cy="0"/>
-        </a:xfrm>
-      </p:grpSpPr>
-      <p:sp>
-        <p:nvSpPr>
-          <p:cNvPr id="2" name="Title 1">
-            <a:extLst>
-              <a:ext uri="{FF2B5EF4-FFF2-40B4-BE49-F238E27FC236}">
-                <a16:creationId xmlns:a16="http://schemas.microsoft.com/office/drawing/2014/main" id="{AC91A200-057C-E947-9789-46D5EA2406B5}"/>
-              </a:ext>
-            </a:extLst>
-          </p:cNvPr>
-          <p:cNvSpPr>
-            <a:spLocks noGrp="1"/>
-          </p:cNvSpPr>
-          <p:nvPr>
-            <p:ph type="title"/>
-          </p:nvPr>
-        </p:nvSpPr>
-        <p:spPr/>
-        <p:txBody>
-          <a:bodyPr/>
-          <a:lstStyle/>
-          <a:p>
-            <a:r>
-              <a:rPr lang="en-US" dirty="0"/>
-              <a:t>The Process</a:t>
-            </a:r>
-          </a:p>
-        </p:txBody>
-      </p:sp>
-      <p:graphicFrame>
-        <p:nvGraphicFramePr>
-          <p:cNvPr id="3" name="Diagram 2">
-            <a:extLst>
-              <a:ext uri="{FF2B5EF4-FFF2-40B4-BE49-F238E27FC236}">
-                <a16:creationId xmlns:a16="http://schemas.microsoft.com/office/drawing/2014/main" id="{466B51FC-9115-3747-A049-90CE9E7A96BE}"/>
-              </a:ext>
-            </a:extLst>
-          </p:cNvPr>
-          <p:cNvGraphicFramePr/>
-          <p:nvPr>
-            <p:extLst>
-              <p:ext uri="{D42A27DB-BD31-4B8C-83A1-F6EECF244321}">
-                <p14:modId xmlns:p14="http://schemas.microsoft.com/office/powerpoint/2010/main" val="843313060"/>
-              </p:ext>
-            </p:extLst>
-          </p:nvPr>
-        </p:nvGraphicFramePr>
-        <p:xfrm>
-          <a:off x="838199" y="1605774"/>
-          <a:ext cx="10725615" cy="2888168"/>
-        </p:xfrm>
-        <a:graphic>
-          <a:graphicData uri="http://schemas.openxmlformats.org/drawingml/2006/diagram">
-            <dgm:relIds xmlns:dgm="http://schemas.openxmlformats.org/drawingml/2006/diagram" xmlns:r="http://schemas.openxmlformats.org/officeDocument/2006/relationships" r:dm="rId2" r:lo="rId3" r:qs="rId4" r:cs="rId5"/>
-          </a:graphicData>
-        </a:graphic>
-      </p:graphicFrame>
-      <p:sp>
-        <p:nvSpPr>
-          <p:cNvPr id="8" name="Rounded Rectangle 7">
-            <a:extLst>
-              <a:ext uri="{FF2B5EF4-FFF2-40B4-BE49-F238E27FC236}">
-                <a16:creationId xmlns:a16="http://schemas.microsoft.com/office/drawing/2014/main" id="{56FD62F3-2AAA-BE41-8D60-16F55ADABCFC}"/>
-              </a:ext>
-            </a:extLst>
-          </p:cNvPr>
-          <p:cNvSpPr/>
-          <p:nvPr/>
-        </p:nvSpPr>
-        <p:spPr>
-          <a:xfrm>
-            <a:off x="838199" y="3947532"/>
-            <a:ext cx="1927303" cy="2553629"/>
-          </a:xfrm>
-          <a:prstGeom prst="roundRect">
-            <a:avLst/>
-          </a:prstGeom>
-          <a:solidFill>
-            <a:schemeClr val="bg1">
-              <a:lumMod val="85000"/>
-            </a:schemeClr>
-          </a:solidFill>
-          <a:ln>
-            <a:noFill/>
-          </a:ln>
-        </p:spPr>
-        <p:style>
-          <a:lnRef idx="2">
-            <a:schemeClr val="accent1">
-              <a:shade val="50000"/>
-            </a:schemeClr>
-          </a:lnRef>
-          <a:fillRef idx="1">
-            <a:schemeClr val="accent1"/>
-          </a:fillRef>
-          <a:effectRef idx="0">
-            <a:schemeClr val="accent1"/>
-          </a:effectRef>
-          <a:fontRef idx="minor">
-            <a:schemeClr val="lt1"/>
-          </a:fontRef>
-        </p:style>
-        <p:txBody>
-          <a:bodyPr rtlCol="0" anchor="t"/>
-          <a:lstStyle/>
-          <a:p>
-            <a:pPr marL="285750" indent="-285750">
-              <a:buFont typeface="Arial" panose="020B0604020202020204" pitchFamily="34" charset="0"/>
-              <a:buChar char="•"/>
-            </a:pPr>
-            <a:r>
-              <a:rPr lang="en-US" sz="1200" dirty="0">
-                <a:solidFill>
-                  <a:schemeClr val="tx1">
-                    <a:lumMod val="65000"/>
-                    <a:lumOff val="35000"/>
-                  </a:schemeClr>
-                </a:solidFill>
-              </a:rPr>
-              <a:t>Dataset pulled from Kaggle</a:t>
-            </a:r>
-          </a:p>
-          <a:p>
-            <a:pPr marL="285750" indent="-285750">
-              <a:buFont typeface="Arial" panose="020B0604020202020204" pitchFamily="34" charset="0"/>
-              <a:buChar char="•"/>
-            </a:pPr>
-            <a:endParaRPr lang="en-US" sz="1200" dirty="0">
-              <a:solidFill>
-                <a:schemeClr val="tx1">
-                  <a:lumMod val="65000"/>
-                  <a:lumOff val="35000"/>
-                </a:schemeClr>
-              </a:solidFill>
-            </a:endParaRPr>
-          </a:p>
-          <a:p>
-            <a:pPr marL="285750" indent="-285750">
-              <a:buFont typeface="Arial" panose="020B0604020202020204" pitchFamily="34" charset="0"/>
-              <a:buChar char="•"/>
-            </a:pPr>
-            <a:r>
-              <a:rPr lang="en-US" sz="1200" dirty="0">
-                <a:solidFill>
-                  <a:schemeClr val="tx1">
-                    <a:lumMod val="65000"/>
-                    <a:lumOff val="35000"/>
-                  </a:schemeClr>
-                </a:solidFill>
-              </a:rPr>
-              <a:t>Data cleaning and preprocessing</a:t>
-            </a:r>
-          </a:p>
-          <a:p>
-            <a:pPr marL="285750" indent="-285750">
-              <a:buFont typeface="Arial" panose="020B0604020202020204" pitchFamily="34" charset="0"/>
-              <a:buChar char="•"/>
-            </a:pPr>
-            <a:endParaRPr lang="en-US" sz="1200" dirty="0">
-              <a:solidFill>
-                <a:schemeClr val="tx1">
-                  <a:lumMod val="65000"/>
-                  <a:lumOff val="35000"/>
-                </a:schemeClr>
-              </a:solidFill>
-            </a:endParaRPr>
-          </a:p>
-        </p:txBody>
-      </p:sp>
-      <p:sp>
-        <p:nvSpPr>
-          <p:cNvPr id="9" name="Rounded Rectangle 8">
-            <a:extLst>
-              <a:ext uri="{FF2B5EF4-FFF2-40B4-BE49-F238E27FC236}">
-                <a16:creationId xmlns:a16="http://schemas.microsoft.com/office/drawing/2014/main" id="{79325B51-546E-AD4E-A364-ABB85E974B74}"/>
-              </a:ext>
-            </a:extLst>
-          </p:cNvPr>
-          <p:cNvSpPr/>
-          <p:nvPr/>
-        </p:nvSpPr>
-        <p:spPr>
-          <a:xfrm>
-            <a:off x="3021980" y="3939246"/>
-            <a:ext cx="1927303" cy="2553629"/>
-          </a:xfrm>
-          <a:prstGeom prst="roundRect">
-            <a:avLst/>
-          </a:prstGeom>
-          <a:solidFill>
-            <a:schemeClr val="bg1">
-              <a:lumMod val="85000"/>
-            </a:schemeClr>
-          </a:solidFill>
-          <a:ln>
-            <a:noFill/>
-          </a:ln>
-        </p:spPr>
-        <p:style>
-          <a:lnRef idx="2">
-            <a:schemeClr val="accent1">
-              <a:shade val="50000"/>
-            </a:schemeClr>
-          </a:lnRef>
-          <a:fillRef idx="1">
-            <a:schemeClr val="accent1"/>
-          </a:fillRef>
-          <a:effectRef idx="0">
-            <a:schemeClr val="accent1"/>
-          </a:effectRef>
-          <a:fontRef idx="minor">
-            <a:schemeClr val="lt1"/>
-          </a:fontRef>
-        </p:style>
-        <p:txBody>
-          <a:bodyPr rtlCol="0" anchor="t"/>
-          <a:lstStyle/>
-          <a:p>
-            <a:pPr marL="285750" indent="-285750">
-              <a:buFont typeface="Arial" panose="020B0604020202020204" pitchFamily="34" charset="0"/>
-              <a:buChar char="•"/>
-            </a:pPr>
-            <a:r>
-              <a:rPr lang="en-US" sz="1200" dirty="0">
-                <a:solidFill>
-                  <a:schemeClr val="tx1">
-                    <a:lumMod val="65000"/>
-                    <a:lumOff val="35000"/>
-                  </a:schemeClr>
-                </a:solidFill>
-              </a:rPr>
-              <a:t>Explored target variable “Churn”</a:t>
-            </a:r>
-          </a:p>
-          <a:p>
-            <a:pPr marL="285750" indent="-285750">
-              <a:buFont typeface="Arial" panose="020B0604020202020204" pitchFamily="34" charset="0"/>
-              <a:buChar char="•"/>
-            </a:pPr>
-            <a:endParaRPr lang="en-US" sz="1200" dirty="0">
-              <a:solidFill>
-                <a:schemeClr val="tx1">
-                  <a:lumMod val="65000"/>
-                  <a:lumOff val="35000"/>
-                </a:schemeClr>
-              </a:solidFill>
-            </a:endParaRPr>
-          </a:p>
-          <a:p>
-            <a:pPr marL="285750" indent="-285750">
-              <a:buFont typeface="Arial" panose="020B0604020202020204" pitchFamily="34" charset="0"/>
-              <a:buChar char="•"/>
-            </a:pPr>
-            <a:r>
-              <a:rPr lang="en-US" sz="1200" dirty="0">
-                <a:solidFill>
-                  <a:schemeClr val="tx1">
-                    <a:lumMod val="65000"/>
-                    <a:lumOff val="35000"/>
-                  </a:schemeClr>
-                </a:solidFill>
-              </a:rPr>
-              <a:t>Identified predictor variables with greatest impact on churn</a:t>
-            </a:r>
-          </a:p>
-          <a:p>
-            <a:pPr marL="285750" indent="-285750">
-              <a:buFont typeface="Arial" panose="020B0604020202020204" pitchFamily="34" charset="0"/>
-              <a:buChar char="•"/>
-            </a:pPr>
-            <a:endParaRPr lang="en-US" sz="1200" dirty="0">
-              <a:solidFill>
-                <a:schemeClr val="tx1">
-                  <a:lumMod val="65000"/>
-                  <a:lumOff val="35000"/>
-                </a:schemeClr>
-              </a:solidFill>
-            </a:endParaRPr>
-          </a:p>
-          <a:p>
-            <a:pPr marL="285750" indent="-285750">
-              <a:buFont typeface="Arial" panose="020B0604020202020204" pitchFamily="34" charset="0"/>
-              <a:buChar char="•"/>
-            </a:pPr>
-            <a:r>
-              <a:rPr lang="en-US" sz="1200" dirty="0">
-                <a:solidFill>
-                  <a:schemeClr val="tx1">
-                    <a:lumMod val="65000"/>
-                    <a:lumOff val="35000"/>
-                  </a:schemeClr>
-                </a:solidFill>
-              </a:rPr>
-              <a:t>Generate ideas for feature engineering</a:t>
-            </a:r>
-          </a:p>
-        </p:txBody>
-      </p:sp>
-      <p:sp>
-        <p:nvSpPr>
-          <p:cNvPr id="10" name="Rounded Rectangle 9">
-            <a:extLst>
-              <a:ext uri="{FF2B5EF4-FFF2-40B4-BE49-F238E27FC236}">
-                <a16:creationId xmlns:a16="http://schemas.microsoft.com/office/drawing/2014/main" id="{4FBFD6DB-CB82-FF4A-916D-3DE9B5C773EE}"/>
-              </a:ext>
-            </a:extLst>
-          </p:cNvPr>
-          <p:cNvSpPr/>
-          <p:nvPr/>
-        </p:nvSpPr>
-        <p:spPr>
-          <a:xfrm>
-            <a:off x="5237354" y="3939245"/>
-            <a:ext cx="1927303" cy="2553629"/>
-          </a:xfrm>
-          <a:prstGeom prst="roundRect">
-            <a:avLst/>
-          </a:prstGeom>
-          <a:solidFill>
-            <a:schemeClr val="bg1">
-              <a:lumMod val="85000"/>
-            </a:schemeClr>
-          </a:solidFill>
-          <a:ln>
-            <a:noFill/>
-          </a:ln>
-        </p:spPr>
-        <p:style>
-          <a:lnRef idx="2">
-            <a:schemeClr val="accent1">
-              <a:shade val="50000"/>
-            </a:schemeClr>
-          </a:lnRef>
-          <a:fillRef idx="1">
-            <a:schemeClr val="accent1"/>
-          </a:fillRef>
-          <a:effectRef idx="0">
-            <a:schemeClr val="accent1"/>
-          </a:effectRef>
-          <a:fontRef idx="minor">
-            <a:schemeClr val="lt1"/>
-          </a:fontRef>
-        </p:style>
-        <p:txBody>
-          <a:bodyPr rtlCol="0" anchor="t"/>
-          <a:lstStyle/>
-          <a:p>
-            <a:pPr marL="171450" indent="-171450">
-              <a:buFont typeface="Arial" panose="020B0604020202020204" pitchFamily="34" charset="0"/>
-              <a:buChar char="•"/>
-            </a:pPr>
-            <a:r>
-              <a:rPr lang="en-US" sz="1200" dirty="0">
-                <a:solidFill>
-                  <a:schemeClr val="tx1">
-                    <a:lumMod val="65000"/>
-                    <a:lumOff val="35000"/>
-                  </a:schemeClr>
-                </a:solidFill>
-              </a:rPr>
-              <a:t>Domain knowledge combined with EDA</a:t>
-            </a:r>
-          </a:p>
-          <a:p>
-            <a:pPr marL="171450" indent="-171450">
-              <a:buFont typeface="Arial" panose="020B0604020202020204" pitchFamily="34" charset="0"/>
-              <a:buChar char="•"/>
-            </a:pPr>
-            <a:endParaRPr lang="en-US" sz="1200" dirty="0">
-              <a:solidFill>
-                <a:schemeClr val="tx1">
-                  <a:lumMod val="65000"/>
-                  <a:lumOff val="35000"/>
-                </a:schemeClr>
-              </a:solidFill>
-            </a:endParaRPr>
-          </a:p>
-          <a:p>
-            <a:pPr marL="171450" indent="-171450">
-              <a:buFont typeface="Arial" panose="020B0604020202020204" pitchFamily="34" charset="0"/>
-              <a:buChar char="•"/>
-            </a:pPr>
-            <a:r>
-              <a:rPr lang="en-US" sz="1200" dirty="0">
-                <a:solidFill>
-                  <a:schemeClr val="tx1">
-                    <a:lumMod val="65000"/>
-                    <a:lumOff val="35000"/>
-                  </a:schemeClr>
-                </a:solidFill>
-              </a:rPr>
-              <a:t>Hypothesis testing to determine value</a:t>
-            </a:r>
-          </a:p>
-        </p:txBody>
-      </p:sp>
-      <p:sp>
-        <p:nvSpPr>
-          <p:cNvPr id="11" name="Rounded Rectangle 10">
-            <a:extLst>
-              <a:ext uri="{FF2B5EF4-FFF2-40B4-BE49-F238E27FC236}">
-                <a16:creationId xmlns:a16="http://schemas.microsoft.com/office/drawing/2014/main" id="{B0726BD1-655B-4840-8E2E-E69E42B952BF}"/>
-              </a:ext>
-            </a:extLst>
-          </p:cNvPr>
-          <p:cNvSpPr/>
-          <p:nvPr/>
-        </p:nvSpPr>
-        <p:spPr>
-          <a:xfrm>
-            <a:off x="7452728" y="3939244"/>
-            <a:ext cx="1927303" cy="2553629"/>
-          </a:xfrm>
-          <a:prstGeom prst="roundRect">
-            <a:avLst/>
-          </a:prstGeom>
-          <a:solidFill>
-            <a:schemeClr val="bg1">
-              <a:lumMod val="85000"/>
-            </a:schemeClr>
-          </a:solidFill>
-          <a:ln>
-            <a:noFill/>
-          </a:ln>
-        </p:spPr>
-        <p:style>
-          <a:lnRef idx="2">
-            <a:schemeClr val="accent1">
-              <a:shade val="50000"/>
-            </a:schemeClr>
-          </a:lnRef>
-          <a:fillRef idx="1">
-            <a:schemeClr val="accent1"/>
-          </a:fillRef>
-          <a:effectRef idx="0">
-            <a:schemeClr val="accent1"/>
-          </a:effectRef>
-          <a:fontRef idx="minor">
-            <a:schemeClr val="lt1"/>
-          </a:fontRef>
-        </p:style>
-        <p:txBody>
-          <a:bodyPr rtlCol="0" anchor="t"/>
-          <a:lstStyle/>
-          <a:p>
-            <a:pPr marL="285750" indent="-285750">
-              <a:buFont typeface="Arial" panose="020B0604020202020204" pitchFamily="34" charset="0"/>
-              <a:buChar char="•"/>
-            </a:pPr>
-            <a:r>
-              <a:rPr lang="en-US" sz="1200" dirty="0">
-                <a:solidFill>
-                  <a:schemeClr val="tx1">
-                    <a:lumMod val="65000"/>
-                    <a:lumOff val="35000"/>
-                  </a:schemeClr>
-                </a:solidFill>
-              </a:rPr>
-              <a:t>RFE</a:t>
-            </a:r>
-          </a:p>
-          <a:p>
-            <a:pPr marL="285750" indent="-285750">
-              <a:buFont typeface="Arial" panose="020B0604020202020204" pitchFamily="34" charset="0"/>
-              <a:buChar char="•"/>
-            </a:pPr>
-            <a:endParaRPr lang="en-US" sz="1200" dirty="0">
-              <a:solidFill>
-                <a:schemeClr val="tx1">
-                  <a:lumMod val="65000"/>
-                  <a:lumOff val="35000"/>
-                </a:schemeClr>
-              </a:solidFill>
-            </a:endParaRPr>
-          </a:p>
-          <a:p>
-            <a:pPr marL="285750" indent="-285750">
-              <a:buFont typeface="Arial" panose="020B0604020202020204" pitchFamily="34" charset="0"/>
-              <a:buChar char="•"/>
-            </a:pPr>
-            <a:r>
-              <a:rPr lang="en-US" sz="1200" dirty="0">
-                <a:solidFill>
-                  <a:schemeClr val="tx1">
-                    <a:lumMod val="65000"/>
-                    <a:lumOff val="35000"/>
-                  </a:schemeClr>
-                </a:solidFill>
-              </a:rPr>
-              <a:t>VIF</a:t>
-            </a:r>
-          </a:p>
-          <a:p>
-            <a:pPr marL="285750" indent="-285750" algn="ctr">
-              <a:buFont typeface="Arial" panose="020B0604020202020204" pitchFamily="34" charset="0"/>
-              <a:buChar char="•"/>
-            </a:pPr>
-            <a:endParaRPr lang="en-US" sz="1200" dirty="0">
-              <a:solidFill>
-                <a:schemeClr val="tx1">
-                  <a:lumMod val="65000"/>
-                  <a:lumOff val="35000"/>
-                </a:schemeClr>
-              </a:solidFill>
-            </a:endParaRPr>
-          </a:p>
-          <a:p>
-            <a:pPr marL="285750" indent="-285750">
-              <a:buFont typeface="Arial" panose="020B0604020202020204" pitchFamily="34" charset="0"/>
-              <a:buChar char="•"/>
-            </a:pPr>
-            <a:r>
-              <a:rPr lang="en-US" sz="1200" dirty="0">
-                <a:solidFill>
-                  <a:schemeClr val="tx1">
-                    <a:lumMod val="65000"/>
-                    <a:lumOff val="35000"/>
-                  </a:schemeClr>
-                </a:solidFill>
-              </a:rPr>
-              <a:t>Polynomial Interactions</a:t>
-            </a:r>
-          </a:p>
-        </p:txBody>
-      </p:sp>
-      <p:sp>
-        <p:nvSpPr>
-          <p:cNvPr id="12" name="Rounded Rectangle 11">
-            <a:extLst>
-              <a:ext uri="{FF2B5EF4-FFF2-40B4-BE49-F238E27FC236}">
-                <a16:creationId xmlns:a16="http://schemas.microsoft.com/office/drawing/2014/main" id="{0B661D7E-1142-FF41-AD11-B230F5A8A6D9}"/>
-              </a:ext>
-            </a:extLst>
-          </p:cNvPr>
-          <p:cNvSpPr/>
-          <p:nvPr/>
-        </p:nvSpPr>
-        <p:spPr>
-          <a:xfrm>
-            <a:off x="9668102" y="3939243"/>
-            <a:ext cx="1927303" cy="2553629"/>
-          </a:xfrm>
-          <a:prstGeom prst="roundRect">
-            <a:avLst/>
-          </a:prstGeom>
-          <a:solidFill>
-            <a:schemeClr val="bg1">
-              <a:lumMod val="85000"/>
-            </a:schemeClr>
-          </a:solidFill>
-          <a:ln>
-            <a:noFill/>
-          </a:ln>
-        </p:spPr>
-        <p:style>
-          <a:lnRef idx="2">
-            <a:schemeClr val="accent1">
-              <a:shade val="50000"/>
-            </a:schemeClr>
-          </a:lnRef>
-          <a:fillRef idx="1">
-            <a:schemeClr val="accent1"/>
-          </a:fillRef>
-          <a:effectRef idx="0">
-            <a:schemeClr val="accent1"/>
-          </a:effectRef>
-          <a:fontRef idx="minor">
-            <a:schemeClr val="lt1"/>
-          </a:fontRef>
-        </p:style>
-        <p:txBody>
-          <a:bodyPr rtlCol="0" anchor="t"/>
-          <a:lstStyle/>
-          <a:p>
-            <a:pPr marL="285750" indent="-285750">
-              <a:buFont typeface="Arial" panose="020B0604020202020204" pitchFamily="34" charset="0"/>
-              <a:buChar char="•"/>
-            </a:pPr>
-            <a:r>
-              <a:rPr lang="en-US" sz="1200" dirty="0">
-                <a:solidFill>
-                  <a:schemeClr val="tx1">
-                    <a:lumMod val="65000"/>
-                    <a:lumOff val="35000"/>
-                  </a:schemeClr>
-                </a:solidFill>
-              </a:rPr>
-              <a:t>Logistic Regression</a:t>
-            </a:r>
-          </a:p>
-          <a:p>
-            <a:pPr marL="285750" indent="-285750">
-              <a:buFont typeface="Arial" panose="020B0604020202020204" pitchFamily="34" charset="0"/>
-              <a:buChar char="•"/>
-            </a:pPr>
-            <a:endParaRPr lang="en-US" sz="1200" dirty="0">
-              <a:solidFill>
-                <a:schemeClr val="tx1">
-                  <a:lumMod val="65000"/>
-                  <a:lumOff val="35000"/>
-                </a:schemeClr>
-              </a:solidFill>
-            </a:endParaRPr>
-          </a:p>
-          <a:p>
-            <a:pPr marL="285750" indent="-285750">
-              <a:buFont typeface="Arial" panose="020B0604020202020204" pitchFamily="34" charset="0"/>
-              <a:buChar char="•"/>
-            </a:pPr>
-            <a:r>
-              <a:rPr lang="en-US" sz="1200" dirty="0">
-                <a:solidFill>
-                  <a:schemeClr val="tx1">
-                    <a:lumMod val="65000"/>
-                    <a:lumOff val="35000"/>
-                  </a:schemeClr>
-                </a:solidFill>
-              </a:rPr>
-              <a:t>KNN</a:t>
-            </a:r>
-          </a:p>
-          <a:p>
-            <a:pPr marL="285750" indent="-285750">
-              <a:buFont typeface="Arial" panose="020B0604020202020204" pitchFamily="34" charset="0"/>
-              <a:buChar char="•"/>
-            </a:pPr>
-            <a:endParaRPr lang="en-US" sz="1200" dirty="0">
-              <a:solidFill>
-                <a:schemeClr val="tx1">
-                  <a:lumMod val="65000"/>
-                  <a:lumOff val="35000"/>
-                </a:schemeClr>
-              </a:solidFill>
-            </a:endParaRPr>
-          </a:p>
-          <a:p>
-            <a:pPr marL="285750" indent="-285750">
-              <a:buFont typeface="Arial" panose="020B0604020202020204" pitchFamily="34" charset="0"/>
-              <a:buChar char="•"/>
-            </a:pPr>
-            <a:r>
-              <a:rPr lang="en-US" sz="1200" dirty="0">
-                <a:solidFill>
-                  <a:schemeClr val="tx1">
-                    <a:lumMod val="65000"/>
-                    <a:lumOff val="35000"/>
-                  </a:schemeClr>
-                </a:solidFill>
-              </a:rPr>
-              <a:t>Decision Trees</a:t>
-            </a:r>
-          </a:p>
-          <a:p>
-            <a:pPr marL="285750" indent="-285750">
-              <a:buFont typeface="Arial" panose="020B0604020202020204" pitchFamily="34" charset="0"/>
-              <a:buChar char="•"/>
-            </a:pPr>
-            <a:endParaRPr lang="en-US" sz="1200" dirty="0">
-              <a:solidFill>
-                <a:schemeClr val="tx1">
-                  <a:lumMod val="65000"/>
-                  <a:lumOff val="35000"/>
-                </a:schemeClr>
-              </a:solidFill>
-            </a:endParaRPr>
-          </a:p>
-          <a:p>
-            <a:pPr marL="285750" indent="-285750">
-              <a:buFont typeface="Arial" panose="020B0604020202020204" pitchFamily="34" charset="0"/>
-              <a:buChar char="•"/>
-            </a:pPr>
-            <a:r>
-              <a:rPr lang="en-US" sz="1200" dirty="0">
-                <a:solidFill>
-                  <a:schemeClr val="tx1">
-                    <a:lumMod val="65000"/>
-                    <a:lumOff val="35000"/>
-                  </a:schemeClr>
-                </a:solidFill>
-              </a:rPr>
-              <a:t>Random Forest</a:t>
-            </a:r>
-          </a:p>
-          <a:p>
-            <a:pPr marL="285750" indent="-285750">
-              <a:buFont typeface="Arial" panose="020B0604020202020204" pitchFamily="34" charset="0"/>
-              <a:buChar char="•"/>
-            </a:pPr>
-            <a:endParaRPr lang="en-US" sz="1200" dirty="0">
-              <a:solidFill>
-                <a:schemeClr val="tx1">
-                  <a:lumMod val="65000"/>
-                  <a:lumOff val="35000"/>
-                </a:schemeClr>
-              </a:solidFill>
-            </a:endParaRPr>
-          </a:p>
-          <a:p>
-            <a:pPr marL="285750" indent="-285750">
-              <a:buFont typeface="Arial" panose="020B0604020202020204" pitchFamily="34" charset="0"/>
-              <a:buChar char="•"/>
-            </a:pPr>
-            <a:r>
-              <a:rPr lang="en-US" sz="1200" dirty="0">
-                <a:solidFill>
-                  <a:schemeClr val="tx1">
-                    <a:lumMod val="65000"/>
-                    <a:lumOff val="35000"/>
-                  </a:schemeClr>
-                </a:solidFill>
-              </a:rPr>
-              <a:t>Bagging / Boosting</a:t>
-            </a:r>
-          </a:p>
-          <a:p>
-            <a:pPr marL="285750" indent="-285750">
-              <a:buFont typeface="Arial" panose="020B0604020202020204" pitchFamily="34" charset="0"/>
-              <a:buChar char="•"/>
-            </a:pPr>
-            <a:endParaRPr lang="en-US" sz="1200" dirty="0">
-              <a:solidFill>
-                <a:schemeClr val="tx1">
-                  <a:lumMod val="65000"/>
-                  <a:lumOff val="35000"/>
-                </a:schemeClr>
-              </a:solidFill>
-            </a:endParaRPr>
-          </a:p>
-          <a:p>
-            <a:pPr marL="285750" indent="-285750">
-              <a:buFont typeface="Arial" panose="020B0604020202020204" pitchFamily="34" charset="0"/>
-              <a:buChar char="•"/>
-            </a:pPr>
-            <a:r>
-              <a:rPr lang="en-US" sz="1200" dirty="0">
-                <a:solidFill>
-                  <a:schemeClr val="tx1">
-                    <a:lumMod val="65000"/>
-                    <a:lumOff val="35000"/>
-                  </a:schemeClr>
-                </a:solidFill>
-              </a:rPr>
-              <a:t>Voting Classifier</a:t>
-            </a:r>
-          </a:p>
-        </p:txBody>
-      </p:sp>
-      <p:sp>
-        <p:nvSpPr>
-          <p:cNvPr id="17" name="Block Arc 16">
-            <a:extLst>
-              <a:ext uri="{FF2B5EF4-FFF2-40B4-BE49-F238E27FC236}">
-                <a16:creationId xmlns:a16="http://schemas.microsoft.com/office/drawing/2014/main" id="{4FE9B347-BF6F-F448-901D-F88CDCC18329}"/>
-              </a:ext>
-            </a:extLst>
-          </p:cNvPr>
-          <p:cNvSpPr/>
-          <p:nvPr/>
-        </p:nvSpPr>
-        <p:spPr>
-          <a:xfrm>
-            <a:off x="6345969" y="1249499"/>
-            <a:ext cx="4140820" cy="1842816"/>
-          </a:xfrm>
-          <a:prstGeom prst="blockArc">
-            <a:avLst/>
-          </a:prstGeom>
-        </p:spPr>
-        <p:style>
-          <a:lnRef idx="2">
-            <a:schemeClr val="accent1">
-              <a:shade val="50000"/>
-            </a:schemeClr>
-          </a:lnRef>
-          <a:fillRef idx="1">
-            <a:schemeClr val="accent1"/>
-          </a:fillRef>
-          <a:effectRef idx="0">
-            <a:schemeClr val="accent1"/>
-          </a:effectRef>
-          <a:fontRef idx="minor">
-            <a:schemeClr val="lt1"/>
-          </a:fontRef>
-        </p:style>
-        <p:txBody>
-          <a:bodyPr rtlCol="0" anchor="ctr"/>
-          <a:lstStyle/>
-          <a:p>
-            <a:pPr algn="ctr"/>
-            <a:endParaRPr lang="en-US">
-              <a:solidFill>
-                <a:schemeClr val="tx1"/>
-              </a:solidFill>
-            </a:endParaRPr>
-          </a:p>
-        </p:txBody>
-      </p:sp>
-    </p:spTree>
-    <p:extLst>
-      <p:ext uri="{BB962C8B-B14F-4D97-AF65-F5344CB8AC3E}">
-        <p14:creationId xmlns:p14="http://schemas.microsoft.com/office/powerpoint/2010/main" val="20721764"/>
-      </p:ext>
-    </p:extLst>
-  </p:cSld>
-  <p:clrMapOvr>
-    <a:masterClrMapping/>
-  </p:clrMapOvr>
-</p:sld>
-</file>
-
-<file path=ppt/slides/slide5.xml><?xml version="1.0" encoding="utf-8"?>
-<p:sld xmlns:a="http://schemas.openxmlformats.org/drawingml/2006/main" xmlns:r="http://schemas.openxmlformats.org/officeDocument/2006/relationships" xmlns:p="http://schemas.openxmlformats.org/presentationml/2006/main">
-  <p:cSld>
-    <p:spTree>
-      <p:nvGrpSpPr>
-        <p:cNvPr id="1" name=""/>
-        <p:cNvGrpSpPr/>
-        <p:nvPr/>
-      </p:nvGrpSpPr>
-      <p:grpSpPr>
-        <a:xfrm>
-          <a:off x="0" y="0"/>
-          <a:ext cx="0" cy="0"/>
-          <a:chOff x="0" y="0"/>
-          <a:chExt cx="0" cy="0"/>
-        </a:xfrm>
-      </p:grpSpPr>
-      <p:sp>
-        <p:nvSpPr>
-          <p:cNvPr id="2" name="Title 1">
-            <a:extLst>
-              <a:ext uri="{FF2B5EF4-FFF2-40B4-BE49-F238E27FC236}">
-                <a16:creationId xmlns:a16="http://schemas.microsoft.com/office/drawing/2014/main" id="{AC91A200-057C-E947-9789-46D5EA2406B5}"/>
-              </a:ext>
-            </a:extLst>
-          </p:cNvPr>
-          <p:cNvSpPr>
-            <a:spLocks noGrp="1"/>
-          </p:cNvSpPr>
-          <p:nvPr>
-            <p:ph type="title"/>
-          </p:nvPr>
-        </p:nvSpPr>
-        <p:spPr/>
-        <p:txBody>
-          <a:bodyPr/>
-          <a:lstStyle/>
-          <a:p>
-            <a:r>
-              <a:rPr lang="en-US" dirty="0">
-                <a:solidFill>
-                  <a:schemeClr val="accent1"/>
-                </a:solidFill>
-              </a:rPr>
-              <a:t>Project Summary</a:t>
-            </a:r>
-          </a:p>
-        </p:txBody>
-      </p:sp>
-      <p:sp>
-        <p:nvSpPr>
-          <p:cNvPr id="6" name="TextBox 5">
-            <a:extLst>
-              <a:ext uri="{FF2B5EF4-FFF2-40B4-BE49-F238E27FC236}">
-                <a16:creationId xmlns:a16="http://schemas.microsoft.com/office/drawing/2014/main" id="{6FA0FC31-8F13-774E-A945-424095B4781E}"/>
-              </a:ext>
-            </a:extLst>
-          </p:cNvPr>
-          <p:cNvSpPr txBox="1"/>
-          <p:nvPr/>
-        </p:nvSpPr>
-        <p:spPr>
-          <a:xfrm>
-            <a:off x="1252925" y="2060365"/>
-            <a:ext cx="1646392" cy="400110"/>
-          </a:xfrm>
-          <a:prstGeom prst="rect">
-            <a:avLst/>
-          </a:prstGeom>
-          <a:noFill/>
-        </p:spPr>
-        <p:txBody>
-          <a:bodyPr wrap="square" rtlCol="0">
-            <a:spAutoFit/>
-          </a:bodyPr>
-          <a:lstStyle/>
-          <a:p>
-            <a:r>
-              <a:rPr lang="en-US" sz="2000" b="1" dirty="0">
-                <a:solidFill>
-                  <a:schemeClr val="tx1">
-                    <a:lumMod val="65000"/>
-                    <a:lumOff val="35000"/>
-                  </a:schemeClr>
-                </a:solidFill>
-              </a:rPr>
-              <a:t>Data</a:t>
-            </a:r>
-          </a:p>
-        </p:txBody>
-      </p:sp>
-    </p:spTree>
-    <p:extLst>
-      <p:ext uri="{BB962C8B-B14F-4D97-AF65-F5344CB8AC3E}">
-        <p14:creationId xmlns:p14="http://schemas.microsoft.com/office/powerpoint/2010/main" val="1084704697"/>
-      </p:ext>
-    </p:extLst>
-  </p:cSld>
-  <p:clrMapOvr>
-    <a:masterClrMapping/>
-  </p:clrMapOvr>
-</p:sld>
-</file>
-
-<file path=ppt/slides/slide6.xml><?xml version="1.0" encoding="utf-8"?>
-<p:sld xmlns:a="http://schemas.openxmlformats.org/drawingml/2006/main" xmlns:r="http://schemas.openxmlformats.org/officeDocument/2006/relationships" xmlns:p="http://schemas.openxmlformats.org/presentationml/2006/main">
-  <p:cSld>
-    <p:bg>
-      <p:bgPr>
-        <a:solidFill>
-          <a:schemeClr val="bg1"/>
-        </a:solidFill>
-        <a:effectLst/>
-      </p:bgPr>
-    </p:bg>
-    <p:spTree>
-      <p:nvGrpSpPr>
-        <p:cNvPr id="1" name=""/>
-        <p:cNvGrpSpPr/>
-        <p:nvPr/>
-      </p:nvGrpSpPr>
-      <p:grpSpPr>
-        <a:xfrm>
-          <a:off x="0" y="0"/>
-          <a:ext cx="0" cy="0"/>
-          <a:chOff x="0" y="0"/>
-          <a:chExt cx="0" cy="0"/>
-        </a:xfrm>
-      </p:grpSpPr>
+      </p:pic>
       <p:cxnSp>
         <p:nvCxnSpPr>
-          <p:cNvPr id="49" name="Straight Connector 48">
-            <a:extLst>
-              <a:ext uri="{FF2B5EF4-FFF2-40B4-BE49-F238E27FC236}">
-                <a16:creationId xmlns:a16="http://schemas.microsoft.com/office/drawing/2014/main" id="{D1B787A8-0D67-4B7E-9B48-86BD906AB6B5}"/>
-              </a:ext>
-              <a:ext uri="{C183D7F6-B498-43B3-948B-1728B52AA6E4}">
-                <adec:decorative xmlns:adec="http://schemas.microsoft.com/office/drawing/2017/decorative" val="1"/>
-              </a:ext>
-            </a:extLst>
-          </p:cNvPr>
-          <p:cNvCxnSpPr>
-            <a:cxnSpLocks noGrp="1" noRot="1" noChangeAspect="1" noMove="1" noResize="1" noEditPoints="1" noAdjustHandles="1" noChangeArrowheads="1" noChangeShapeType="1"/>
-          </p:cNvCxnSpPr>
-          <p:nvPr>
-            <p:extLst>
-              <p:ext uri="{386F3935-93C4-4BCD-93E2-E3B085C9AB24}">
-                <p16:designElem xmlns:p16="http://schemas.microsoft.com/office/powerpoint/2015/main" val="1"/>
-              </p:ext>
-            </p:extLst>
-          </p:nvPr>
+          <p:cNvPr id="27" name="Straight Connector 26">
+            <a:extLst>
+              <a:ext uri="{FF2B5EF4-FFF2-40B4-BE49-F238E27FC236}">
+                <a16:creationId xmlns:a16="http://schemas.microsoft.com/office/drawing/2014/main" id="{92CAAABC-F39F-7049-973A-ACBEAC7B02A0}"/>
+              </a:ext>
+            </a:extLst>
+          </p:cNvPr>
+          <p:cNvCxnSpPr/>
+          <p:nvPr/>
         </p:nvCxnSpPr>
         <p:spPr>
           <a:xfrm>
-            <a:off x="715890" y="1114050"/>
-            <a:ext cx="0" cy="5735637"/>
+            <a:off x="7935535" y="2037262"/>
+            <a:ext cx="0" cy="3794467"/>
           </a:xfrm>
           <a:prstGeom prst="line">
             <a:avLst/>
           </a:prstGeom>
-          <a:ln w="25400" cap="sq">
-            <a:gradFill flip="none" rotWithShape="1">
-              <a:gsLst>
-                <a:gs pos="0">
-                  <a:schemeClr val="accent2"/>
-                </a:gs>
-                <a:gs pos="100000">
-                  <a:schemeClr val="accent4"/>
-                </a:gs>
-              </a:gsLst>
-              <a:lin ang="16200000" scaled="1"/>
-              <a:tileRect/>
-            </a:gradFill>
-            <a:bevel/>
-          </a:ln>
         </p:spPr>
         <p:style>
           <a:lnRef idx="1">
@@ -14977,578 +17104,10 @@
       </p:cxnSp>
       <p:sp>
         <p:nvSpPr>
-          <p:cNvPr id="51" name="Rectangle 50">
-            <a:extLst>
-              <a:ext uri="{FF2B5EF4-FFF2-40B4-BE49-F238E27FC236}">
-                <a16:creationId xmlns:a16="http://schemas.microsoft.com/office/drawing/2014/main" id="{158B3569-73B2-4D05-8E95-886A6EE17F1F}"/>
-              </a:ext>
-              <a:ext uri="{C183D7F6-B498-43B3-948B-1728B52AA6E4}">
-                <adec:decorative xmlns:adec="http://schemas.microsoft.com/office/drawing/2017/decorative" val="1"/>
-              </a:ext>
-            </a:extLst>
-          </p:cNvPr>
-          <p:cNvSpPr>
-            <a:spLocks noGrp="1" noRot="1" noChangeAspect="1" noMove="1" noResize="1" noEditPoints="1" noAdjustHandles="1" noChangeArrowheads="1" noChangeShapeType="1" noTextEdit="1"/>
-          </p:cNvSpPr>
-          <p:nvPr>
-            <p:extLst>
-              <p:ext uri="{386F3935-93C4-4BCD-93E2-E3B085C9AB24}">
-                <p16:designElem xmlns:p16="http://schemas.microsoft.com/office/powerpoint/2015/main" val="1"/>
-              </p:ext>
-            </p:extLst>
-          </p:nvPr>
-        </p:nvSpPr>
-        <p:spPr>
-          <a:xfrm>
-            <a:off x="0" y="0"/>
-            <a:ext cx="12192000" cy="6858000"/>
-          </a:xfrm>
-          <a:prstGeom prst="rect">
-            <a:avLst/>
-          </a:prstGeom>
-          <a:gradFill flip="none" rotWithShape="1">
-            <a:gsLst>
-              <a:gs pos="100000">
-                <a:schemeClr val="accent4"/>
-              </a:gs>
-              <a:gs pos="0">
-                <a:schemeClr val="accent2"/>
-              </a:gs>
-            </a:gsLst>
-            <a:lin ang="2700000" scaled="1"/>
-            <a:tileRect/>
-          </a:gradFill>
-          <a:ln>
-            <a:noFill/>
-          </a:ln>
-        </p:spPr>
-        <p:style>
-          <a:lnRef idx="2">
-            <a:schemeClr val="accent1">
-              <a:shade val="50000"/>
-            </a:schemeClr>
-          </a:lnRef>
-          <a:fillRef idx="1">
-            <a:schemeClr val="accent1"/>
-          </a:fillRef>
-          <a:effectRef idx="0">
-            <a:schemeClr val="accent1"/>
-          </a:effectRef>
-          <a:fontRef idx="minor">
-            <a:schemeClr val="lt1"/>
-          </a:fontRef>
-        </p:style>
-        <p:txBody>
-          <a:bodyPr rtlCol="0" anchor="ctr"/>
-          <a:lstStyle/>
-          <a:p>
-            <a:pPr algn="ctr"/>
-            <a:endParaRPr lang="en-US"/>
-          </a:p>
-        </p:txBody>
-      </p:sp>
-      <p:sp>
-        <p:nvSpPr>
-          <p:cNvPr id="2" name="Title 1">
-            <a:extLst>
-              <a:ext uri="{FF2B5EF4-FFF2-40B4-BE49-F238E27FC236}">
-                <a16:creationId xmlns:a16="http://schemas.microsoft.com/office/drawing/2014/main" id="{AC91A200-057C-E947-9789-46D5EA2406B5}"/>
-              </a:ext>
-            </a:extLst>
-          </p:cNvPr>
-          <p:cNvSpPr>
-            <a:spLocks noGrp="1"/>
-          </p:cNvSpPr>
-          <p:nvPr>
-            <p:ph type="title"/>
-          </p:nvPr>
-        </p:nvSpPr>
-        <p:spPr>
-          <a:xfrm>
-            <a:off x="401444" y="344053"/>
-            <a:ext cx="7939668" cy="1245315"/>
-          </a:xfrm>
-        </p:spPr>
-        <p:txBody>
-          <a:bodyPr vert="horz" lIns="91440" tIns="45720" rIns="91440" bIns="45720" rtlCol="0" anchor="t">
-            <a:noAutofit/>
-          </a:bodyPr>
-          <a:lstStyle/>
-          <a:p>
-            <a:r>
-              <a:rPr lang="en-US" sz="4000" b="1" cap="all" dirty="0">
-                <a:solidFill>
-                  <a:schemeClr val="bg1"/>
-                </a:solidFill>
-              </a:rPr>
-              <a:t>Checking for Correlations</a:t>
-            </a:r>
-            <a:endParaRPr lang="en-US" sz="4000" b="1" i="0" kern="1200" cap="all" baseline="0" dirty="0">
-              <a:solidFill>
-                <a:schemeClr val="bg1"/>
-              </a:solidFill>
-              <a:latin typeface="+mj-lt"/>
-              <a:ea typeface="+mj-ea"/>
-              <a:cs typeface="+mj-cs"/>
-            </a:endParaRPr>
-          </a:p>
-        </p:txBody>
-      </p:sp>
-      <p:sp>
-        <p:nvSpPr>
-          <p:cNvPr id="53" name="Graphic 17">
-            <a:extLst>
-              <a:ext uri="{FF2B5EF4-FFF2-40B4-BE49-F238E27FC236}">
-                <a16:creationId xmlns:a16="http://schemas.microsoft.com/office/drawing/2014/main" id="{B71758F4-3F46-45DA-8AC5-4E508DA080BA}"/>
-              </a:ext>
-              <a:ext uri="{C183D7F6-B498-43B3-948B-1728B52AA6E4}">
-                <adec:decorative xmlns:adec="http://schemas.microsoft.com/office/drawing/2017/decorative" val="1"/>
-              </a:ext>
-            </a:extLst>
-          </p:cNvPr>
-          <p:cNvSpPr>
-            <a:spLocks noGrp="1" noRot="1" noChangeAspect="1" noMove="1" noResize="1" noEditPoints="1" noAdjustHandles="1" noChangeArrowheads="1" noChangeShapeType="1" noTextEdit="1"/>
-          </p:cNvSpPr>
-          <p:nvPr>
-            <p:extLst>
-              <p:ext uri="{386F3935-93C4-4BCD-93E2-E3B085C9AB24}">
-                <p16:designElem xmlns:p16="http://schemas.microsoft.com/office/powerpoint/2015/main" val="1"/>
-              </p:ext>
-            </p:extLst>
-          </p:nvPr>
-        </p:nvSpPr>
-        <p:spPr>
-          <a:xfrm>
-            <a:off x="11512034" y="1267063"/>
-            <a:ext cx="139037" cy="139039"/>
-          </a:xfrm>
-          <a:custGeom>
-            <a:avLst/>
-            <a:gdLst>
-              <a:gd name="connsiteX0" fmla="*/ 129600 w 139037"/>
-              <a:gd name="connsiteY0" fmla="*/ 60082 h 139039"/>
-              <a:gd name="connsiteX1" fmla="*/ 78955 w 139037"/>
-              <a:gd name="connsiteY1" fmla="*/ 60082 h 139039"/>
-              <a:gd name="connsiteX2" fmla="*/ 78955 w 139037"/>
-              <a:gd name="connsiteY2" fmla="*/ 9437 h 139039"/>
-              <a:gd name="connsiteX3" fmla="*/ 69519 w 139037"/>
-              <a:gd name="connsiteY3" fmla="*/ 0 h 139039"/>
-              <a:gd name="connsiteX4" fmla="*/ 60082 w 139037"/>
-              <a:gd name="connsiteY4" fmla="*/ 9437 h 139039"/>
-              <a:gd name="connsiteX5" fmla="*/ 60082 w 139037"/>
-              <a:gd name="connsiteY5" fmla="*/ 60082 h 139039"/>
-              <a:gd name="connsiteX6" fmla="*/ 9437 w 139037"/>
-              <a:gd name="connsiteY6" fmla="*/ 60082 h 139039"/>
-              <a:gd name="connsiteX7" fmla="*/ 0 w 139037"/>
-              <a:gd name="connsiteY7" fmla="*/ 69520 h 139039"/>
-              <a:gd name="connsiteX8" fmla="*/ 9437 w 139037"/>
-              <a:gd name="connsiteY8" fmla="*/ 78957 h 139039"/>
-              <a:gd name="connsiteX9" fmla="*/ 60082 w 139037"/>
-              <a:gd name="connsiteY9" fmla="*/ 78957 h 139039"/>
-              <a:gd name="connsiteX10" fmla="*/ 60082 w 139037"/>
-              <a:gd name="connsiteY10" fmla="*/ 129602 h 139039"/>
-              <a:gd name="connsiteX11" fmla="*/ 69519 w 139037"/>
-              <a:gd name="connsiteY11" fmla="*/ 139039 h 139039"/>
-              <a:gd name="connsiteX12" fmla="*/ 78955 w 139037"/>
-              <a:gd name="connsiteY12" fmla="*/ 129602 h 139039"/>
-              <a:gd name="connsiteX13" fmla="*/ 78955 w 139037"/>
-              <a:gd name="connsiteY13" fmla="*/ 78957 h 139039"/>
-              <a:gd name="connsiteX14" fmla="*/ 129600 w 139037"/>
-              <a:gd name="connsiteY14" fmla="*/ 78957 h 139039"/>
-              <a:gd name="connsiteX15" fmla="*/ 139037 w 139037"/>
-              <a:gd name="connsiteY15" fmla="*/ 69520 h 139039"/>
-              <a:gd name="connsiteX16" fmla="*/ 129600 w 139037"/>
-              <a:gd name="connsiteY16" fmla="*/ 60082 h 139039"/>
-            </a:gdLst>
-            <a:ahLst/>
-            <a:cxnLst>
-              <a:cxn ang="0">
-                <a:pos x="connsiteX0" y="connsiteY0"/>
-              </a:cxn>
-              <a:cxn ang="0">
-                <a:pos x="connsiteX1" y="connsiteY1"/>
-              </a:cxn>
-              <a:cxn ang="0">
-                <a:pos x="connsiteX2" y="connsiteY2"/>
-              </a:cxn>
-              <a:cxn ang="0">
-                <a:pos x="connsiteX3" y="connsiteY3"/>
-              </a:cxn>
-              <a:cxn ang="0">
-                <a:pos x="connsiteX4" y="connsiteY4"/>
-              </a:cxn>
-              <a:cxn ang="0">
-                <a:pos x="connsiteX5" y="connsiteY5"/>
-              </a:cxn>
-              <a:cxn ang="0">
-                <a:pos x="connsiteX6" y="connsiteY6"/>
-              </a:cxn>
-              <a:cxn ang="0">
-                <a:pos x="connsiteX7" y="connsiteY7"/>
-              </a:cxn>
-              <a:cxn ang="0">
-                <a:pos x="connsiteX8" y="connsiteY8"/>
-              </a:cxn>
-              <a:cxn ang="0">
-                <a:pos x="connsiteX9" y="connsiteY9"/>
-              </a:cxn>
-              <a:cxn ang="0">
-                <a:pos x="connsiteX10" y="connsiteY10"/>
-              </a:cxn>
-              <a:cxn ang="0">
-                <a:pos x="connsiteX11" y="connsiteY11"/>
-              </a:cxn>
-              <a:cxn ang="0">
-                <a:pos x="connsiteX12" y="connsiteY12"/>
-              </a:cxn>
-              <a:cxn ang="0">
-                <a:pos x="connsiteX13" y="connsiteY13"/>
-              </a:cxn>
-              <a:cxn ang="0">
-                <a:pos x="connsiteX14" y="connsiteY14"/>
-              </a:cxn>
-              <a:cxn ang="0">
-                <a:pos x="connsiteX15" y="connsiteY15"/>
-              </a:cxn>
-              <a:cxn ang="0">
-                <a:pos x="connsiteX16" y="connsiteY16"/>
-              </a:cxn>
-            </a:cxnLst>
-            <a:rect l="l" t="t" r="r" b="b"/>
-            <a:pathLst>
-              <a:path w="139037" h="139039">
-                <a:moveTo>
-                  <a:pt x="129600" y="60082"/>
-                </a:moveTo>
-                <a:lnTo>
-                  <a:pt x="78955" y="60082"/>
-                </a:lnTo>
-                <a:lnTo>
-                  <a:pt x="78955" y="9437"/>
-                </a:lnTo>
-                <a:cubicBezTo>
-                  <a:pt x="78955" y="4225"/>
-                  <a:pt x="74730" y="0"/>
-                  <a:pt x="69519" y="0"/>
-                </a:cubicBezTo>
-                <a:cubicBezTo>
-                  <a:pt x="64307" y="0"/>
-                  <a:pt x="60082" y="4225"/>
-                  <a:pt x="60082" y="9437"/>
-                </a:cubicBezTo>
-                <a:lnTo>
-                  <a:pt x="60082" y="60082"/>
-                </a:lnTo>
-                <a:lnTo>
-                  <a:pt x="9437" y="60082"/>
-                </a:lnTo>
-                <a:cubicBezTo>
-                  <a:pt x="4225" y="60082"/>
-                  <a:pt x="0" y="64308"/>
-                  <a:pt x="0" y="69520"/>
-                </a:cubicBezTo>
-                <a:cubicBezTo>
-                  <a:pt x="0" y="74731"/>
-                  <a:pt x="4225" y="78957"/>
-                  <a:pt x="9437" y="78957"/>
-                </a:cubicBezTo>
-                <a:lnTo>
-                  <a:pt x="60082" y="78957"/>
-                </a:lnTo>
-                <a:lnTo>
-                  <a:pt x="60082" y="129602"/>
-                </a:lnTo>
-                <a:cubicBezTo>
-                  <a:pt x="60082" y="134814"/>
-                  <a:pt x="64307" y="139039"/>
-                  <a:pt x="69519" y="139039"/>
-                </a:cubicBezTo>
-                <a:cubicBezTo>
-                  <a:pt x="74730" y="139039"/>
-                  <a:pt x="78955" y="134814"/>
-                  <a:pt x="78955" y="129602"/>
-                </a:cubicBezTo>
-                <a:lnTo>
-                  <a:pt x="78955" y="78957"/>
-                </a:lnTo>
-                <a:lnTo>
-                  <a:pt x="129600" y="78957"/>
-                </a:lnTo>
-                <a:cubicBezTo>
-                  <a:pt x="134812" y="78957"/>
-                  <a:pt x="139037" y="74731"/>
-                  <a:pt x="139037" y="69520"/>
-                </a:cubicBezTo>
-                <a:cubicBezTo>
-                  <a:pt x="139037" y="64308"/>
-                  <a:pt x="134812" y="60082"/>
-                  <a:pt x="129600" y="60082"/>
-                </a:cubicBezTo>
-                <a:close/>
-              </a:path>
-            </a:pathLst>
-          </a:custGeom>
-          <a:solidFill>
-            <a:schemeClr val="bg1"/>
-          </a:solidFill>
-          <a:ln w="603" cap="flat">
-            <a:noFill/>
-            <a:prstDash val="solid"/>
-            <a:miter/>
-          </a:ln>
-        </p:spPr>
-        <p:txBody>
-          <a:bodyPr rtlCol="0" anchor="ctr"/>
-          <a:lstStyle/>
-          <a:p>
-            <a:endParaRPr lang="en-US"/>
-          </a:p>
-        </p:txBody>
-      </p:sp>
-      <p:cxnSp>
-        <p:nvCxnSpPr>
-          <p:cNvPr id="55" name="Straight Connector 54">
-            <a:extLst>
-              <a:ext uri="{FF2B5EF4-FFF2-40B4-BE49-F238E27FC236}">
-                <a16:creationId xmlns:a16="http://schemas.microsoft.com/office/drawing/2014/main" id="{56020367-4FD5-4596-8E10-C5F095CD8DBF}"/>
-              </a:ext>
-              <a:ext uri="{C183D7F6-B498-43B3-948B-1728B52AA6E4}">
-                <adec:decorative xmlns:adec="http://schemas.microsoft.com/office/drawing/2017/decorative" val="1"/>
-              </a:ext>
-            </a:extLst>
-          </p:cNvPr>
-          <p:cNvCxnSpPr>
-            <a:cxnSpLocks noGrp="1" noRot="1" noChangeAspect="1" noMove="1" noResize="1" noEditPoints="1" noAdjustHandles="1" noChangeArrowheads="1" noChangeShapeType="1"/>
-          </p:cNvCxnSpPr>
-          <p:nvPr>
-            <p:extLst>
-              <p:ext uri="{386F3935-93C4-4BCD-93E2-E3B085C9AB24}">
-                <p16:designElem xmlns:p16="http://schemas.microsoft.com/office/powerpoint/2015/main" val="1"/>
-              </p:ext>
-            </p:extLst>
-          </p:nvPr>
-        </p:nvCxnSpPr>
-        <p:spPr>
-          <a:xfrm>
-            <a:off x="5447322" y="1589368"/>
-            <a:ext cx="0" cy="5259754"/>
-          </a:xfrm>
-          <a:prstGeom prst="line">
-            <a:avLst/>
-          </a:prstGeom>
-          <a:ln w="25400" cap="sq">
-            <a:solidFill>
-              <a:schemeClr val="bg1"/>
-            </a:solidFill>
-            <a:bevel/>
-          </a:ln>
-        </p:spPr>
-        <p:style>
-          <a:lnRef idx="1">
-            <a:schemeClr val="accent1"/>
-          </a:lnRef>
-          <a:fillRef idx="0">
-            <a:schemeClr val="accent1"/>
-          </a:fillRef>
-          <a:effectRef idx="0">
-            <a:schemeClr val="accent1"/>
-          </a:effectRef>
-          <a:fontRef idx="minor">
-            <a:schemeClr val="tx1"/>
-          </a:fontRef>
-        </p:style>
-      </p:cxnSp>
-      <p:pic>
-        <p:nvPicPr>
-          <p:cNvPr id="15" name="Picture 14" descr="Chart, histogram&#10;&#10;Description automatically generated">
-            <a:extLst>
-              <a:ext uri="{FF2B5EF4-FFF2-40B4-BE49-F238E27FC236}">
-                <a16:creationId xmlns:a16="http://schemas.microsoft.com/office/drawing/2014/main" id="{09769776-E09F-5A40-932F-2436038EB92D}"/>
-              </a:ext>
-            </a:extLst>
-          </p:cNvPr>
-          <p:cNvPicPr>
-            <a:picLocks noChangeAspect="1"/>
-          </p:cNvPicPr>
-          <p:nvPr/>
-        </p:nvPicPr>
-        <p:blipFill>
-          <a:blip r:embed="rId2"/>
-          <a:stretch>
-            <a:fillRect/>
-          </a:stretch>
-        </p:blipFill>
-        <p:spPr>
-          <a:xfrm>
-            <a:off x="5986926" y="1601919"/>
-            <a:ext cx="5569864" cy="4776157"/>
-          </a:xfrm>
-          <a:prstGeom prst="rect">
-            <a:avLst/>
-          </a:prstGeom>
-        </p:spPr>
-      </p:pic>
-      <p:sp>
-        <p:nvSpPr>
-          <p:cNvPr id="57" name="Graphic 21">
-            <a:extLst>
-              <a:ext uri="{FF2B5EF4-FFF2-40B4-BE49-F238E27FC236}">
-                <a16:creationId xmlns:a16="http://schemas.microsoft.com/office/drawing/2014/main" id="{8D61482F-F3C5-4D66-8C5D-C6BBE3E1275C}"/>
-              </a:ext>
-              <a:ext uri="{C183D7F6-B498-43B3-948B-1728B52AA6E4}">
-                <adec:decorative xmlns:adec="http://schemas.microsoft.com/office/drawing/2017/decorative" val="1"/>
-              </a:ext>
-            </a:extLst>
-          </p:cNvPr>
-          <p:cNvSpPr>
-            <a:spLocks noGrp="1" noRot="1" noChangeAspect="1" noMove="1" noResize="1" noEditPoints="1" noAdjustHandles="1" noChangeArrowheads="1" noChangeShapeType="1" noTextEdit="1"/>
-          </p:cNvSpPr>
-          <p:nvPr>
-            <p:extLst>
-              <p:ext uri="{386F3935-93C4-4BCD-93E2-E3B085C9AB24}">
-                <p16:designElem xmlns:p16="http://schemas.microsoft.com/office/powerpoint/2015/main" val="1"/>
-              </p:ext>
-            </p:extLst>
-          </p:nvPr>
-        </p:nvSpPr>
-        <p:spPr>
-          <a:xfrm>
-            <a:off x="11752801" y="1659316"/>
-            <a:ext cx="127713" cy="127714"/>
-          </a:xfrm>
-          <a:custGeom>
-            <a:avLst/>
-            <a:gdLst>
-              <a:gd name="connsiteX0" fmla="*/ 63857 w 127713"/>
-              <a:gd name="connsiteY0" fmla="*/ 18874 h 127714"/>
-              <a:gd name="connsiteX1" fmla="*/ 108839 w 127713"/>
-              <a:gd name="connsiteY1" fmla="*/ 63857 h 127714"/>
-              <a:gd name="connsiteX2" fmla="*/ 63857 w 127713"/>
-              <a:gd name="connsiteY2" fmla="*/ 108840 h 127714"/>
-              <a:gd name="connsiteX3" fmla="*/ 18874 w 127713"/>
-              <a:gd name="connsiteY3" fmla="*/ 63857 h 127714"/>
-              <a:gd name="connsiteX4" fmla="*/ 63857 w 127713"/>
-              <a:gd name="connsiteY4" fmla="*/ 18874 h 127714"/>
-              <a:gd name="connsiteX5" fmla="*/ 63857 w 127713"/>
-              <a:gd name="connsiteY5" fmla="*/ 0 h 127714"/>
-              <a:gd name="connsiteX6" fmla="*/ 0 w 127713"/>
-              <a:gd name="connsiteY6" fmla="*/ 63857 h 127714"/>
-              <a:gd name="connsiteX7" fmla="*/ 63857 w 127713"/>
-              <a:gd name="connsiteY7" fmla="*/ 127714 h 127714"/>
-              <a:gd name="connsiteX8" fmla="*/ 127713 w 127713"/>
-              <a:gd name="connsiteY8" fmla="*/ 63857 h 127714"/>
-              <a:gd name="connsiteX9" fmla="*/ 63857 w 127713"/>
-              <a:gd name="connsiteY9" fmla="*/ 0 h 127714"/>
-            </a:gdLst>
-            <a:ahLst/>
-            <a:cxnLst>
-              <a:cxn ang="0">
-                <a:pos x="connsiteX0" y="connsiteY0"/>
-              </a:cxn>
-              <a:cxn ang="0">
-                <a:pos x="connsiteX1" y="connsiteY1"/>
-              </a:cxn>
-              <a:cxn ang="0">
-                <a:pos x="connsiteX2" y="connsiteY2"/>
-              </a:cxn>
-              <a:cxn ang="0">
-                <a:pos x="connsiteX3" y="connsiteY3"/>
-              </a:cxn>
-              <a:cxn ang="0">
-                <a:pos x="connsiteX4" y="connsiteY4"/>
-              </a:cxn>
-              <a:cxn ang="0">
-                <a:pos x="connsiteX5" y="connsiteY5"/>
-              </a:cxn>
-              <a:cxn ang="0">
-                <a:pos x="connsiteX6" y="connsiteY6"/>
-              </a:cxn>
-              <a:cxn ang="0">
-                <a:pos x="connsiteX7" y="connsiteY7"/>
-              </a:cxn>
-              <a:cxn ang="0">
-                <a:pos x="connsiteX8" y="connsiteY8"/>
-              </a:cxn>
-              <a:cxn ang="0">
-                <a:pos x="connsiteX9" y="connsiteY9"/>
-              </a:cxn>
-            </a:cxnLst>
-            <a:rect l="l" t="t" r="r" b="b"/>
-            <a:pathLst>
-              <a:path w="127713" h="127714">
-                <a:moveTo>
-                  <a:pt x="63857" y="18874"/>
-                </a:moveTo>
-                <a:cubicBezTo>
-                  <a:pt x="88700" y="18874"/>
-                  <a:pt x="108839" y="39014"/>
-                  <a:pt x="108839" y="63857"/>
-                </a:cubicBezTo>
-                <a:cubicBezTo>
-                  <a:pt x="108839" y="88700"/>
-                  <a:pt x="88700" y="108840"/>
-                  <a:pt x="63857" y="108840"/>
-                </a:cubicBezTo>
-                <a:cubicBezTo>
-                  <a:pt x="39013" y="108840"/>
-                  <a:pt x="18874" y="88700"/>
-                  <a:pt x="18874" y="63857"/>
-                </a:cubicBezTo>
-                <a:cubicBezTo>
-                  <a:pt x="18898" y="39024"/>
-                  <a:pt x="39023" y="18898"/>
-                  <a:pt x="63857" y="18874"/>
-                </a:cubicBezTo>
-                <a:moveTo>
-                  <a:pt x="63857" y="0"/>
-                </a:moveTo>
-                <a:cubicBezTo>
-                  <a:pt x="28590" y="0"/>
-                  <a:pt x="0" y="28590"/>
-                  <a:pt x="0" y="63857"/>
-                </a:cubicBezTo>
-                <a:cubicBezTo>
-                  <a:pt x="0" y="99124"/>
-                  <a:pt x="28590" y="127714"/>
-                  <a:pt x="63857" y="127714"/>
-                </a:cubicBezTo>
-                <a:cubicBezTo>
-                  <a:pt x="99124" y="127714"/>
-                  <a:pt x="127713" y="99124"/>
-                  <a:pt x="127713" y="63857"/>
-                </a:cubicBezTo>
-                <a:cubicBezTo>
-                  <a:pt x="127713" y="28590"/>
-                  <a:pt x="99124" y="0"/>
-                  <a:pt x="63857" y="0"/>
-                </a:cubicBezTo>
-                <a:close/>
-              </a:path>
-            </a:pathLst>
-          </a:custGeom>
-          <a:solidFill>
-            <a:schemeClr val="bg1"/>
-          </a:solidFill>
-          <a:ln w="610" cap="flat">
-            <a:noFill/>
-            <a:prstDash val="solid"/>
-            <a:miter/>
-          </a:ln>
-        </p:spPr>
-        <p:txBody>
-          <a:bodyPr rtlCol="0" anchor="ctr"/>
-          <a:lstStyle/>
-          <a:p>
-            <a:endParaRPr lang="en-US"/>
-          </a:p>
-        </p:txBody>
-      </p:sp>
-      <p:sp>
-        <p:nvSpPr>
-          <p:cNvPr id="16" name="TextBox 15">
-            <a:extLst>
-              <a:ext uri="{FF2B5EF4-FFF2-40B4-BE49-F238E27FC236}">
-                <a16:creationId xmlns:a16="http://schemas.microsoft.com/office/drawing/2014/main" id="{60A84F9F-322A-2641-B0F5-B1FB06810982}"/>
+          <p:cNvPr id="28" name="TextBox 27">
+            <a:extLst>
+              <a:ext uri="{FF2B5EF4-FFF2-40B4-BE49-F238E27FC236}">
+                <a16:creationId xmlns:a16="http://schemas.microsoft.com/office/drawing/2014/main" id="{A1913D5B-8BFC-BF4A-A05F-248DE26C54F7}"/>
               </a:ext>
             </a:extLst>
           </p:cNvPr>
@@ -15557,8 +17116,8 @@
         </p:nvSpPr>
         <p:spPr>
           <a:xfrm>
-            <a:off x="624468" y="2096429"/>
-            <a:ext cx="3479181" cy="3416320"/>
+            <a:off x="9170813" y="4938112"/>
+            <a:ext cx="1970980" cy="1477328"/>
           </a:xfrm>
           <a:prstGeom prst="rect">
             <a:avLst/>
@@ -15571,1700 +17130,41 @@
           </a:bodyPr>
           <a:lstStyle/>
           <a:p>
-            <a:pPr marL="285750" indent="-285750">
-              <a:buFont typeface="Arial" panose="020B0604020202020204" pitchFamily="34" charset="0"/>
-              <a:buChar char="•"/>
-            </a:pPr>
             <a:r>
-              <a:rPr lang="en-US" dirty="0">
-                <a:solidFill>
-                  <a:schemeClr val="bg1"/>
-                </a:solidFill>
-              </a:rPr>
-              <a:t>Minimal collinearity in dataset</a:t>
+              <a:rPr lang="en-US" dirty="0"/>
+              <a:t>Accuracy: 75%</a:t>
             </a:r>
           </a:p>
           <a:p>
-            <a:pPr marL="285750" indent="-285750">
-              <a:buFont typeface="Arial" panose="020B0604020202020204" pitchFamily="34" charset="0"/>
-              <a:buChar char="•"/>
-            </a:pPr>
-            <a:endParaRPr lang="en-US" dirty="0">
-              <a:solidFill>
-                <a:schemeClr val="bg1"/>
-              </a:solidFill>
-            </a:endParaRPr>
-          </a:p>
-          <a:p>
-            <a:pPr marL="285750" indent="-285750">
-              <a:buFont typeface="Arial" panose="020B0604020202020204" pitchFamily="34" charset="0"/>
-              <a:buChar char="•"/>
-            </a:pPr>
             <a:r>
-              <a:rPr lang="en-US" dirty="0">
-                <a:solidFill>
-                  <a:schemeClr val="bg1"/>
-                </a:solidFill>
-              </a:rPr>
-              <a:t>Primary concerns include services</a:t>
+              <a:rPr lang="en-US" dirty="0"/>
+              <a:t>Precision: 52%</a:t>
             </a:r>
           </a:p>
           <a:p>
-            <a:pPr marL="742950" lvl="1" indent="-285750">
-              <a:buFont typeface="Arial" panose="020B0604020202020204" pitchFamily="34" charset="0"/>
-              <a:buChar char="•"/>
-            </a:pPr>
-            <a:endParaRPr lang="en-US" dirty="0">
-              <a:solidFill>
-                <a:schemeClr val="bg1"/>
-              </a:solidFill>
-            </a:endParaRPr>
-          </a:p>
-          <a:p>
-            <a:pPr marL="742950" lvl="1" indent="-285750">
-              <a:buFont typeface="Arial" panose="020B0604020202020204" pitchFamily="34" charset="0"/>
-              <a:buChar char="•"/>
-            </a:pPr>
             <a:r>
-              <a:rPr lang="en-US" dirty="0" err="1">
-                <a:solidFill>
-                  <a:schemeClr val="bg1"/>
-                </a:solidFill>
-              </a:rPr>
-              <a:t>InternetService</a:t>
+              <a:rPr lang="en-US" dirty="0"/>
+              <a:t>Recall:      80%</a:t>
             </a:r>
-            <a:endParaRPr lang="en-US" dirty="0">
-              <a:solidFill>
-                <a:schemeClr val="bg1"/>
-              </a:solidFill>
-            </a:endParaRPr>
-          </a:p>
-          <a:p>
-            <a:pPr marL="742950" lvl="1" indent="-285750">
-              <a:buFont typeface="Arial" panose="020B0604020202020204" pitchFamily="34" charset="0"/>
-              <a:buChar char="•"/>
-            </a:pPr>
+          </a:p>
+          <a:p>
             <a:r>
-              <a:rPr lang="en-US" dirty="0" err="1">
-                <a:solidFill>
-                  <a:schemeClr val="bg1"/>
-                </a:solidFill>
-              </a:rPr>
-              <a:t>OnlineSecurity</a:t>
+              <a:rPr lang="en-US" dirty="0"/>
+              <a:t>F1:           63%</a:t>
             </a:r>
-            <a:endParaRPr lang="en-US" dirty="0">
-              <a:solidFill>
-                <a:schemeClr val="bg1"/>
-              </a:solidFill>
-            </a:endParaRPr>
-          </a:p>
-          <a:p>
-            <a:pPr marL="742950" lvl="1" indent="-285750">
-              <a:buFont typeface="Arial" panose="020B0604020202020204" pitchFamily="34" charset="0"/>
-              <a:buChar char="•"/>
-            </a:pPr>
+          </a:p>
+          <a:p>
             <a:r>
-              <a:rPr lang="en-US" dirty="0" err="1">
-                <a:solidFill>
-                  <a:schemeClr val="bg1"/>
-                </a:solidFill>
-              </a:rPr>
-              <a:t>OnlineBackup</a:t>
+              <a:rPr lang="en-US" dirty="0"/>
+              <a:t>AUC:       76%</a:t>
             </a:r>
-            <a:endParaRPr lang="en-US" dirty="0">
-              <a:solidFill>
-                <a:schemeClr val="bg1"/>
-              </a:solidFill>
-            </a:endParaRPr>
-          </a:p>
-          <a:p>
-            <a:pPr marL="742950" lvl="1" indent="-285750">
-              <a:buFont typeface="Arial" panose="020B0604020202020204" pitchFamily="34" charset="0"/>
-              <a:buChar char="•"/>
-            </a:pPr>
-            <a:r>
-              <a:rPr lang="en-US" dirty="0" err="1">
-                <a:solidFill>
-                  <a:schemeClr val="bg1"/>
-                </a:solidFill>
-              </a:rPr>
-              <a:t>DeviceProtection</a:t>
-            </a:r>
-            <a:endParaRPr lang="en-US" dirty="0">
-              <a:solidFill>
-                <a:schemeClr val="bg1"/>
-              </a:solidFill>
-            </a:endParaRPr>
-          </a:p>
-          <a:p>
-            <a:pPr marL="742950" lvl="1" indent="-285750">
-              <a:buFont typeface="Arial" panose="020B0604020202020204" pitchFamily="34" charset="0"/>
-              <a:buChar char="•"/>
-            </a:pPr>
-            <a:r>
-              <a:rPr lang="en-US" dirty="0" err="1">
-                <a:solidFill>
-                  <a:schemeClr val="bg1"/>
-                </a:solidFill>
-              </a:rPr>
-              <a:t>StreamingTV</a:t>
-            </a:r>
-            <a:endParaRPr lang="en-US" dirty="0">
-              <a:solidFill>
-                <a:schemeClr val="bg1"/>
-              </a:solidFill>
-            </a:endParaRPr>
-          </a:p>
-          <a:p>
-            <a:pPr marL="742950" lvl="1" indent="-285750">
-              <a:buFont typeface="Arial" panose="020B0604020202020204" pitchFamily="34" charset="0"/>
-              <a:buChar char="•"/>
-            </a:pPr>
-            <a:r>
-              <a:rPr lang="en-US" dirty="0" err="1">
-                <a:solidFill>
-                  <a:schemeClr val="bg1"/>
-                </a:solidFill>
-              </a:rPr>
-              <a:t>StreamingMovies</a:t>
-            </a:r>
-            <a:endParaRPr lang="en-US" dirty="0">
-              <a:solidFill>
-                <a:schemeClr val="bg1"/>
-              </a:solidFill>
-            </a:endParaRPr>
-          </a:p>
-          <a:p>
-            <a:pPr marL="742950" lvl="1" indent="-285750">
-              <a:buFont typeface="Arial" panose="020B0604020202020204" pitchFamily="34" charset="0"/>
-              <a:buChar char="•"/>
-            </a:pPr>
-            <a:r>
-              <a:rPr lang="en-US" dirty="0">
-                <a:solidFill>
-                  <a:schemeClr val="bg1"/>
-                </a:solidFill>
-              </a:rPr>
-              <a:t>Etc..</a:t>
-            </a:r>
-            <a:endParaRPr lang="en-US" dirty="0"/>
           </a:p>
         </p:txBody>
       </p:sp>
     </p:spTree>
     <p:extLst>
       <p:ext uri="{BB962C8B-B14F-4D97-AF65-F5344CB8AC3E}">
-        <p14:creationId xmlns:p14="http://schemas.microsoft.com/office/powerpoint/2010/main" val="1066703169"/>
-      </p:ext>
-    </p:extLst>
-  </p:cSld>
-  <p:clrMapOvr>
-    <a:masterClrMapping/>
-  </p:clrMapOvr>
-</p:sld>
-</file>
-
-<file path=ppt/slides/slide7.xml><?xml version="1.0" encoding="utf-8"?>
-<p:sld xmlns:a="http://schemas.openxmlformats.org/drawingml/2006/main" xmlns:r="http://schemas.openxmlformats.org/officeDocument/2006/relationships" xmlns:p="http://schemas.openxmlformats.org/presentationml/2006/main">
-  <p:cSld>
-    <p:bg>
-      <p:bgPr>
-        <a:solidFill>
-          <a:schemeClr val="bg1"/>
-        </a:solidFill>
-        <a:effectLst/>
-      </p:bgPr>
-    </p:bg>
-    <p:spTree>
-      <p:nvGrpSpPr>
-        <p:cNvPr id="1" name=""/>
-        <p:cNvGrpSpPr/>
-        <p:nvPr/>
-      </p:nvGrpSpPr>
-      <p:grpSpPr>
-        <a:xfrm>
-          <a:off x="0" y="0"/>
-          <a:ext cx="0" cy="0"/>
-          <a:chOff x="0" y="0"/>
-          <a:chExt cx="0" cy="0"/>
-        </a:xfrm>
-      </p:grpSpPr>
-      <p:sp useBgFill="1">
-        <p:nvSpPr>
-          <p:cNvPr id="21" name="Rectangle 20">
-            <a:extLst>
-              <a:ext uri="{FF2B5EF4-FFF2-40B4-BE49-F238E27FC236}">
-                <a16:creationId xmlns:a16="http://schemas.microsoft.com/office/drawing/2014/main" id="{A2679492-7988-4050-9056-542444452411}"/>
-              </a:ext>
-              <a:ext uri="{C183D7F6-B498-43B3-948B-1728B52AA6E4}">
-                <adec:decorative xmlns:adec="http://schemas.microsoft.com/office/drawing/2017/decorative" val="1"/>
-              </a:ext>
-            </a:extLst>
-          </p:cNvPr>
-          <p:cNvSpPr>
-            <a:spLocks noGrp="1" noRot="1" noChangeAspect="1" noMove="1" noResize="1" noEditPoints="1" noAdjustHandles="1" noChangeArrowheads="1" noChangeShapeType="1" noTextEdit="1"/>
-          </p:cNvSpPr>
-          <p:nvPr>
-            <p:extLst>
-              <p:ext uri="{386F3935-93C4-4BCD-93E2-E3B085C9AB24}">
-                <p16:designElem xmlns:p16="http://schemas.microsoft.com/office/powerpoint/2015/main" val="1"/>
-              </p:ext>
-            </p:extLst>
-          </p:nvPr>
-        </p:nvSpPr>
-        <p:spPr>
-          <a:xfrm>
-            <a:off x="0" y="0"/>
-            <a:ext cx="12192000" cy="6858000"/>
-          </a:xfrm>
-          <a:prstGeom prst="rect">
-            <a:avLst/>
-          </a:prstGeom>
-          <a:ln>
-            <a:noFill/>
-          </a:ln>
-        </p:spPr>
-        <p:style>
-          <a:lnRef idx="2">
-            <a:schemeClr val="accent1">
-              <a:shade val="50000"/>
-            </a:schemeClr>
-          </a:lnRef>
-          <a:fillRef idx="1">
-            <a:schemeClr val="accent1"/>
-          </a:fillRef>
-          <a:effectRef idx="0">
-            <a:schemeClr val="accent1"/>
-          </a:effectRef>
-          <a:fontRef idx="minor">
-            <a:schemeClr val="lt1"/>
-          </a:fontRef>
-        </p:style>
-        <p:txBody>
-          <a:bodyPr rtlCol="0" anchor="ctr"/>
-          <a:lstStyle/>
-          <a:p>
-            <a:pPr algn="ctr"/>
-            <a:endParaRPr lang="en-US"/>
-          </a:p>
-        </p:txBody>
-      </p:sp>
-      <p:sp>
-        <p:nvSpPr>
-          <p:cNvPr id="2" name="Title 1">
-            <a:extLst>
-              <a:ext uri="{FF2B5EF4-FFF2-40B4-BE49-F238E27FC236}">
-                <a16:creationId xmlns:a16="http://schemas.microsoft.com/office/drawing/2014/main" id="{AC91A200-057C-E947-9789-46D5EA2406B5}"/>
-              </a:ext>
-            </a:extLst>
-          </p:cNvPr>
-          <p:cNvSpPr>
-            <a:spLocks noGrp="1"/>
-          </p:cNvSpPr>
-          <p:nvPr>
-            <p:ph type="title"/>
-          </p:nvPr>
-        </p:nvSpPr>
-        <p:spPr>
-          <a:xfrm>
-            <a:off x="6392583" y="501651"/>
-            <a:ext cx="4434720" cy="1716255"/>
-          </a:xfrm>
-        </p:spPr>
-        <p:txBody>
-          <a:bodyPr vert="horz" lIns="91440" tIns="45720" rIns="91440" bIns="45720" rtlCol="0" anchor="b">
-            <a:normAutofit/>
-          </a:bodyPr>
-          <a:lstStyle/>
-          <a:p>
-            <a:r>
-              <a:rPr lang="en-US" sz="3800" b="1" kern="1200" cap="all" dirty="0">
-                <a:solidFill>
-                  <a:schemeClr val="tx1"/>
-                </a:solidFill>
-                <a:latin typeface="+mj-lt"/>
-                <a:ea typeface="+mj-ea"/>
-                <a:cs typeface="+mj-cs"/>
-              </a:rPr>
-              <a:t>EDA – High Collinearity</a:t>
-            </a:r>
-            <a:endParaRPr lang="en-US" sz="3800" b="1" i="0" kern="1200" cap="all" baseline="0" dirty="0">
-              <a:solidFill>
-                <a:schemeClr val="tx1"/>
-              </a:solidFill>
-              <a:latin typeface="+mj-lt"/>
-              <a:ea typeface="+mj-ea"/>
-              <a:cs typeface="+mj-cs"/>
-            </a:endParaRPr>
-          </a:p>
-        </p:txBody>
-      </p:sp>
-      <p:sp>
-        <p:nvSpPr>
-          <p:cNvPr id="23" name="Rectangle 22">
-            <a:extLst>
-              <a:ext uri="{FF2B5EF4-FFF2-40B4-BE49-F238E27FC236}">
-                <a16:creationId xmlns:a16="http://schemas.microsoft.com/office/drawing/2014/main" id="{B091B163-7D61-4891-ABCF-5C13D9C418D0}"/>
-              </a:ext>
-              <a:ext uri="{C183D7F6-B498-43B3-948B-1728B52AA6E4}">
-                <adec:decorative xmlns:adec="http://schemas.microsoft.com/office/drawing/2017/decorative" val="1"/>
-              </a:ext>
-            </a:extLst>
-          </p:cNvPr>
-          <p:cNvSpPr>
-            <a:spLocks noGrp="1" noRot="1" noChangeAspect="1" noMove="1" noResize="1" noEditPoints="1" noAdjustHandles="1" noChangeArrowheads="1" noChangeShapeType="1" noTextEdit="1"/>
-          </p:cNvSpPr>
-          <p:nvPr>
-            <p:extLst>
-              <p:ext uri="{386F3935-93C4-4BCD-93E2-E3B085C9AB24}">
-                <p16:designElem xmlns:p16="http://schemas.microsoft.com/office/powerpoint/2015/main" val="1"/>
-              </p:ext>
-            </p:extLst>
-          </p:nvPr>
-        </p:nvSpPr>
-        <p:spPr>
-          <a:xfrm>
-            <a:off x="0" y="0"/>
-            <a:ext cx="5779911" cy="6858000"/>
-          </a:xfrm>
-          <a:prstGeom prst="rect">
-            <a:avLst/>
-          </a:prstGeom>
-          <a:gradFill flip="none" rotWithShape="1">
-            <a:gsLst>
-              <a:gs pos="100000">
-                <a:schemeClr val="accent4"/>
-              </a:gs>
-              <a:gs pos="0">
-                <a:schemeClr val="accent2"/>
-              </a:gs>
-            </a:gsLst>
-            <a:lin ang="2700000" scaled="1"/>
-            <a:tileRect/>
-          </a:gradFill>
-          <a:ln>
-            <a:noFill/>
-          </a:ln>
-        </p:spPr>
-        <p:style>
-          <a:lnRef idx="2">
-            <a:schemeClr val="accent1">
-              <a:shade val="50000"/>
-            </a:schemeClr>
-          </a:lnRef>
-          <a:fillRef idx="1">
-            <a:schemeClr val="accent1"/>
-          </a:fillRef>
-          <a:effectRef idx="0">
-            <a:schemeClr val="accent1"/>
-          </a:effectRef>
-          <a:fontRef idx="minor">
-            <a:schemeClr val="lt1"/>
-          </a:fontRef>
-        </p:style>
-        <p:txBody>
-          <a:bodyPr rtlCol="0" anchor="ctr"/>
-          <a:lstStyle/>
-          <a:p>
-            <a:pPr algn="ctr"/>
-            <a:endParaRPr lang="en-US"/>
-          </a:p>
-        </p:txBody>
-      </p:sp>
-      <p:sp>
-        <p:nvSpPr>
-          <p:cNvPr id="16" name="TextBox 15">
-            <a:extLst>
-              <a:ext uri="{FF2B5EF4-FFF2-40B4-BE49-F238E27FC236}">
-                <a16:creationId xmlns:a16="http://schemas.microsoft.com/office/drawing/2014/main" id="{60A84F9F-322A-2641-B0F5-B1FB06810982}"/>
-              </a:ext>
-            </a:extLst>
-          </p:cNvPr>
-          <p:cNvSpPr txBox="1"/>
-          <p:nvPr/>
-        </p:nvSpPr>
-        <p:spPr>
-          <a:xfrm>
-            <a:off x="6392583" y="2645922"/>
-            <a:ext cx="4434721" cy="3710427"/>
-          </a:xfrm>
-          <a:prstGeom prst="rect">
-            <a:avLst/>
-          </a:prstGeom>
-        </p:spPr>
-        <p:txBody>
-          <a:bodyPr vert="horz" lIns="91440" tIns="45720" rIns="91440" bIns="45720" rtlCol="0" anchor="t">
-            <a:normAutofit lnSpcReduction="10000"/>
-          </a:bodyPr>
-          <a:lstStyle/>
-          <a:p>
-            <a:pPr marL="285750" indent="-228600">
-              <a:lnSpc>
-                <a:spcPct val="90000"/>
-              </a:lnSpc>
-              <a:spcAft>
-                <a:spcPts val="600"/>
-              </a:spcAft>
-              <a:buFont typeface="Arial" panose="020B0604020202020204" pitchFamily="34" charset="0"/>
-              <a:buChar char="•"/>
-            </a:pPr>
-            <a:r>
-              <a:rPr lang="en-US" dirty="0"/>
-              <a:t>Nearly identical churn rates across ‘services’ predictors </a:t>
-            </a:r>
-          </a:p>
-          <a:p>
-            <a:pPr marL="285750" indent="-228600">
-              <a:lnSpc>
-                <a:spcPct val="90000"/>
-              </a:lnSpc>
-              <a:spcAft>
-                <a:spcPts val="600"/>
-              </a:spcAft>
-              <a:buFont typeface="Arial" panose="020B0604020202020204" pitchFamily="34" charset="0"/>
-              <a:buChar char="•"/>
-            </a:pPr>
-            <a:endParaRPr lang="en-US" dirty="0"/>
-          </a:p>
-          <a:p>
-            <a:pPr marL="285750" indent="-228600">
-              <a:lnSpc>
-                <a:spcPct val="90000"/>
-              </a:lnSpc>
-              <a:spcAft>
-                <a:spcPts val="600"/>
-              </a:spcAft>
-              <a:buFont typeface="Arial" panose="020B0604020202020204" pitchFamily="34" charset="0"/>
-              <a:buChar char="•"/>
-            </a:pPr>
-            <a:r>
-              <a:rPr lang="en-US" dirty="0"/>
-              <a:t>Customers significantly more likely to churn if they:</a:t>
-            </a:r>
-          </a:p>
-          <a:p>
-            <a:pPr marL="742950" lvl="1" indent="-228600">
-              <a:lnSpc>
-                <a:spcPct val="90000"/>
-              </a:lnSpc>
-              <a:spcAft>
-                <a:spcPts val="600"/>
-              </a:spcAft>
-              <a:buFont typeface="Arial" panose="020B0604020202020204" pitchFamily="34" charset="0"/>
-              <a:buChar char="•"/>
-            </a:pPr>
-            <a:r>
-              <a:rPr lang="en-US" dirty="0"/>
-              <a:t>Pay for Internet</a:t>
-            </a:r>
-          </a:p>
-          <a:p>
-            <a:pPr marL="742950" lvl="1" indent="-228600">
-              <a:lnSpc>
-                <a:spcPct val="90000"/>
-              </a:lnSpc>
-              <a:spcAft>
-                <a:spcPts val="600"/>
-              </a:spcAft>
-              <a:buFont typeface="Arial" panose="020B0604020202020204" pitchFamily="34" charset="0"/>
-              <a:buChar char="•"/>
-            </a:pPr>
-            <a:r>
-              <a:rPr lang="en-US" dirty="0"/>
-              <a:t>Do not Pay for Services</a:t>
-            </a:r>
-          </a:p>
-          <a:p>
-            <a:pPr marL="285750" indent="-228600">
-              <a:lnSpc>
-                <a:spcPct val="90000"/>
-              </a:lnSpc>
-              <a:spcAft>
-                <a:spcPts val="600"/>
-              </a:spcAft>
-              <a:buFont typeface="Arial" panose="020B0604020202020204" pitchFamily="34" charset="0"/>
-              <a:buChar char="•"/>
-            </a:pPr>
-            <a:endParaRPr lang="en-US" dirty="0"/>
-          </a:p>
-          <a:p>
-            <a:pPr marL="285750" indent="-228600">
-              <a:lnSpc>
-                <a:spcPct val="90000"/>
-              </a:lnSpc>
-              <a:spcAft>
-                <a:spcPts val="600"/>
-              </a:spcAft>
-              <a:buFont typeface="Arial" panose="020B0604020202020204" pitchFamily="34" charset="0"/>
-              <a:buChar char="•"/>
-            </a:pPr>
-            <a:r>
-              <a:rPr lang="en-US" dirty="0"/>
-              <a:t>Feature Engineering:</a:t>
-            </a:r>
-          </a:p>
-          <a:p>
-            <a:pPr marL="742950" lvl="1" indent="-228600">
-              <a:lnSpc>
-                <a:spcPct val="90000"/>
-              </a:lnSpc>
-              <a:spcAft>
-                <a:spcPts val="600"/>
-              </a:spcAft>
-              <a:buFont typeface="Arial" panose="020B0604020202020204" pitchFamily="34" charset="0"/>
-              <a:buChar char="•"/>
-            </a:pPr>
-            <a:r>
-              <a:rPr lang="en-US" dirty="0"/>
-              <a:t>Paid Services Count</a:t>
-            </a:r>
-          </a:p>
-          <a:p>
-            <a:pPr marL="742950" lvl="1" indent="-228600">
-              <a:lnSpc>
-                <a:spcPct val="90000"/>
-              </a:lnSpc>
-              <a:spcAft>
-                <a:spcPts val="600"/>
-              </a:spcAft>
-              <a:buFont typeface="Arial" panose="020B0604020202020204" pitchFamily="34" charset="0"/>
-              <a:buChar char="•"/>
-            </a:pPr>
-            <a:r>
-              <a:rPr lang="en-US" dirty="0"/>
-              <a:t>Avg Price per Service</a:t>
-            </a:r>
-          </a:p>
-          <a:p>
-            <a:pPr marL="742950" lvl="1" indent="-228600">
-              <a:lnSpc>
-                <a:spcPct val="90000"/>
-              </a:lnSpc>
-              <a:spcAft>
-                <a:spcPts val="600"/>
-              </a:spcAft>
-              <a:buFont typeface="Arial" panose="020B0604020202020204" pitchFamily="34" charset="0"/>
-              <a:buChar char="•"/>
-            </a:pPr>
-            <a:r>
-              <a:rPr lang="en-US" dirty="0"/>
-              <a:t>Has Internet</a:t>
-            </a:r>
-          </a:p>
-        </p:txBody>
-      </p:sp>
-      <p:cxnSp>
-        <p:nvCxnSpPr>
-          <p:cNvPr id="25" name="Straight Connector 24">
-            <a:extLst>
-              <a:ext uri="{FF2B5EF4-FFF2-40B4-BE49-F238E27FC236}">
-                <a16:creationId xmlns:a16="http://schemas.microsoft.com/office/drawing/2014/main" id="{C49DA8F6-BCC1-4447-B54C-57856834B94B}"/>
-              </a:ext>
-              <a:ext uri="{C183D7F6-B498-43B3-948B-1728B52AA6E4}">
-                <adec:decorative xmlns:adec="http://schemas.microsoft.com/office/drawing/2017/decorative" val="1"/>
-              </a:ext>
-            </a:extLst>
-          </p:cNvPr>
-          <p:cNvCxnSpPr>
-            <a:cxnSpLocks noGrp="1" noRot="1" noChangeAspect="1" noMove="1" noResize="1" noEditPoints="1" noAdjustHandles="1" noChangeArrowheads="1" noChangeShapeType="1"/>
-          </p:cNvCxnSpPr>
-          <p:nvPr>
-            <p:extLst>
-              <p:ext uri="{386F3935-93C4-4BCD-93E2-E3B085C9AB24}">
-                <p16:designElem xmlns:p16="http://schemas.microsoft.com/office/powerpoint/2015/main" val="1"/>
-              </p:ext>
-            </p:extLst>
-          </p:nvPr>
-        </p:nvCxnSpPr>
-        <p:spPr>
-          <a:xfrm>
-            <a:off x="11586162" y="3610394"/>
-            <a:ext cx="0" cy="3238728"/>
-          </a:xfrm>
-          <a:prstGeom prst="line">
-            <a:avLst/>
-          </a:prstGeom>
-          <a:ln w="25400" cap="sq">
-            <a:gradFill flip="none" rotWithShape="1">
-              <a:gsLst>
-                <a:gs pos="0">
-                  <a:schemeClr val="accent2"/>
-                </a:gs>
-                <a:gs pos="100000">
-                  <a:schemeClr val="accent4"/>
-                </a:gs>
-              </a:gsLst>
-              <a:lin ang="16200000" scaled="1"/>
-              <a:tileRect/>
-            </a:gradFill>
-            <a:bevel/>
-          </a:ln>
-        </p:spPr>
-        <p:style>
-          <a:lnRef idx="1">
-            <a:schemeClr val="accent1"/>
-          </a:lnRef>
-          <a:fillRef idx="0">
-            <a:schemeClr val="accent1"/>
-          </a:fillRef>
-          <a:effectRef idx="0">
-            <a:schemeClr val="accent1"/>
-          </a:effectRef>
-          <a:fontRef idx="minor">
-            <a:schemeClr val="tx1"/>
-          </a:fontRef>
-        </p:style>
-      </p:cxnSp>
-      <p:pic>
-        <p:nvPicPr>
-          <p:cNvPr id="18" name="Picture 17" descr="Chart, bar chart&#10;&#10;Description automatically generated">
-            <a:extLst>
-              <a:ext uri="{FF2B5EF4-FFF2-40B4-BE49-F238E27FC236}">
-                <a16:creationId xmlns:a16="http://schemas.microsoft.com/office/drawing/2014/main" id="{37CE2846-55F3-6B44-8EBE-263804DE9D6A}"/>
-              </a:ext>
-            </a:extLst>
-          </p:cNvPr>
-          <p:cNvPicPr>
-            <a:picLocks noChangeAspect="1"/>
-          </p:cNvPicPr>
-          <p:nvPr/>
-        </p:nvPicPr>
-        <p:blipFill>
-          <a:blip r:embed="rId2"/>
-          <a:stretch>
-            <a:fillRect/>
-          </a:stretch>
-        </p:blipFill>
-        <p:spPr>
-          <a:xfrm>
-            <a:off x="823580" y="4574650"/>
-            <a:ext cx="4434722" cy="2094698"/>
-          </a:xfrm>
-          <a:prstGeom prst="rect">
-            <a:avLst/>
-          </a:prstGeom>
-        </p:spPr>
-      </p:pic>
-      <p:pic>
-        <p:nvPicPr>
-          <p:cNvPr id="20" name="Picture 19" descr="Chart, bar chart&#10;&#10;Description automatically generated">
-            <a:extLst>
-              <a:ext uri="{FF2B5EF4-FFF2-40B4-BE49-F238E27FC236}">
-                <a16:creationId xmlns:a16="http://schemas.microsoft.com/office/drawing/2014/main" id="{6EFF1574-2260-354E-B967-7CF13613E96A}"/>
-              </a:ext>
-            </a:extLst>
-          </p:cNvPr>
-          <p:cNvPicPr>
-            <a:picLocks noChangeAspect="1"/>
-          </p:cNvPicPr>
-          <p:nvPr/>
-        </p:nvPicPr>
-        <p:blipFill>
-          <a:blip r:embed="rId3"/>
-          <a:stretch>
-            <a:fillRect/>
-          </a:stretch>
-        </p:blipFill>
-        <p:spPr>
-          <a:xfrm>
-            <a:off x="813710" y="2355963"/>
-            <a:ext cx="4434722" cy="2094698"/>
-          </a:xfrm>
-          <a:prstGeom prst="rect">
-            <a:avLst/>
-          </a:prstGeom>
-        </p:spPr>
-      </p:pic>
-      <p:pic>
-        <p:nvPicPr>
-          <p:cNvPr id="24" name="Picture 23" descr="Chart, bar chart&#10;&#10;Description automatically generated">
-            <a:extLst>
-              <a:ext uri="{FF2B5EF4-FFF2-40B4-BE49-F238E27FC236}">
-                <a16:creationId xmlns:a16="http://schemas.microsoft.com/office/drawing/2014/main" id="{92CEA24C-1F2F-6645-8956-3D57D1A02BFC}"/>
-              </a:ext>
-            </a:extLst>
-          </p:cNvPr>
-          <p:cNvPicPr>
-            <a:picLocks noChangeAspect="1"/>
-          </p:cNvPicPr>
-          <p:nvPr/>
-        </p:nvPicPr>
-        <p:blipFill>
-          <a:blip r:embed="rId4"/>
-          <a:stretch>
-            <a:fillRect/>
-          </a:stretch>
-        </p:blipFill>
-        <p:spPr>
-          <a:xfrm>
-            <a:off x="813710" y="188653"/>
-            <a:ext cx="4434722" cy="2094698"/>
-          </a:xfrm>
-          <a:prstGeom prst="rect">
-            <a:avLst/>
-          </a:prstGeom>
-        </p:spPr>
-      </p:pic>
-    </p:spTree>
-    <p:extLst>
-      <p:ext uri="{BB962C8B-B14F-4D97-AF65-F5344CB8AC3E}">
-        <p14:creationId xmlns:p14="http://schemas.microsoft.com/office/powerpoint/2010/main" val="4281894143"/>
-      </p:ext>
-    </p:extLst>
-  </p:cSld>
-  <p:clrMapOvr>
-    <a:masterClrMapping/>
-  </p:clrMapOvr>
-</p:sld>
-</file>
-
-<file path=ppt/slides/slide8.xml><?xml version="1.0" encoding="utf-8"?>
-<p:sld xmlns:a="http://schemas.openxmlformats.org/drawingml/2006/main" xmlns:r="http://schemas.openxmlformats.org/officeDocument/2006/relationships" xmlns:p="http://schemas.openxmlformats.org/presentationml/2006/main">
-  <p:cSld>
-    <p:bg>
-      <p:bgPr>
-        <a:solidFill>
-          <a:schemeClr val="bg1"/>
-        </a:solidFill>
-        <a:effectLst/>
-      </p:bgPr>
-    </p:bg>
-    <p:spTree>
-      <p:nvGrpSpPr>
-        <p:cNvPr id="1" name=""/>
-        <p:cNvGrpSpPr/>
-        <p:nvPr/>
-      </p:nvGrpSpPr>
-      <p:grpSpPr>
-        <a:xfrm>
-          <a:off x="0" y="0"/>
-          <a:ext cx="0" cy="0"/>
-          <a:chOff x="0" y="0"/>
-          <a:chExt cx="0" cy="0"/>
-        </a:xfrm>
-      </p:grpSpPr>
-      <p:sp useBgFill="1">
-        <p:nvSpPr>
-          <p:cNvPr id="21" name="Rectangle 20">
-            <a:extLst>
-              <a:ext uri="{FF2B5EF4-FFF2-40B4-BE49-F238E27FC236}">
-                <a16:creationId xmlns:a16="http://schemas.microsoft.com/office/drawing/2014/main" id="{A2679492-7988-4050-9056-542444452411}"/>
-              </a:ext>
-              <a:ext uri="{C183D7F6-B498-43B3-948B-1728B52AA6E4}">
-                <adec:decorative xmlns:adec="http://schemas.microsoft.com/office/drawing/2017/decorative" val="1"/>
-              </a:ext>
-            </a:extLst>
-          </p:cNvPr>
-          <p:cNvSpPr>
-            <a:spLocks noGrp="1" noRot="1" noChangeAspect="1" noMove="1" noResize="1" noEditPoints="1" noAdjustHandles="1" noChangeArrowheads="1" noChangeShapeType="1" noTextEdit="1"/>
-          </p:cNvSpPr>
-          <p:nvPr>
-            <p:extLst>
-              <p:ext uri="{386F3935-93C4-4BCD-93E2-E3B085C9AB24}">
-                <p16:designElem xmlns:p16="http://schemas.microsoft.com/office/powerpoint/2015/main" val="1"/>
-              </p:ext>
-            </p:extLst>
-          </p:nvPr>
-        </p:nvSpPr>
-        <p:spPr>
-          <a:xfrm>
-            <a:off x="0" y="0"/>
-            <a:ext cx="12192000" cy="6858000"/>
-          </a:xfrm>
-          <a:prstGeom prst="rect">
-            <a:avLst/>
-          </a:prstGeom>
-          <a:ln>
-            <a:noFill/>
-          </a:ln>
-        </p:spPr>
-        <p:style>
-          <a:lnRef idx="2">
-            <a:schemeClr val="accent1">
-              <a:shade val="50000"/>
-            </a:schemeClr>
-          </a:lnRef>
-          <a:fillRef idx="1">
-            <a:schemeClr val="accent1"/>
-          </a:fillRef>
-          <a:effectRef idx="0">
-            <a:schemeClr val="accent1"/>
-          </a:effectRef>
-          <a:fontRef idx="minor">
-            <a:schemeClr val="lt1"/>
-          </a:fontRef>
-        </p:style>
-        <p:txBody>
-          <a:bodyPr rtlCol="0" anchor="ctr"/>
-          <a:lstStyle/>
-          <a:p>
-            <a:pPr algn="ctr"/>
-            <a:endParaRPr lang="en-US"/>
-          </a:p>
-        </p:txBody>
-      </p:sp>
-      <p:sp>
-        <p:nvSpPr>
-          <p:cNvPr id="2" name="Title 1">
-            <a:extLst>
-              <a:ext uri="{FF2B5EF4-FFF2-40B4-BE49-F238E27FC236}">
-                <a16:creationId xmlns:a16="http://schemas.microsoft.com/office/drawing/2014/main" id="{AC91A200-057C-E947-9789-46D5EA2406B5}"/>
-              </a:ext>
-            </a:extLst>
-          </p:cNvPr>
-          <p:cNvSpPr>
-            <a:spLocks noGrp="1"/>
-          </p:cNvSpPr>
-          <p:nvPr>
-            <p:ph type="title"/>
-          </p:nvPr>
-        </p:nvSpPr>
-        <p:spPr>
-          <a:xfrm>
-            <a:off x="6412091" y="501651"/>
-            <a:ext cx="4395340" cy="1716255"/>
-          </a:xfrm>
-        </p:spPr>
-        <p:txBody>
-          <a:bodyPr vert="horz" lIns="91440" tIns="45720" rIns="91440" bIns="45720" rtlCol="0" anchor="t">
-            <a:normAutofit/>
-          </a:bodyPr>
-          <a:lstStyle/>
-          <a:p>
-            <a:r>
-              <a:rPr lang="en-US" sz="3800" b="1" kern="1200" cap="all" dirty="0">
-                <a:solidFill>
-                  <a:schemeClr val="tx1"/>
-                </a:solidFill>
-                <a:latin typeface="+mj-lt"/>
-                <a:ea typeface="+mj-ea"/>
-                <a:cs typeface="+mj-cs"/>
-              </a:rPr>
-              <a:t>EDA – Categorical Features</a:t>
-            </a:r>
-            <a:endParaRPr lang="en-US" sz="3800" b="1" i="0" kern="1200" cap="all" baseline="0" dirty="0">
-              <a:solidFill>
-                <a:schemeClr val="tx1"/>
-              </a:solidFill>
-              <a:latin typeface="+mj-lt"/>
-              <a:ea typeface="+mj-ea"/>
-              <a:cs typeface="+mj-cs"/>
-            </a:endParaRPr>
-          </a:p>
-        </p:txBody>
-      </p:sp>
-      <p:sp>
-        <p:nvSpPr>
-          <p:cNvPr id="23" name="Rectangle 22">
-            <a:extLst>
-              <a:ext uri="{FF2B5EF4-FFF2-40B4-BE49-F238E27FC236}">
-                <a16:creationId xmlns:a16="http://schemas.microsoft.com/office/drawing/2014/main" id="{B091B163-7D61-4891-ABCF-5C13D9C418D0}"/>
-              </a:ext>
-              <a:ext uri="{C183D7F6-B498-43B3-948B-1728B52AA6E4}">
-                <adec:decorative xmlns:adec="http://schemas.microsoft.com/office/drawing/2017/decorative" val="1"/>
-              </a:ext>
-            </a:extLst>
-          </p:cNvPr>
-          <p:cNvSpPr>
-            <a:spLocks noGrp="1" noRot="1" noChangeAspect="1" noMove="1" noResize="1" noEditPoints="1" noAdjustHandles="1" noChangeArrowheads="1" noChangeShapeType="1" noTextEdit="1"/>
-          </p:cNvSpPr>
-          <p:nvPr>
-            <p:extLst>
-              <p:ext uri="{386F3935-93C4-4BCD-93E2-E3B085C9AB24}">
-                <p16:designElem xmlns:p16="http://schemas.microsoft.com/office/powerpoint/2015/main" val="1"/>
-              </p:ext>
-            </p:extLst>
-          </p:nvPr>
-        </p:nvSpPr>
-        <p:spPr>
-          <a:xfrm>
-            <a:off x="0" y="0"/>
-            <a:ext cx="5779911" cy="6858000"/>
-          </a:xfrm>
-          <a:prstGeom prst="rect">
-            <a:avLst/>
-          </a:prstGeom>
-          <a:gradFill flip="none" rotWithShape="1">
-            <a:gsLst>
-              <a:gs pos="100000">
-                <a:schemeClr val="accent4"/>
-              </a:gs>
-              <a:gs pos="0">
-                <a:schemeClr val="accent2"/>
-              </a:gs>
-            </a:gsLst>
-            <a:lin ang="2700000" scaled="1"/>
-            <a:tileRect/>
-          </a:gradFill>
-          <a:ln>
-            <a:noFill/>
-          </a:ln>
-        </p:spPr>
-        <p:style>
-          <a:lnRef idx="2">
-            <a:schemeClr val="accent1">
-              <a:shade val="50000"/>
-            </a:schemeClr>
-          </a:lnRef>
-          <a:fillRef idx="1">
-            <a:schemeClr val="accent1"/>
-          </a:fillRef>
-          <a:effectRef idx="0">
-            <a:schemeClr val="accent1"/>
-          </a:effectRef>
-          <a:fontRef idx="minor">
-            <a:schemeClr val="lt1"/>
-          </a:fontRef>
-        </p:style>
-        <p:txBody>
-          <a:bodyPr rtlCol="0" anchor="ctr"/>
-          <a:lstStyle/>
-          <a:p>
-            <a:pPr algn="ctr"/>
-            <a:endParaRPr lang="en-US"/>
-          </a:p>
-        </p:txBody>
-      </p:sp>
-      <p:sp>
-        <p:nvSpPr>
-          <p:cNvPr id="16" name="TextBox 15">
-            <a:extLst>
-              <a:ext uri="{FF2B5EF4-FFF2-40B4-BE49-F238E27FC236}">
-                <a16:creationId xmlns:a16="http://schemas.microsoft.com/office/drawing/2014/main" id="{60A84F9F-322A-2641-B0F5-B1FB06810982}"/>
-              </a:ext>
-            </a:extLst>
-          </p:cNvPr>
-          <p:cNvSpPr txBox="1"/>
-          <p:nvPr/>
-        </p:nvSpPr>
-        <p:spPr>
-          <a:xfrm>
-            <a:off x="6392583" y="2645922"/>
-            <a:ext cx="4434721" cy="3710427"/>
-          </a:xfrm>
-          <a:prstGeom prst="rect">
-            <a:avLst/>
-          </a:prstGeom>
-        </p:spPr>
-        <p:txBody>
-          <a:bodyPr vert="horz" lIns="91440" tIns="45720" rIns="91440" bIns="45720" rtlCol="0" anchor="t">
-            <a:normAutofit/>
-          </a:bodyPr>
-          <a:lstStyle/>
-          <a:p>
-            <a:pPr marL="285750" indent="-228600">
-              <a:lnSpc>
-                <a:spcPct val="90000"/>
-              </a:lnSpc>
-              <a:spcAft>
-                <a:spcPts val="600"/>
-              </a:spcAft>
-              <a:buFont typeface="Arial" panose="020B0604020202020204" pitchFamily="34" charset="0"/>
-              <a:buChar char="•"/>
-            </a:pPr>
-            <a:r>
-              <a:rPr lang="en-US" dirty="0"/>
-              <a:t>Significant difference in Churn Rates between various categorical features</a:t>
-            </a:r>
-          </a:p>
-          <a:p>
-            <a:pPr marL="285750" indent="-228600">
-              <a:lnSpc>
-                <a:spcPct val="90000"/>
-              </a:lnSpc>
-              <a:spcAft>
-                <a:spcPts val="600"/>
-              </a:spcAft>
-              <a:buFont typeface="Arial" panose="020B0604020202020204" pitchFamily="34" charset="0"/>
-              <a:buChar char="•"/>
-            </a:pPr>
-            <a:endParaRPr lang="en-US" dirty="0"/>
-          </a:p>
-          <a:p>
-            <a:pPr marL="285750" indent="-228600">
-              <a:lnSpc>
-                <a:spcPct val="90000"/>
-              </a:lnSpc>
-              <a:spcAft>
-                <a:spcPts val="600"/>
-              </a:spcAft>
-              <a:buFont typeface="Arial" panose="020B0604020202020204" pitchFamily="34" charset="0"/>
-              <a:buChar char="•"/>
-            </a:pPr>
-            <a:r>
-              <a:rPr lang="en-US" dirty="0"/>
-              <a:t>As expected, longer contracts correlate with significantly lower churn</a:t>
-            </a:r>
-          </a:p>
-          <a:p>
-            <a:pPr marL="285750" indent="-228600">
-              <a:lnSpc>
-                <a:spcPct val="90000"/>
-              </a:lnSpc>
-              <a:spcAft>
-                <a:spcPts val="600"/>
-              </a:spcAft>
-              <a:buFont typeface="Arial" panose="020B0604020202020204" pitchFamily="34" charset="0"/>
-              <a:buChar char="•"/>
-            </a:pPr>
-            <a:endParaRPr lang="en-US" dirty="0"/>
-          </a:p>
-          <a:p>
-            <a:pPr marL="285750" indent="-228600">
-              <a:lnSpc>
-                <a:spcPct val="90000"/>
-              </a:lnSpc>
-              <a:spcAft>
-                <a:spcPts val="600"/>
-              </a:spcAft>
-              <a:buFont typeface="Arial" panose="020B0604020202020204" pitchFamily="34" charset="0"/>
-              <a:buChar char="•"/>
-            </a:pPr>
-            <a:r>
-              <a:rPr lang="en-US" dirty="0"/>
-              <a:t>Surprisingly, major correlation between churn and use of Fiber Optic</a:t>
-            </a:r>
-          </a:p>
-        </p:txBody>
-      </p:sp>
-      <p:cxnSp>
-        <p:nvCxnSpPr>
-          <p:cNvPr id="25" name="Straight Connector 24">
-            <a:extLst>
-              <a:ext uri="{FF2B5EF4-FFF2-40B4-BE49-F238E27FC236}">
-                <a16:creationId xmlns:a16="http://schemas.microsoft.com/office/drawing/2014/main" id="{C49DA8F6-BCC1-4447-B54C-57856834B94B}"/>
-              </a:ext>
-              <a:ext uri="{C183D7F6-B498-43B3-948B-1728B52AA6E4}">
-                <adec:decorative xmlns:adec="http://schemas.microsoft.com/office/drawing/2017/decorative" val="1"/>
-              </a:ext>
-            </a:extLst>
-          </p:cNvPr>
-          <p:cNvCxnSpPr>
-            <a:cxnSpLocks noGrp="1" noRot="1" noChangeAspect="1" noMove="1" noResize="1" noEditPoints="1" noAdjustHandles="1" noChangeArrowheads="1" noChangeShapeType="1"/>
-          </p:cNvCxnSpPr>
-          <p:nvPr>
-            <p:extLst>
-              <p:ext uri="{386F3935-93C4-4BCD-93E2-E3B085C9AB24}">
-                <p16:designElem xmlns:p16="http://schemas.microsoft.com/office/powerpoint/2015/main" val="1"/>
-              </p:ext>
-            </p:extLst>
-          </p:nvPr>
-        </p:nvCxnSpPr>
-        <p:spPr>
-          <a:xfrm>
-            <a:off x="11586162" y="3610394"/>
-            <a:ext cx="0" cy="3238728"/>
-          </a:xfrm>
-          <a:prstGeom prst="line">
-            <a:avLst/>
-          </a:prstGeom>
-          <a:ln w="25400" cap="sq">
-            <a:gradFill flip="none" rotWithShape="1">
-              <a:gsLst>
-                <a:gs pos="0">
-                  <a:schemeClr val="accent2"/>
-                </a:gs>
-                <a:gs pos="100000">
-                  <a:schemeClr val="accent4"/>
-                </a:gs>
-              </a:gsLst>
-              <a:lin ang="16200000" scaled="1"/>
-              <a:tileRect/>
-            </a:gradFill>
-            <a:bevel/>
-          </a:ln>
-        </p:spPr>
-        <p:style>
-          <a:lnRef idx="1">
-            <a:schemeClr val="accent1"/>
-          </a:lnRef>
-          <a:fillRef idx="0">
-            <a:schemeClr val="accent1"/>
-          </a:fillRef>
-          <a:effectRef idx="0">
-            <a:schemeClr val="accent1"/>
-          </a:effectRef>
-          <a:fontRef idx="minor">
-            <a:schemeClr val="tx1"/>
-          </a:fontRef>
-        </p:style>
-      </p:cxnSp>
-      <p:pic>
-        <p:nvPicPr>
-          <p:cNvPr id="4" name="Picture 3" descr="Chart, bar chart&#10;&#10;Description automatically generated">
-            <a:extLst>
-              <a:ext uri="{FF2B5EF4-FFF2-40B4-BE49-F238E27FC236}">
-                <a16:creationId xmlns:a16="http://schemas.microsoft.com/office/drawing/2014/main" id="{2954026C-AFE5-F94D-A364-2F93A2486CFE}"/>
-              </a:ext>
-            </a:extLst>
-          </p:cNvPr>
-          <p:cNvPicPr>
-            <a:picLocks noChangeAspect="1"/>
-          </p:cNvPicPr>
-          <p:nvPr/>
-        </p:nvPicPr>
-        <p:blipFill>
-          <a:blip r:embed="rId2"/>
-          <a:stretch>
-            <a:fillRect/>
-          </a:stretch>
-        </p:blipFill>
-        <p:spPr>
-          <a:xfrm>
-            <a:off x="578066" y="130513"/>
-            <a:ext cx="4501843" cy="2087393"/>
-          </a:xfrm>
-          <a:prstGeom prst="rect">
-            <a:avLst/>
-          </a:prstGeom>
-        </p:spPr>
-      </p:pic>
-      <p:pic>
-        <p:nvPicPr>
-          <p:cNvPr id="6" name="Picture 5" descr="Chart, bar chart&#10;&#10;Description automatically generated">
-            <a:extLst>
-              <a:ext uri="{FF2B5EF4-FFF2-40B4-BE49-F238E27FC236}">
-                <a16:creationId xmlns:a16="http://schemas.microsoft.com/office/drawing/2014/main" id="{1108F35C-1DAA-D149-B42C-5747C21A4999}"/>
-              </a:ext>
-            </a:extLst>
-          </p:cNvPr>
-          <p:cNvPicPr>
-            <a:picLocks noChangeAspect="1"/>
-          </p:cNvPicPr>
-          <p:nvPr/>
-        </p:nvPicPr>
-        <p:blipFill>
-          <a:blip r:embed="rId3"/>
-          <a:stretch>
-            <a:fillRect/>
-          </a:stretch>
-        </p:blipFill>
-        <p:spPr>
-          <a:xfrm>
-            <a:off x="578065" y="2356865"/>
-            <a:ext cx="4501843" cy="2087393"/>
-          </a:xfrm>
-          <a:prstGeom prst="rect">
-            <a:avLst/>
-          </a:prstGeom>
-        </p:spPr>
-      </p:pic>
-      <p:pic>
-        <p:nvPicPr>
-          <p:cNvPr id="8" name="Picture 7" descr="Chart, bar chart&#10;&#10;Description automatically generated">
-            <a:extLst>
-              <a:ext uri="{FF2B5EF4-FFF2-40B4-BE49-F238E27FC236}">
-                <a16:creationId xmlns:a16="http://schemas.microsoft.com/office/drawing/2014/main" id="{B1C3E3F3-A579-7F4A-98DD-8CD92A53214C}"/>
-              </a:ext>
-            </a:extLst>
-          </p:cNvPr>
-          <p:cNvPicPr>
-            <a:picLocks noChangeAspect="1"/>
-          </p:cNvPicPr>
-          <p:nvPr/>
-        </p:nvPicPr>
-        <p:blipFill>
-          <a:blip r:embed="rId4"/>
-          <a:stretch>
-            <a:fillRect/>
-          </a:stretch>
-        </p:blipFill>
-        <p:spPr>
-          <a:xfrm>
-            <a:off x="578064" y="4583217"/>
-            <a:ext cx="4501843" cy="2087393"/>
-          </a:xfrm>
-          <a:prstGeom prst="rect">
-            <a:avLst/>
-          </a:prstGeom>
-        </p:spPr>
-      </p:pic>
-    </p:spTree>
-    <p:extLst>
-      <p:ext uri="{BB962C8B-B14F-4D97-AF65-F5344CB8AC3E}">
-        <p14:creationId xmlns:p14="http://schemas.microsoft.com/office/powerpoint/2010/main" val="3105321842"/>
-      </p:ext>
-    </p:extLst>
-  </p:cSld>
-  <p:clrMapOvr>
-    <a:masterClrMapping/>
-  </p:clrMapOvr>
-</p:sld>
-</file>
-
-<file path=ppt/slides/slide9.xml><?xml version="1.0" encoding="utf-8"?>
-<p:sld xmlns:a="http://schemas.openxmlformats.org/drawingml/2006/main" xmlns:r="http://schemas.openxmlformats.org/officeDocument/2006/relationships" xmlns:p="http://schemas.openxmlformats.org/presentationml/2006/main">
-  <p:cSld>
-    <p:bg>
-      <p:bgPr>
-        <a:solidFill>
-          <a:schemeClr val="bg1"/>
-        </a:solidFill>
-        <a:effectLst/>
-      </p:bgPr>
-    </p:bg>
-    <p:spTree>
-      <p:nvGrpSpPr>
-        <p:cNvPr id="1" name=""/>
-        <p:cNvGrpSpPr/>
-        <p:nvPr/>
-      </p:nvGrpSpPr>
-      <p:grpSpPr>
-        <a:xfrm>
-          <a:off x="0" y="0"/>
-          <a:ext cx="0" cy="0"/>
-          <a:chOff x="0" y="0"/>
-          <a:chExt cx="0" cy="0"/>
-        </a:xfrm>
-      </p:grpSpPr>
-      <p:sp useBgFill="1">
-        <p:nvSpPr>
-          <p:cNvPr id="21" name="Rectangle 20">
-            <a:extLst>
-              <a:ext uri="{FF2B5EF4-FFF2-40B4-BE49-F238E27FC236}">
-                <a16:creationId xmlns:a16="http://schemas.microsoft.com/office/drawing/2014/main" id="{A2679492-7988-4050-9056-542444452411}"/>
-              </a:ext>
-              <a:ext uri="{C183D7F6-B498-43B3-948B-1728B52AA6E4}">
-                <adec:decorative xmlns:adec="http://schemas.microsoft.com/office/drawing/2017/decorative" val="1"/>
-              </a:ext>
-            </a:extLst>
-          </p:cNvPr>
-          <p:cNvSpPr>
-            <a:spLocks noGrp="1" noRot="1" noChangeAspect="1" noMove="1" noResize="1" noEditPoints="1" noAdjustHandles="1" noChangeArrowheads="1" noChangeShapeType="1" noTextEdit="1"/>
-          </p:cNvSpPr>
-          <p:nvPr>
-            <p:extLst>
-              <p:ext uri="{386F3935-93C4-4BCD-93E2-E3B085C9AB24}">
-                <p16:designElem xmlns:p16="http://schemas.microsoft.com/office/powerpoint/2015/main" val="1"/>
-              </p:ext>
-            </p:extLst>
-          </p:nvPr>
-        </p:nvSpPr>
-        <p:spPr>
-          <a:xfrm>
-            <a:off x="0" y="0"/>
-            <a:ext cx="12192000" cy="6858000"/>
-          </a:xfrm>
-          <a:prstGeom prst="rect">
-            <a:avLst/>
-          </a:prstGeom>
-          <a:ln>
-            <a:noFill/>
-          </a:ln>
-        </p:spPr>
-        <p:style>
-          <a:lnRef idx="2">
-            <a:schemeClr val="accent1">
-              <a:shade val="50000"/>
-            </a:schemeClr>
-          </a:lnRef>
-          <a:fillRef idx="1">
-            <a:schemeClr val="accent1"/>
-          </a:fillRef>
-          <a:effectRef idx="0">
-            <a:schemeClr val="accent1"/>
-          </a:effectRef>
-          <a:fontRef idx="minor">
-            <a:schemeClr val="lt1"/>
-          </a:fontRef>
-        </p:style>
-        <p:txBody>
-          <a:bodyPr rtlCol="0" anchor="ctr"/>
-          <a:lstStyle/>
-          <a:p>
-            <a:pPr algn="ctr"/>
-            <a:endParaRPr lang="en-US"/>
-          </a:p>
-        </p:txBody>
-      </p:sp>
-      <p:sp>
-        <p:nvSpPr>
-          <p:cNvPr id="2" name="Title 1">
-            <a:extLst>
-              <a:ext uri="{FF2B5EF4-FFF2-40B4-BE49-F238E27FC236}">
-                <a16:creationId xmlns:a16="http://schemas.microsoft.com/office/drawing/2014/main" id="{AC91A200-057C-E947-9789-46D5EA2406B5}"/>
-              </a:ext>
-            </a:extLst>
-          </p:cNvPr>
-          <p:cNvSpPr>
-            <a:spLocks noGrp="1"/>
-          </p:cNvSpPr>
-          <p:nvPr>
-            <p:ph type="title"/>
-          </p:nvPr>
-        </p:nvSpPr>
-        <p:spPr>
-          <a:xfrm>
-            <a:off x="6392583" y="501651"/>
-            <a:ext cx="4434720" cy="1716255"/>
-          </a:xfrm>
-        </p:spPr>
-        <p:txBody>
-          <a:bodyPr vert="horz" lIns="91440" tIns="45720" rIns="91440" bIns="45720" rtlCol="0" anchor="b">
-            <a:normAutofit/>
-          </a:bodyPr>
-          <a:lstStyle/>
-          <a:p>
-            <a:r>
-              <a:rPr lang="en-US" sz="3800" b="1" kern="1200" cap="all" dirty="0">
-                <a:solidFill>
-                  <a:schemeClr val="tx1"/>
-                </a:solidFill>
-                <a:latin typeface="+mj-lt"/>
-                <a:ea typeface="+mj-ea"/>
-                <a:cs typeface="+mj-cs"/>
-              </a:rPr>
-              <a:t>EDA – Continuous Features</a:t>
-            </a:r>
-            <a:endParaRPr lang="en-US" sz="3800" b="1" i="0" kern="1200" cap="all" baseline="0" dirty="0">
-              <a:solidFill>
-                <a:schemeClr val="tx1"/>
-              </a:solidFill>
-              <a:latin typeface="+mj-lt"/>
-              <a:ea typeface="+mj-ea"/>
-              <a:cs typeface="+mj-cs"/>
-            </a:endParaRPr>
-          </a:p>
-        </p:txBody>
-      </p:sp>
-      <p:sp>
-        <p:nvSpPr>
-          <p:cNvPr id="23" name="Rectangle 22">
-            <a:extLst>
-              <a:ext uri="{FF2B5EF4-FFF2-40B4-BE49-F238E27FC236}">
-                <a16:creationId xmlns:a16="http://schemas.microsoft.com/office/drawing/2014/main" id="{B091B163-7D61-4891-ABCF-5C13D9C418D0}"/>
-              </a:ext>
-              <a:ext uri="{C183D7F6-B498-43B3-948B-1728B52AA6E4}">
-                <adec:decorative xmlns:adec="http://schemas.microsoft.com/office/drawing/2017/decorative" val="1"/>
-              </a:ext>
-            </a:extLst>
-          </p:cNvPr>
-          <p:cNvSpPr>
-            <a:spLocks noGrp="1" noRot="1" noChangeAspect="1" noMove="1" noResize="1" noEditPoints="1" noAdjustHandles="1" noChangeArrowheads="1" noChangeShapeType="1" noTextEdit="1"/>
-          </p:cNvSpPr>
-          <p:nvPr>
-            <p:extLst>
-              <p:ext uri="{386F3935-93C4-4BCD-93E2-E3B085C9AB24}">
-                <p16:designElem xmlns:p16="http://schemas.microsoft.com/office/powerpoint/2015/main" val="1"/>
-              </p:ext>
-            </p:extLst>
-          </p:nvPr>
-        </p:nvSpPr>
-        <p:spPr>
-          <a:xfrm>
-            <a:off x="0" y="0"/>
-            <a:ext cx="5779911" cy="6858000"/>
-          </a:xfrm>
-          <a:prstGeom prst="rect">
-            <a:avLst/>
-          </a:prstGeom>
-          <a:gradFill flip="none" rotWithShape="1">
-            <a:gsLst>
-              <a:gs pos="100000">
-                <a:schemeClr val="accent4"/>
-              </a:gs>
-              <a:gs pos="0">
-                <a:schemeClr val="accent2"/>
-              </a:gs>
-            </a:gsLst>
-            <a:lin ang="2700000" scaled="1"/>
-            <a:tileRect/>
-          </a:gradFill>
-          <a:ln>
-            <a:noFill/>
-          </a:ln>
-        </p:spPr>
-        <p:style>
-          <a:lnRef idx="2">
-            <a:schemeClr val="accent1">
-              <a:shade val="50000"/>
-            </a:schemeClr>
-          </a:lnRef>
-          <a:fillRef idx="1">
-            <a:schemeClr val="accent1"/>
-          </a:fillRef>
-          <a:effectRef idx="0">
-            <a:schemeClr val="accent1"/>
-          </a:effectRef>
-          <a:fontRef idx="minor">
-            <a:schemeClr val="lt1"/>
-          </a:fontRef>
-        </p:style>
-        <p:txBody>
-          <a:bodyPr rtlCol="0" anchor="ctr"/>
-          <a:lstStyle/>
-          <a:p>
-            <a:pPr algn="ctr"/>
-            <a:endParaRPr lang="en-US"/>
-          </a:p>
-        </p:txBody>
-      </p:sp>
-      <p:sp>
-        <p:nvSpPr>
-          <p:cNvPr id="16" name="TextBox 15">
-            <a:extLst>
-              <a:ext uri="{FF2B5EF4-FFF2-40B4-BE49-F238E27FC236}">
-                <a16:creationId xmlns:a16="http://schemas.microsoft.com/office/drawing/2014/main" id="{60A84F9F-322A-2641-B0F5-B1FB06810982}"/>
-              </a:ext>
-            </a:extLst>
-          </p:cNvPr>
-          <p:cNvSpPr txBox="1"/>
-          <p:nvPr/>
-        </p:nvSpPr>
-        <p:spPr>
-          <a:xfrm>
-            <a:off x="6392583" y="2645922"/>
-            <a:ext cx="4434721" cy="3710427"/>
-          </a:xfrm>
-          <a:prstGeom prst="rect">
-            <a:avLst/>
-          </a:prstGeom>
-        </p:spPr>
-        <p:txBody>
-          <a:bodyPr vert="horz" lIns="91440" tIns="45720" rIns="91440" bIns="45720" rtlCol="0" anchor="t">
-            <a:normAutofit/>
-          </a:bodyPr>
-          <a:lstStyle/>
-          <a:p>
-            <a:pPr marL="285750" indent="-228600">
-              <a:lnSpc>
-                <a:spcPct val="90000"/>
-              </a:lnSpc>
-              <a:spcAft>
-                <a:spcPts val="600"/>
-              </a:spcAft>
-              <a:buFont typeface="Arial" panose="020B0604020202020204" pitchFamily="34" charset="0"/>
-              <a:buChar char="•"/>
-            </a:pPr>
-            <a:r>
-              <a:rPr lang="en-US" dirty="0"/>
-              <a:t>Churn occurs more frequently as Monthly Charges increase</a:t>
-            </a:r>
-          </a:p>
-          <a:p>
-            <a:pPr marL="285750" indent="-228600">
-              <a:lnSpc>
-                <a:spcPct val="90000"/>
-              </a:lnSpc>
-              <a:spcAft>
-                <a:spcPts val="600"/>
-              </a:spcAft>
-              <a:buFont typeface="Arial" panose="020B0604020202020204" pitchFamily="34" charset="0"/>
-              <a:buChar char="•"/>
-            </a:pPr>
-            <a:endParaRPr lang="en-US" dirty="0"/>
-          </a:p>
-          <a:p>
-            <a:pPr marL="285750" indent="-228600">
-              <a:lnSpc>
-                <a:spcPct val="90000"/>
-              </a:lnSpc>
-              <a:spcAft>
-                <a:spcPts val="600"/>
-              </a:spcAft>
-              <a:buFont typeface="Arial" panose="020B0604020202020204" pitchFamily="34" charset="0"/>
-              <a:buChar char="•"/>
-            </a:pPr>
-            <a:r>
-              <a:rPr lang="en-US" dirty="0"/>
-              <a:t>As expected, churn vs </a:t>
-            </a:r>
-            <a:r>
-              <a:rPr lang="en-US" dirty="0" err="1"/>
-              <a:t>no_churn</a:t>
-            </a:r>
-            <a:r>
-              <a:rPr lang="en-US" dirty="0"/>
-              <a:t> distributions vary greatly with respect to tenure</a:t>
-            </a:r>
-          </a:p>
-          <a:p>
-            <a:pPr marL="285750" indent="-228600">
-              <a:lnSpc>
-                <a:spcPct val="90000"/>
-              </a:lnSpc>
-              <a:spcAft>
-                <a:spcPts val="600"/>
-              </a:spcAft>
-              <a:buFont typeface="Arial" panose="020B0604020202020204" pitchFamily="34" charset="0"/>
-              <a:buChar char="•"/>
-            </a:pPr>
-            <a:endParaRPr lang="en-US" dirty="0"/>
-          </a:p>
-          <a:p>
-            <a:pPr marL="285750" indent="-228600">
-              <a:lnSpc>
-                <a:spcPct val="90000"/>
-              </a:lnSpc>
-              <a:spcAft>
-                <a:spcPts val="600"/>
-              </a:spcAft>
-              <a:buFont typeface="Arial" panose="020B0604020202020204" pitchFamily="34" charset="0"/>
-              <a:buChar char="•"/>
-            </a:pPr>
-            <a:r>
-              <a:rPr lang="en-US" dirty="0"/>
-              <a:t>Similar to Monthly Charges, people that pay more per service churn more</a:t>
-            </a:r>
-          </a:p>
-        </p:txBody>
-      </p:sp>
-      <p:cxnSp>
-        <p:nvCxnSpPr>
-          <p:cNvPr id="25" name="Straight Connector 24">
-            <a:extLst>
-              <a:ext uri="{FF2B5EF4-FFF2-40B4-BE49-F238E27FC236}">
-                <a16:creationId xmlns:a16="http://schemas.microsoft.com/office/drawing/2014/main" id="{C49DA8F6-BCC1-4447-B54C-57856834B94B}"/>
-              </a:ext>
-              <a:ext uri="{C183D7F6-B498-43B3-948B-1728B52AA6E4}">
-                <adec:decorative xmlns:adec="http://schemas.microsoft.com/office/drawing/2017/decorative" val="1"/>
-              </a:ext>
-            </a:extLst>
-          </p:cNvPr>
-          <p:cNvCxnSpPr>
-            <a:cxnSpLocks noGrp="1" noRot="1" noChangeAspect="1" noMove="1" noResize="1" noEditPoints="1" noAdjustHandles="1" noChangeArrowheads="1" noChangeShapeType="1"/>
-          </p:cNvCxnSpPr>
-          <p:nvPr>
-            <p:extLst>
-              <p:ext uri="{386F3935-93C4-4BCD-93E2-E3B085C9AB24}">
-                <p16:designElem xmlns:p16="http://schemas.microsoft.com/office/powerpoint/2015/main" val="1"/>
-              </p:ext>
-            </p:extLst>
-          </p:nvPr>
-        </p:nvCxnSpPr>
-        <p:spPr>
-          <a:xfrm>
-            <a:off x="11586162" y="3610394"/>
-            <a:ext cx="0" cy="3238728"/>
-          </a:xfrm>
-          <a:prstGeom prst="line">
-            <a:avLst/>
-          </a:prstGeom>
-          <a:ln w="25400" cap="sq">
-            <a:gradFill flip="none" rotWithShape="1">
-              <a:gsLst>
-                <a:gs pos="0">
-                  <a:schemeClr val="accent2"/>
-                </a:gs>
-                <a:gs pos="100000">
-                  <a:schemeClr val="accent4"/>
-                </a:gs>
-              </a:gsLst>
-              <a:lin ang="16200000" scaled="1"/>
-              <a:tileRect/>
-            </a:gradFill>
-            <a:bevel/>
-          </a:ln>
-        </p:spPr>
-        <p:style>
-          <a:lnRef idx="1">
-            <a:schemeClr val="accent1"/>
-          </a:lnRef>
-          <a:fillRef idx="0">
-            <a:schemeClr val="accent1"/>
-          </a:fillRef>
-          <a:effectRef idx="0">
-            <a:schemeClr val="accent1"/>
-          </a:effectRef>
-          <a:fontRef idx="minor">
-            <a:schemeClr val="tx1"/>
-          </a:fontRef>
-        </p:style>
-      </p:cxnSp>
-      <p:pic>
-        <p:nvPicPr>
-          <p:cNvPr id="5" name="Picture 4" descr="Chart, histogram&#10;&#10;Description automatically generated">
-            <a:extLst>
-              <a:ext uri="{FF2B5EF4-FFF2-40B4-BE49-F238E27FC236}">
-                <a16:creationId xmlns:a16="http://schemas.microsoft.com/office/drawing/2014/main" id="{CCE7ABD5-FCCD-5246-8E8F-74178F43F0E4}"/>
-              </a:ext>
-            </a:extLst>
-          </p:cNvPr>
-          <p:cNvPicPr>
-            <a:picLocks noChangeAspect="1"/>
-          </p:cNvPicPr>
-          <p:nvPr/>
-        </p:nvPicPr>
-        <p:blipFill>
-          <a:blip r:embed="rId2"/>
-          <a:stretch>
-            <a:fillRect/>
-          </a:stretch>
-        </p:blipFill>
-        <p:spPr>
-          <a:xfrm>
-            <a:off x="1211323" y="271463"/>
-            <a:ext cx="3357263" cy="1872807"/>
-          </a:xfrm>
-          <a:prstGeom prst="rect">
-            <a:avLst/>
-          </a:prstGeom>
-        </p:spPr>
-      </p:pic>
-      <p:pic>
-        <p:nvPicPr>
-          <p:cNvPr id="9" name="Picture 8" descr="Chart, histogram&#10;&#10;Description automatically generated">
-            <a:extLst>
-              <a:ext uri="{FF2B5EF4-FFF2-40B4-BE49-F238E27FC236}">
-                <a16:creationId xmlns:a16="http://schemas.microsoft.com/office/drawing/2014/main" id="{84DB6AF1-CAAE-5147-BB26-3643CBC7803C}"/>
-              </a:ext>
-            </a:extLst>
-          </p:cNvPr>
-          <p:cNvPicPr>
-            <a:picLocks noChangeAspect="1"/>
-          </p:cNvPicPr>
-          <p:nvPr/>
-        </p:nvPicPr>
-        <p:blipFill>
-          <a:blip r:embed="rId3"/>
-          <a:stretch>
-            <a:fillRect/>
-          </a:stretch>
-        </p:blipFill>
-        <p:spPr>
-          <a:xfrm>
-            <a:off x="1211322" y="2415733"/>
-            <a:ext cx="3357263" cy="1872807"/>
-          </a:xfrm>
-          <a:prstGeom prst="rect">
-            <a:avLst/>
-          </a:prstGeom>
-        </p:spPr>
-      </p:pic>
-      <p:pic>
-        <p:nvPicPr>
-          <p:cNvPr id="12" name="Picture 11" descr="Chart, histogram&#10;&#10;Description automatically generated">
-            <a:extLst>
-              <a:ext uri="{FF2B5EF4-FFF2-40B4-BE49-F238E27FC236}">
-                <a16:creationId xmlns:a16="http://schemas.microsoft.com/office/drawing/2014/main" id="{7680A6FE-0D38-F14C-BDDC-C871725B7D22}"/>
-              </a:ext>
-            </a:extLst>
-          </p:cNvPr>
-          <p:cNvPicPr>
-            <a:picLocks noChangeAspect="1"/>
-          </p:cNvPicPr>
-          <p:nvPr/>
-        </p:nvPicPr>
-        <p:blipFill>
-          <a:blip r:embed="rId4"/>
-          <a:stretch>
-            <a:fillRect/>
-          </a:stretch>
-        </p:blipFill>
-        <p:spPr>
-          <a:xfrm>
-            <a:off x="1211321" y="4560003"/>
-            <a:ext cx="3357263" cy="1872807"/>
-          </a:xfrm>
-          <a:prstGeom prst="rect">
-            <a:avLst/>
-          </a:prstGeom>
-        </p:spPr>
-      </p:pic>
-    </p:spTree>
-    <p:extLst>
-      <p:ext uri="{BB962C8B-B14F-4D97-AF65-F5344CB8AC3E}">
-        <p14:creationId xmlns:p14="http://schemas.microsoft.com/office/powerpoint/2010/main" val="3625795537"/>
+        <p14:creationId xmlns:p14="http://schemas.microsoft.com/office/powerpoint/2010/main" val="2237631758"/>
       </p:ext>
     </p:extLst>
   </p:cSld>
